--- a/figs/lti_image.pptx
+++ b/figs/lti_image.pptx
@@ -2,10 +2,10 @@
 <file path=ppt/presentation.xml><?xml version="1.0" encoding="utf-8"?>
 <p:presentation xmlns:a="http://schemas.openxmlformats.org/drawingml/2006/main" xmlns:r="http://schemas.openxmlformats.org/officeDocument/2006/relationships" xmlns:p="http://schemas.openxmlformats.org/presentationml/2006/main" saveSubsetFonts="1" autoCompressPictures="0">
   <p:sldMasterIdLst>
-    <p:sldMasterId id="2147483648" r:id="rId1"/>
+    <p:sldMasterId id="2147483684" r:id="rId1"/>
   </p:sldMasterIdLst>
   <p:notesMasterIdLst>
-    <p:notesMasterId r:id="rId8"/>
+    <p:notesMasterId r:id="rId10"/>
   </p:notesMasterIdLst>
   <p:sldIdLst>
     <p:sldId id="256" r:id="rId2"/>
@@ -13,9 +13,11 @@
     <p:sldId id="261" r:id="rId4"/>
     <p:sldId id="259" r:id="rId5"/>
     <p:sldId id="260" r:id="rId6"/>
-    <p:sldId id="257" r:id="rId7"/>
+    <p:sldId id="263" r:id="rId7"/>
+    <p:sldId id="265" r:id="rId8"/>
+    <p:sldId id="264" r:id="rId9"/>
   </p:sldIdLst>
-  <p:sldSz cx="12192000" cy="6858000"/>
+  <p:sldSz cx="8229600" cy="5943600"/>
   <p:notesSz cx="6858000" cy="9144000"/>
   <p:defaultTextStyle>
     <a:defPPr>
@@ -202,7 +204,7 @@
           <a:p>
             <a:fld id="{6EF69796-788C-A348-BE46-6B089433783A}" type="datetimeFigureOut">
               <a:rPr lang="en-US" smtClean="0"/>
-              <a:t>12/21/18</a:t>
+              <a:t>3/29/19</a:t>
             </a:fld>
             <a:endParaRPr lang="en-US"/>
           </a:p>
@@ -220,8 +222,8 @@
         </p:nvSpPr>
         <p:spPr>
           <a:xfrm>
-            <a:off x="685800" y="1143000"/>
-            <a:ext cx="5486400" cy="3086100"/>
+            <a:off x="1293813" y="1143000"/>
+            <a:ext cx="4270375" cy="3086100"/>
           </a:xfrm>
           <a:prstGeom prst="rect">
             <a:avLst/>
@@ -499,15 +501,15 @@
         </p:nvSpPr>
         <p:spPr>
           <a:xfrm>
-            <a:off x="1524000" y="1122363"/>
-            <a:ext cx="9144000" cy="2387600"/>
+            <a:off x="617220" y="972715"/>
+            <a:ext cx="6995160" cy="2069253"/>
           </a:xfrm>
         </p:spPr>
         <p:txBody>
           <a:bodyPr anchor="b"/>
           <a:lstStyle>
             <a:lvl1pPr algn="ctr">
-              <a:defRPr sz="6000"/>
+              <a:defRPr sz="5200"/>
             </a:lvl1pPr>
           </a:lstStyle>
           <a:p>
@@ -515,7 +517,7 @@
               <a:rPr lang="en-US" smtClean="0"/>
               <a:t>Click to edit Master title style</a:t>
             </a:r>
-            <a:endParaRPr lang="en-US"/>
+            <a:endParaRPr lang="en-US" dirty="0"/>
           </a:p>
         </p:txBody>
       </p:sp>
@@ -531,8 +533,8 @@
         </p:nvSpPr>
         <p:spPr>
           <a:xfrm>
-            <a:off x="1524000" y="3602038"/>
-            <a:ext cx="9144000" cy="1655762"/>
+            <a:off x="1028700" y="3121766"/>
+            <a:ext cx="6172200" cy="1434994"/>
           </a:xfrm>
         </p:spPr>
         <p:txBody>
@@ -540,39 +542,39 @@
           <a:lstStyle>
             <a:lvl1pPr marL="0" indent="0" algn="ctr">
               <a:buNone/>
-              <a:defRPr sz="2400"/>
+              <a:defRPr sz="2080"/>
             </a:lvl1pPr>
-            <a:lvl2pPr marL="457200" indent="0" algn="ctr">
+            <a:lvl2pPr marL="396255" indent="0" algn="ctr">
               <a:buNone/>
-              <a:defRPr sz="2000"/>
+              <a:defRPr sz="1733"/>
             </a:lvl2pPr>
-            <a:lvl3pPr marL="914400" indent="0" algn="ctr">
+            <a:lvl3pPr marL="792510" indent="0" algn="ctr">
               <a:buNone/>
-              <a:defRPr sz="1800"/>
+              <a:defRPr sz="1560"/>
             </a:lvl3pPr>
-            <a:lvl4pPr marL="1371600" indent="0" algn="ctr">
+            <a:lvl4pPr marL="1188766" indent="0" algn="ctr">
               <a:buNone/>
-              <a:defRPr sz="1600"/>
+              <a:defRPr sz="1387"/>
             </a:lvl4pPr>
-            <a:lvl5pPr marL="1828800" indent="0" algn="ctr">
+            <a:lvl5pPr marL="1585021" indent="0" algn="ctr">
               <a:buNone/>
-              <a:defRPr sz="1600"/>
+              <a:defRPr sz="1387"/>
             </a:lvl5pPr>
-            <a:lvl6pPr marL="2286000" indent="0" algn="ctr">
+            <a:lvl6pPr marL="1981276" indent="0" algn="ctr">
               <a:buNone/>
-              <a:defRPr sz="1600"/>
+              <a:defRPr sz="1387"/>
             </a:lvl6pPr>
-            <a:lvl7pPr marL="2743200" indent="0" algn="ctr">
+            <a:lvl7pPr marL="2377531" indent="0" algn="ctr">
               <a:buNone/>
-              <a:defRPr sz="1600"/>
+              <a:defRPr sz="1387"/>
             </a:lvl7pPr>
-            <a:lvl8pPr marL="3200400" indent="0" algn="ctr">
+            <a:lvl8pPr marL="2773787" indent="0" algn="ctr">
               <a:buNone/>
-              <a:defRPr sz="1600"/>
+              <a:defRPr sz="1387"/>
             </a:lvl8pPr>
-            <a:lvl9pPr marL="3657600" indent="0" algn="ctr">
+            <a:lvl9pPr marL="3170042" indent="0" algn="ctr">
               <a:buNone/>
-              <a:defRPr sz="1600"/>
+              <a:defRPr sz="1387"/>
             </a:lvl9pPr>
           </a:lstStyle>
           <a:p>
@@ -580,7 +582,7 @@
               <a:rPr lang="en-US" smtClean="0"/>
               <a:t>Click to edit Master subtitle style</a:t>
             </a:r>
-            <a:endParaRPr lang="en-US"/>
+            <a:endParaRPr lang="en-US" dirty="0"/>
           </a:p>
         </p:txBody>
       </p:sp>
@@ -601,7 +603,7 @@
           <a:p>
             <a:fld id="{C66F2F5D-9870-7E4C-BF6A-A5AB7CE44D0F}" type="datetimeFigureOut">
               <a:rPr lang="en-US" smtClean="0"/>
-              <a:t>12/21/18</a:t>
+              <a:t>3/29/19</a:t>
             </a:fld>
             <a:endParaRPr lang="en-US"/>
           </a:p>
@@ -650,11 +652,6 @@
         </p:txBody>
       </p:sp>
     </p:spTree>
-    <p:extLst>
-      <p:ext uri="{BB962C8B-B14F-4D97-AF65-F5344CB8AC3E}">
-        <p14:creationId xmlns:p14="http://schemas.microsoft.com/office/powerpoint/2010/main" val="970484644"/>
-      </p:ext>
-    </p:extLst>
   </p:cSld>
   <p:clrMapOvr>
     <a:masterClrMapping/>
@@ -698,7 +695,7 @@
               <a:rPr lang="en-US" smtClean="0"/>
               <a:t>Click to edit Master title style</a:t>
             </a:r>
-            <a:endParaRPr lang="en-US"/>
+            <a:endParaRPr lang="en-US" dirty="0"/>
           </a:p>
         </p:txBody>
       </p:sp>
@@ -750,7 +747,7 @@
               <a:rPr lang="en-US" smtClean="0"/>
               <a:t>Fifth level</a:t>
             </a:r>
-            <a:endParaRPr lang="en-US"/>
+            <a:endParaRPr lang="en-US" dirty="0"/>
           </a:p>
         </p:txBody>
       </p:sp>
@@ -771,7 +768,7 @@
           <a:p>
             <a:fld id="{C66F2F5D-9870-7E4C-BF6A-A5AB7CE44D0F}" type="datetimeFigureOut">
               <a:rPr lang="en-US" smtClean="0"/>
-              <a:t>12/21/18</a:t>
+              <a:t>3/29/19</a:t>
             </a:fld>
             <a:endParaRPr lang="en-US"/>
           </a:p>
@@ -820,11 +817,6 @@
         </p:txBody>
       </p:sp>
     </p:spTree>
-    <p:extLst>
-      <p:ext uri="{BB962C8B-B14F-4D97-AF65-F5344CB8AC3E}">
-        <p14:creationId xmlns:p14="http://schemas.microsoft.com/office/powerpoint/2010/main" val="1264490102"/>
-      </p:ext>
-    </p:extLst>
   </p:cSld>
   <p:clrMapOvr>
     <a:masterClrMapping/>
@@ -861,8 +853,8 @@
         </p:nvSpPr>
         <p:spPr>
           <a:xfrm>
-            <a:off x="8724900" y="365125"/>
-            <a:ext cx="2628900" cy="5811838"/>
+            <a:off x="5889308" y="316442"/>
+            <a:ext cx="1774508" cy="5036926"/>
           </a:xfrm>
         </p:spPr>
         <p:txBody>
@@ -873,7 +865,7 @@
               <a:rPr lang="en-US" smtClean="0"/>
               <a:t>Click to edit Master title style</a:t>
             </a:r>
-            <a:endParaRPr lang="en-US"/>
+            <a:endParaRPr lang="en-US" dirty="0"/>
           </a:p>
         </p:txBody>
       </p:sp>
@@ -889,8 +881,8 @@
         </p:nvSpPr>
         <p:spPr>
           <a:xfrm>
-            <a:off x="838200" y="365125"/>
-            <a:ext cx="7734300" cy="5811838"/>
+            <a:off x="565785" y="316442"/>
+            <a:ext cx="5220653" cy="5036926"/>
           </a:xfrm>
         </p:spPr>
         <p:txBody>
@@ -930,7 +922,7 @@
               <a:rPr lang="en-US" smtClean="0"/>
               <a:t>Fifth level</a:t>
             </a:r>
-            <a:endParaRPr lang="en-US"/>
+            <a:endParaRPr lang="en-US" dirty="0"/>
           </a:p>
         </p:txBody>
       </p:sp>
@@ -951,7 +943,7 @@
           <a:p>
             <a:fld id="{C66F2F5D-9870-7E4C-BF6A-A5AB7CE44D0F}" type="datetimeFigureOut">
               <a:rPr lang="en-US" smtClean="0"/>
-              <a:t>12/21/18</a:t>
+              <a:t>3/29/19</a:t>
             </a:fld>
             <a:endParaRPr lang="en-US"/>
           </a:p>
@@ -1000,11 +992,6 @@
         </p:txBody>
       </p:sp>
     </p:spTree>
-    <p:extLst>
-      <p:ext uri="{BB962C8B-B14F-4D97-AF65-F5344CB8AC3E}">
-        <p14:creationId xmlns:p14="http://schemas.microsoft.com/office/powerpoint/2010/main" val="786973602"/>
-      </p:ext>
-    </p:extLst>
   </p:cSld>
   <p:clrMapOvr>
     <a:masterClrMapping/>
@@ -1048,7 +1035,7 @@
               <a:rPr lang="en-US" smtClean="0"/>
               <a:t>Click to edit Master title style</a:t>
             </a:r>
-            <a:endParaRPr lang="en-US"/>
+            <a:endParaRPr lang="en-US" dirty="0"/>
           </a:p>
         </p:txBody>
       </p:sp>
@@ -1100,7 +1087,7 @@
               <a:rPr lang="en-US" smtClean="0"/>
               <a:t>Fifth level</a:t>
             </a:r>
-            <a:endParaRPr lang="en-US"/>
+            <a:endParaRPr lang="en-US" dirty="0"/>
           </a:p>
         </p:txBody>
       </p:sp>
@@ -1121,7 +1108,7 @@
           <a:p>
             <a:fld id="{C66F2F5D-9870-7E4C-BF6A-A5AB7CE44D0F}" type="datetimeFigureOut">
               <a:rPr lang="en-US" smtClean="0"/>
-              <a:t>12/21/18</a:t>
+              <a:t>3/29/19</a:t>
             </a:fld>
             <a:endParaRPr lang="en-US"/>
           </a:p>
@@ -1170,11 +1157,6 @@
         </p:txBody>
       </p:sp>
     </p:spTree>
-    <p:extLst>
-      <p:ext uri="{BB962C8B-B14F-4D97-AF65-F5344CB8AC3E}">
-        <p14:creationId xmlns:p14="http://schemas.microsoft.com/office/powerpoint/2010/main" val="797112743"/>
-      </p:ext>
-    </p:extLst>
   </p:cSld>
   <p:clrMapOvr>
     <a:masterClrMapping/>
@@ -1211,15 +1193,15 @@
         </p:nvSpPr>
         <p:spPr>
           <a:xfrm>
-            <a:off x="831850" y="1709738"/>
-            <a:ext cx="10515600" cy="2852737"/>
+            <a:off x="561499" y="1481774"/>
+            <a:ext cx="7098030" cy="2472372"/>
           </a:xfrm>
         </p:spPr>
         <p:txBody>
           <a:bodyPr anchor="b"/>
           <a:lstStyle>
             <a:lvl1pPr>
-              <a:defRPr sz="6000"/>
+              <a:defRPr sz="5200"/>
             </a:lvl1pPr>
           </a:lstStyle>
           <a:p>
@@ -1227,7 +1209,7 @@
               <a:rPr lang="en-US" smtClean="0"/>
               <a:t>Click to edit Master title style</a:t>
             </a:r>
-            <a:endParaRPr lang="en-US"/>
+            <a:endParaRPr lang="en-US" dirty="0"/>
           </a:p>
         </p:txBody>
       </p:sp>
@@ -1243,8 +1225,8 @@
         </p:nvSpPr>
         <p:spPr>
           <a:xfrm>
-            <a:off x="831850" y="4589463"/>
-            <a:ext cx="10515600" cy="1500187"/>
+            <a:off x="561499" y="3977536"/>
+            <a:ext cx="7098030" cy="1300162"/>
           </a:xfrm>
         </p:spPr>
         <p:txBody>
@@ -1252,17 +1234,15 @@
           <a:lstStyle>
             <a:lvl1pPr marL="0" indent="0">
               <a:buNone/>
-              <a:defRPr sz="2400">
+              <a:defRPr sz="2080">
                 <a:solidFill>
-                  <a:schemeClr val="tx1">
-                    <a:tint val="75000"/>
-                  </a:schemeClr>
+                  <a:schemeClr val="tx1"/>
                 </a:solidFill>
               </a:defRPr>
             </a:lvl1pPr>
-            <a:lvl2pPr marL="457200" indent="0">
+            <a:lvl2pPr marL="396255" indent="0">
               <a:buNone/>
-              <a:defRPr sz="2000">
+              <a:defRPr sz="1733">
                 <a:solidFill>
                   <a:schemeClr val="tx1">
                     <a:tint val="75000"/>
@@ -1270,9 +1250,9 @@
                 </a:solidFill>
               </a:defRPr>
             </a:lvl2pPr>
-            <a:lvl3pPr marL="914400" indent="0">
+            <a:lvl3pPr marL="792510" indent="0">
               <a:buNone/>
-              <a:defRPr sz="1800">
+              <a:defRPr sz="1560">
                 <a:solidFill>
                   <a:schemeClr val="tx1">
                     <a:tint val="75000"/>
@@ -1280,9 +1260,9 @@
                 </a:solidFill>
               </a:defRPr>
             </a:lvl3pPr>
-            <a:lvl4pPr marL="1371600" indent="0">
+            <a:lvl4pPr marL="1188766" indent="0">
               <a:buNone/>
-              <a:defRPr sz="1600">
+              <a:defRPr sz="1387">
                 <a:solidFill>
                   <a:schemeClr val="tx1">
                     <a:tint val="75000"/>
@@ -1290,9 +1270,9 @@
                 </a:solidFill>
               </a:defRPr>
             </a:lvl4pPr>
-            <a:lvl5pPr marL="1828800" indent="0">
+            <a:lvl5pPr marL="1585021" indent="0">
               <a:buNone/>
-              <a:defRPr sz="1600">
+              <a:defRPr sz="1387">
                 <a:solidFill>
                   <a:schemeClr val="tx1">
                     <a:tint val="75000"/>
@@ -1300,9 +1280,9 @@
                 </a:solidFill>
               </a:defRPr>
             </a:lvl5pPr>
-            <a:lvl6pPr marL="2286000" indent="0">
+            <a:lvl6pPr marL="1981276" indent="0">
               <a:buNone/>
-              <a:defRPr sz="1600">
+              <a:defRPr sz="1387">
                 <a:solidFill>
                   <a:schemeClr val="tx1">
                     <a:tint val="75000"/>
@@ -1310,9 +1290,9 @@
                 </a:solidFill>
               </a:defRPr>
             </a:lvl6pPr>
-            <a:lvl7pPr marL="2743200" indent="0">
+            <a:lvl7pPr marL="2377531" indent="0">
               <a:buNone/>
-              <a:defRPr sz="1600">
+              <a:defRPr sz="1387">
                 <a:solidFill>
                   <a:schemeClr val="tx1">
                     <a:tint val="75000"/>
@@ -1320,9 +1300,9 @@
                 </a:solidFill>
               </a:defRPr>
             </a:lvl7pPr>
-            <a:lvl8pPr marL="3200400" indent="0">
+            <a:lvl8pPr marL="2773787" indent="0">
               <a:buNone/>
-              <a:defRPr sz="1600">
+              <a:defRPr sz="1387">
                 <a:solidFill>
                   <a:schemeClr val="tx1">
                     <a:tint val="75000"/>
@@ -1330,9 +1310,9 @@
                 </a:solidFill>
               </a:defRPr>
             </a:lvl8pPr>
-            <a:lvl9pPr marL="3657600" indent="0">
+            <a:lvl9pPr marL="3170042" indent="0">
               <a:buNone/>
-              <a:defRPr sz="1600">
+              <a:defRPr sz="1387">
                 <a:solidFill>
                   <a:schemeClr val="tx1">
                     <a:tint val="75000"/>
@@ -1367,7 +1347,7 @@
           <a:p>
             <a:fld id="{C66F2F5D-9870-7E4C-BF6A-A5AB7CE44D0F}" type="datetimeFigureOut">
               <a:rPr lang="en-US" smtClean="0"/>
-              <a:t>12/21/18</a:t>
+              <a:t>3/29/19</a:t>
             </a:fld>
             <a:endParaRPr lang="en-US"/>
           </a:p>
@@ -1416,11 +1396,6 @@
         </p:txBody>
       </p:sp>
     </p:spTree>
-    <p:extLst>
-      <p:ext uri="{BB962C8B-B14F-4D97-AF65-F5344CB8AC3E}">
-        <p14:creationId xmlns:p14="http://schemas.microsoft.com/office/powerpoint/2010/main" val="1070881615"/>
-      </p:ext>
-    </p:extLst>
   </p:cSld>
   <p:clrMapOvr>
     <a:masterClrMapping/>
@@ -1464,7 +1439,7 @@
               <a:rPr lang="en-US" smtClean="0"/>
               <a:t>Click to edit Master title style</a:t>
             </a:r>
-            <a:endParaRPr lang="en-US"/>
+            <a:endParaRPr lang="en-US" dirty="0"/>
           </a:p>
         </p:txBody>
       </p:sp>
@@ -1480,8 +1455,8 @@
         </p:nvSpPr>
         <p:spPr>
           <a:xfrm>
-            <a:off x="838200" y="1825625"/>
-            <a:ext cx="5181600" cy="4351338"/>
+            <a:off x="565785" y="1582208"/>
+            <a:ext cx="3497580" cy="3771160"/>
           </a:xfrm>
         </p:spPr>
         <p:txBody>
@@ -1521,7 +1496,7 @@
               <a:rPr lang="en-US" smtClean="0"/>
               <a:t>Fifth level</a:t>
             </a:r>
-            <a:endParaRPr lang="en-US"/>
+            <a:endParaRPr lang="en-US" dirty="0"/>
           </a:p>
         </p:txBody>
       </p:sp>
@@ -1537,8 +1512,8 @@
         </p:nvSpPr>
         <p:spPr>
           <a:xfrm>
-            <a:off x="6172200" y="1825625"/>
-            <a:ext cx="5181600" cy="4351338"/>
+            <a:off x="4166235" y="1582208"/>
+            <a:ext cx="3497580" cy="3771160"/>
           </a:xfrm>
         </p:spPr>
         <p:txBody>
@@ -1578,7 +1553,7 @@
               <a:rPr lang="en-US" smtClean="0"/>
               <a:t>Fifth level</a:t>
             </a:r>
-            <a:endParaRPr lang="en-US"/>
+            <a:endParaRPr lang="en-US" dirty="0"/>
           </a:p>
         </p:txBody>
       </p:sp>
@@ -1599,7 +1574,7 @@
           <a:p>
             <a:fld id="{C66F2F5D-9870-7E4C-BF6A-A5AB7CE44D0F}" type="datetimeFigureOut">
               <a:rPr lang="en-US" smtClean="0"/>
-              <a:t>12/21/18</a:t>
+              <a:t>3/29/19</a:t>
             </a:fld>
             <a:endParaRPr lang="en-US"/>
           </a:p>
@@ -1648,11 +1623,6 @@
         </p:txBody>
       </p:sp>
     </p:spTree>
-    <p:extLst>
-      <p:ext uri="{BB962C8B-B14F-4D97-AF65-F5344CB8AC3E}">
-        <p14:creationId xmlns:p14="http://schemas.microsoft.com/office/powerpoint/2010/main" val="246857798"/>
-      </p:ext>
-    </p:extLst>
   </p:cSld>
   <p:clrMapOvr>
     <a:masterClrMapping/>
@@ -1689,8 +1659,8 @@
         </p:nvSpPr>
         <p:spPr>
           <a:xfrm>
-            <a:off x="839788" y="365125"/>
-            <a:ext cx="10515600" cy="1325563"/>
+            <a:off x="566857" y="316443"/>
+            <a:ext cx="7098030" cy="1148821"/>
           </a:xfrm>
         </p:spPr>
         <p:txBody>
@@ -1701,7 +1671,7 @@
               <a:rPr lang="en-US" smtClean="0"/>
               <a:t>Click to edit Master title style</a:t>
             </a:r>
-            <a:endParaRPr lang="en-US"/>
+            <a:endParaRPr lang="en-US" dirty="0"/>
           </a:p>
         </p:txBody>
       </p:sp>
@@ -1717,8 +1687,8 @@
         </p:nvSpPr>
         <p:spPr>
           <a:xfrm>
-            <a:off x="839788" y="1681163"/>
-            <a:ext cx="5157787" cy="823912"/>
+            <a:off x="566858" y="1457008"/>
+            <a:ext cx="3481506" cy="714057"/>
           </a:xfrm>
         </p:spPr>
         <p:txBody>
@@ -1726,39 +1696,39 @@
           <a:lstStyle>
             <a:lvl1pPr marL="0" indent="0">
               <a:buNone/>
-              <a:defRPr sz="2400" b="1"/>
+              <a:defRPr sz="2080" b="1"/>
             </a:lvl1pPr>
-            <a:lvl2pPr marL="457200" indent="0">
+            <a:lvl2pPr marL="396255" indent="0">
               <a:buNone/>
-              <a:defRPr sz="2000" b="1"/>
+              <a:defRPr sz="1733" b="1"/>
             </a:lvl2pPr>
-            <a:lvl3pPr marL="914400" indent="0">
+            <a:lvl3pPr marL="792510" indent="0">
               <a:buNone/>
-              <a:defRPr sz="1800" b="1"/>
+              <a:defRPr sz="1560" b="1"/>
             </a:lvl3pPr>
-            <a:lvl4pPr marL="1371600" indent="0">
+            <a:lvl4pPr marL="1188766" indent="0">
               <a:buNone/>
-              <a:defRPr sz="1600" b="1"/>
+              <a:defRPr sz="1387" b="1"/>
             </a:lvl4pPr>
-            <a:lvl5pPr marL="1828800" indent="0">
+            <a:lvl5pPr marL="1585021" indent="0">
               <a:buNone/>
-              <a:defRPr sz="1600" b="1"/>
+              <a:defRPr sz="1387" b="1"/>
             </a:lvl5pPr>
-            <a:lvl6pPr marL="2286000" indent="0">
+            <a:lvl6pPr marL="1981276" indent="0">
               <a:buNone/>
-              <a:defRPr sz="1600" b="1"/>
+              <a:defRPr sz="1387" b="1"/>
             </a:lvl6pPr>
-            <a:lvl7pPr marL="2743200" indent="0">
+            <a:lvl7pPr marL="2377531" indent="0">
               <a:buNone/>
-              <a:defRPr sz="1600" b="1"/>
+              <a:defRPr sz="1387" b="1"/>
             </a:lvl7pPr>
-            <a:lvl8pPr marL="3200400" indent="0">
+            <a:lvl8pPr marL="2773787" indent="0">
               <a:buNone/>
-              <a:defRPr sz="1600" b="1"/>
+              <a:defRPr sz="1387" b="1"/>
             </a:lvl8pPr>
-            <a:lvl9pPr marL="3657600" indent="0">
+            <a:lvl9pPr marL="3170042" indent="0">
               <a:buNone/>
-              <a:defRPr sz="1600" b="1"/>
+              <a:defRPr sz="1387" b="1"/>
             </a:lvl9pPr>
           </a:lstStyle>
           <a:p>
@@ -1782,8 +1752,8 @@
         </p:nvSpPr>
         <p:spPr>
           <a:xfrm>
-            <a:off x="839788" y="2505075"/>
-            <a:ext cx="5157787" cy="3684588"/>
+            <a:off x="566858" y="2171065"/>
+            <a:ext cx="3481506" cy="3193310"/>
           </a:xfrm>
         </p:spPr>
         <p:txBody>
@@ -1823,7 +1793,7 @@
               <a:rPr lang="en-US" smtClean="0"/>
               <a:t>Fifth level</a:t>
             </a:r>
-            <a:endParaRPr lang="en-US"/>
+            <a:endParaRPr lang="en-US" dirty="0"/>
           </a:p>
         </p:txBody>
       </p:sp>
@@ -1839,8 +1809,8 @@
         </p:nvSpPr>
         <p:spPr>
           <a:xfrm>
-            <a:off x="6172200" y="1681163"/>
-            <a:ext cx="5183188" cy="823912"/>
+            <a:off x="4166235" y="1457008"/>
+            <a:ext cx="3498652" cy="714057"/>
           </a:xfrm>
         </p:spPr>
         <p:txBody>
@@ -1848,39 +1818,39 @@
           <a:lstStyle>
             <a:lvl1pPr marL="0" indent="0">
               <a:buNone/>
-              <a:defRPr sz="2400" b="1"/>
+              <a:defRPr sz="2080" b="1"/>
             </a:lvl1pPr>
-            <a:lvl2pPr marL="457200" indent="0">
+            <a:lvl2pPr marL="396255" indent="0">
               <a:buNone/>
-              <a:defRPr sz="2000" b="1"/>
+              <a:defRPr sz="1733" b="1"/>
             </a:lvl2pPr>
-            <a:lvl3pPr marL="914400" indent="0">
+            <a:lvl3pPr marL="792510" indent="0">
               <a:buNone/>
-              <a:defRPr sz="1800" b="1"/>
+              <a:defRPr sz="1560" b="1"/>
             </a:lvl3pPr>
-            <a:lvl4pPr marL="1371600" indent="0">
+            <a:lvl4pPr marL="1188766" indent="0">
               <a:buNone/>
-              <a:defRPr sz="1600" b="1"/>
+              <a:defRPr sz="1387" b="1"/>
             </a:lvl4pPr>
-            <a:lvl5pPr marL="1828800" indent="0">
+            <a:lvl5pPr marL="1585021" indent="0">
               <a:buNone/>
-              <a:defRPr sz="1600" b="1"/>
+              <a:defRPr sz="1387" b="1"/>
             </a:lvl5pPr>
-            <a:lvl6pPr marL="2286000" indent="0">
+            <a:lvl6pPr marL="1981276" indent="0">
               <a:buNone/>
-              <a:defRPr sz="1600" b="1"/>
+              <a:defRPr sz="1387" b="1"/>
             </a:lvl6pPr>
-            <a:lvl7pPr marL="2743200" indent="0">
+            <a:lvl7pPr marL="2377531" indent="0">
               <a:buNone/>
-              <a:defRPr sz="1600" b="1"/>
+              <a:defRPr sz="1387" b="1"/>
             </a:lvl7pPr>
-            <a:lvl8pPr marL="3200400" indent="0">
+            <a:lvl8pPr marL="2773787" indent="0">
               <a:buNone/>
-              <a:defRPr sz="1600" b="1"/>
+              <a:defRPr sz="1387" b="1"/>
             </a:lvl8pPr>
-            <a:lvl9pPr marL="3657600" indent="0">
+            <a:lvl9pPr marL="3170042" indent="0">
               <a:buNone/>
-              <a:defRPr sz="1600" b="1"/>
+              <a:defRPr sz="1387" b="1"/>
             </a:lvl9pPr>
           </a:lstStyle>
           <a:p>
@@ -1904,8 +1874,8 @@
         </p:nvSpPr>
         <p:spPr>
           <a:xfrm>
-            <a:off x="6172200" y="2505075"/>
-            <a:ext cx="5183188" cy="3684588"/>
+            <a:off x="4166235" y="2171065"/>
+            <a:ext cx="3498652" cy="3193310"/>
           </a:xfrm>
         </p:spPr>
         <p:txBody>
@@ -1945,7 +1915,7 @@
               <a:rPr lang="en-US" smtClean="0"/>
               <a:t>Fifth level</a:t>
             </a:r>
-            <a:endParaRPr lang="en-US"/>
+            <a:endParaRPr lang="en-US" dirty="0"/>
           </a:p>
         </p:txBody>
       </p:sp>
@@ -1966,7 +1936,7 @@
           <a:p>
             <a:fld id="{C66F2F5D-9870-7E4C-BF6A-A5AB7CE44D0F}" type="datetimeFigureOut">
               <a:rPr lang="en-US" smtClean="0"/>
-              <a:t>12/21/18</a:t>
+              <a:t>3/29/19</a:t>
             </a:fld>
             <a:endParaRPr lang="en-US"/>
           </a:p>
@@ -2015,11 +1985,6 @@
         </p:txBody>
       </p:sp>
     </p:spTree>
-    <p:extLst>
-      <p:ext uri="{BB962C8B-B14F-4D97-AF65-F5344CB8AC3E}">
-        <p14:creationId xmlns:p14="http://schemas.microsoft.com/office/powerpoint/2010/main" val="604982"/>
-      </p:ext>
-    </p:extLst>
   </p:cSld>
   <p:clrMapOvr>
     <a:masterClrMapping/>
@@ -2063,7 +2028,7 @@
               <a:rPr lang="en-US" smtClean="0"/>
               <a:t>Click to edit Master title style</a:t>
             </a:r>
-            <a:endParaRPr lang="en-US"/>
+            <a:endParaRPr lang="en-US" dirty="0"/>
           </a:p>
         </p:txBody>
       </p:sp>
@@ -2084,7 +2049,7 @@
           <a:p>
             <a:fld id="{C66F2F5D-9870-7E4C-BF6A-A5AB7CE44D0F}" type="datetimeFigureOut">
               <a:rPr lang="en-US" smtClean="0"/>
-              <a:t>12/21/18</a:t>
+              <a:t>3/29/19</a:t>
             </a:fld>
             <a:endParaRPr lang="en-US"/>
           </a:p>
@@ -2133,11 +2098,6 @@
         </p:txBody>
       </p:sp>
     </p:spTree>
-    <p:extLst>
-      <p:ext uri="{BB962C8B-B14F-4D97-AF65-F5344CB8AC3E}">
-        <p14:creationId xmlns:p14="http://schemas.microsoft.com/office/powerpoint/2010/main" val="1577997886"/>
-      </p:ext>
-    </p:extLst>
   </p:cSld>
   <p:clrMapOvr>
     <a:masterClrMapping/>
@@ -2179,7 +2139,7 @@
           <a:p>
             <a:fld id="{C66F2F5D-9870-7E4C-BF6A-A5AB7CE44D0F}" type="datetimeFigureOut">
               <a:rPr lang="en-US" smtClean="0"/>
-              <a:t>12/21/18</a:t>
+              <a:t>3/29/19</a:t>
             </a:fld>
             <a:endParaRPr lang="en-US"/>
           </a:p>
@@ -2228,11 +2188,6 @@
         </p:txBody>
       </p:sp>
     </p:spTree>
-    <p:extLst>
-      <p:ext uri="{BB962C8B-B14F-4D97-AF65-F5344CB8AC3E}">
-        <p14:creationId xmlns:p14="http://schemas.microsoft.com/office/powerpoint/2010/main" val="2134913199"/>
-      </p:ext>
-    </p:extLst>
   </p:cSld>
   <p:clrMapOvr>
     <a:masterClrMapping/>
@@ -2269,15 +2224,15 @@
         </p:nvSpPr>
         <p:spPr>
           <a:xfrm>
-            <a:off x="839788" y="457200"/>
-            <a:ext cx="3932237" cy="1600200"/>
+            <a:off x="566857" y="396240"/>
+            <a:ext cx="2654260" cy="1386840"/>
           </a:xfrm>
         </p:spPr>
         <p:txBody>
           <a:bodyPr anchor="b"/>
           <a:lstStyle>
             <a:lvl1pPr>
-              <a:defRPr sz="3200"/>
+              <a:defRPr sz="2773"/>
             </a:lvl1pPr>
           </a:lstStyle>
           <a:p>
@@ -2285,7 +2240,7 @@
               <a:rPr lang="en-US" smtClean="0"/>
               <a:t>Click to edit Master title style</a:t>
             </a:r>
-            <a:endParaRPr lang="en-US"/>
+            <a:endParaRPr lang="en-US" dirty="0"/>
           </a:p>
         </p:txBody>
       </p:sp>
@@ -2301,39 +2256,39 @@
         </p:nvSpPr>
         <p:spPr>
           <a:xfrm>
-            <a:off x="5183188" y="987425"/>
-            <a:ext cx="6172200" cy="4873625"/>
+            <a:off x="3498652" y="855770"/>
+            <a:ext cx="4166235" cy="4223808"/>
           </a:xfrm>
         </p:spPr>
         <p:txBody>
           <a:bodyPr/>
           <a:lstStyle>
             <a:lvl1pPr>
-              <a:defRPr sz="3200"/>
+              <a:defRPr sz="2773"/>
             </a:lvl1pPr>
             <a:lvl2pPr>
-              <a:defRPr sz="2800"/>
+              <a:defRPr sz="2427"/>
             </a:lvl2pPr>
             <a:lvl3pPr>
-              <a:defRPr sz="2400"/>
+              <a:defRPr sz="2080"/>
             </a:lvl3pPr>
             <a:lvl4pPr>
-              <a:defRPr sz="2000"/>
+              <a:defRPr sz="1733"/>
             </a:lvl4pPr>
             <a:lvl5pPr>
-              <a:defRPr sz="2000"/>
+              <a:defRPr sz="1733"/>
             </a:lvl5pPr>
             <a:lvl6pPr>
-              <a:defRPr sz="2000"/>
+              <a:defRPr sz="1733"/>
             </a:lvl6pPr>
             <a:lvl7pPr>
-              <a:defRPr sz="2000"/>
+              <a:defRPr sz="1733"/>
             </a:lvl7pPr>
             <a:lvl8pPr>
-              <a:defRPr sz="2000"/>
+              <a:defRPr sz="1733"/>
             </a:lvl8pPr>
             <a:lvl9pPr>
-              <a:defRPr sz="2000"/>
+              <a:defRPr sz="1733"/>
             </a:lvl9pPr>
           </a:lstStyle>
           <a:p>
@@ -2370,7 +2325,7 @@
               <a:rPr lang="en-US" smtClean="0"/>
               <a:t>Fifth level</a:t>
             </a:r>
-            <a:endParaRPr lang="en-US"/>
+            <a:endParaRPr lang="en-US" dirty="0"/>
           </a:p>
         </p:txBody>
       </p:sp>
@@ -2386,8 +2341,8 @@
         </p:nvSpPr>
         <p:spPr>
           <a:xfrm>
-            <a:off x="839788" y="2057400"/>
-            <a:ext cx="3932237" cy="3811588"/>
+            <a:off x="566857" y="1783080"/>
+            <a:ext cx="2654260" cy="3303376"/>
           </a:xfrm>
         </p:spPr>
         <p:txBody>
@@ -2395,39 +2350,39 @@
           <a:lstStyle>
             <a:lvl1pPr marL="0" indent="0">
               <a:buNone/>
-              <a:defRPr sz="1600"/>
+              <a:defRPr sz="1387"/>
             </a:lvl1pPr>
-            <a:lvl2pPr marL="457200" indent="0">
+            <a:lvl2pPr marL="396255" indent="0">
               <a:buNone/>
-              <a:defRPr sz="1400"/>
+              <a:defRPr sz="1213"/>
             </a:lvl2pPr>
-            <a:lvl3pPr marL="914400" indent="0">
+            <a:lvl3pPr marL="792510" indent="0">
               <a:buNone/>
-              <a:defRPr sz="1200"/>
+              <a:defRPr sz="1040"/>
             </a:lvl3pPr>
-            <a:lvl4pPr marL="1371600" indent="0">
+            <a:lvl4pPr marL="1188766" indent="0">
               <a:buNone/>
-              <a:defRPr sz="1000"/>
+              <a:defRPr sz="867"/>
             </a:lvl4pPr>
-            <a:lvl5pPr marL="1828800" indent="0">
+            <a:lvl5pPr marL="1585021" indent="0">
               <a:buNone/>
-              <a:defRPr sz="1000"/>
+              <a:defRPr sz="867"/>
             </a:lvl5pPr>
-            <a:lvl6pPr marL="2286000" indent="0">
+            <a:lvl6pPr marL="1981276" indent="0">
               <a:buNone/>
-              <a:defRPr sz="1000"/>
+              <a:defRPr sz="867"/>
             </a:lvl6pPr>
-            <a:lvl7pPr marL="2743200" indent="0">
+            <a:lvl7pPr marL="2377531" indent="0">
               <a:buNone/>
-              <a:defRPr sz="1000"/>
+              <a:defRPr sz="867"/>
             </a:lvl7pPr>
-            <a:lvl8pPr marL="3200400" indent="0">
+            <a:lvl8pPr marL="2773787" indent="0">
               <a:buNone/>
-              <a:defRPr sz="1000"/>
+              <a:defRPr sz="867"/>
             </a:lvl8pPr>
-            <a:lvl9pPr marL="3657600" indent="0">
+            <a:lvl9pPr marL="3170042" indent="0">
               <a:buNone/>
-              <a:defRPr sz="1000"/>
+              <a:defRPr sz="867"/>
             </a:lvl9pPr>
           </a:lstStyle>
           <a:p>
@@ -2456,7 +2411,7 @@
           <a:p>
             <a:fld id="{C66F2F5D-9870-7E4C-BF6A-A5AB7CE44D0F}" type="datetimeFigureOut">
               <a:rPr lang="en-US" smtClean="0"/>
-              <a:t>12/21/18</a:t>
+              <a:t>3/29/19</a:t>
             </a:fld>
             <a:endParaRPr lang="en-US"/>
           </a:p>
@@ -2505,11 +2460,6 @@
         </p:txBody>
       </p:sp>
     </p:spTree>
-    <p:extLst>
-      <p:ext uri="{BB962C8B-B14F-4D97-AF65-F5344CB8AC3E}">
-        <p14:creationId xmlns:p14="http://schemas.microsoft.com/office/powerpoint/2010/main" val="1329361517"/>
-      </p:ext>
-    </p:extLst>
   </p:cSld>
   <p:clrMapOvr>
     <a:masterClrMapping/>
@@ -2546,15 +2496,15 @@
         </p:nvSpPr>
         <p:spPr>
           <a:xfrm>
-            <a:off x="839788" y="457200"/>
-            <a:ext cx="3932237" cy="1600200"/>
+            <a:off x="566857" y="396240"/>
+            <a:ext cx="2654260" cy="1386840"/>
           </a:xfrm>
         </p:spPr>
         <p:txBody>
           <a:bodyPr anchor="b"/>
           <a:lstStyle>
             <a:lvl1pPr>
-              <a:defRPr sz="3200"/>
+              <a:defRPr sz="2773"/>
             </a:lvl1pPr>
           </a:lstStyle>
           <a:p>
@@ -2562,7 +2512,7 @@
               <a:rPr lang="en-US" smtClean="0"/>
               <a:t>Click to edit Master title style</a:t>
             </a:r>
-            <a:endParaRPr lang="en-US"/>
+            <a:endParaRPr lang="en-US" dirty="0"/>
           </a:p>
         </p:txBody>
       </p:sp>
@@ -2570,7 +2520,7 @@
         <p:nvSpPr>
           <p:cNvPr id="3" name="Picture Placeholder 2"/>
           <p:cNvSpPr>
-            <a:spLocks noGrp="1"/>
+            <a:spLocks noGrp="1" noChangeAspect="1"/>
           </p:cNvSpPr>
           <p:nvPr>
             <p:ph type="pic" idx="1"/>
@@ -2578,52 +2528,56 @@
         </p:nvSpPr>
         <p:spPr>
           <a:xfrm>
-            <a:off x="5183188" y="987425"/>
-            <a:ext cx="6172200" cy="4873625"/>
-          </a:xfrm>
-        </p:spPr>
-        <p:txBody>
-          <a:bodyPr/>
+            <a:off x="3498652" y="855770"/>
+            <a:ext cx="4166235" cy="4223808"/>
+          </a:xfrm>
+        </p:spPr>
+        <p:txBody>
+          <a:bodyPr anchor="t"/>
           <a:lstStyle>
             <a:lvl1pPr marL="0" indent="0">
               <a:buNone/>
-              <a:defRPr sz="3200"/>
+              <a:defRPr sz="2773"/>
             </a:lvl1pPr>
-            <a:lvl2pPr marL="457200" indent="0">
+            <a:lvl2pPr marL="396255" indent="0">
               <a:buNone/>
-              <a:defRPr sz="2800"/>
+              <a:defRPr sz="2427"/>
             </a:lvl2pPr>
-            <a:lvl3pPr marL="914400" indent="0">
+            <a:lvl3pPr marL="792510" indent="0">
               <a:buNone/>
-              <a:defRPr sz="2400"/>
+              <a:defRPr sz="2080"/>
             </a:lvl3pPr>
-            <a:lvl4pPr marL="1371600" indent="0">
+            <a:lvl4pPr marL="1188766" indent="0">
               <a:buNone/>
-              <a:defRPr sz="2000"/>
+              <a:defRPr sz="1733"/>
             </a:lvl4pPr>
-            <a:lvl5pPr marL="1828800" indent="0">
+            <a:lvl5pPr marL="1585021" indent="0">
               <a:buNone/>
-              <a:defRPr sz="2000"/>
+              <a:defRPr sz="1733"/>
             </a:lvl5pPr>
-            <a:lvl6pPr marL="2286000" indent="0">
+            <a:lvl6pPr marL="1981276" indent="0">
               <a:buNone/>
-              <a:defRPr sz="2000"/>
+              <a:defRPr sz="1733"/>
             </a:lvl6pPr>
-            <a:lvl7pPr marL="2743200" indent="0">
+            <a:lvl7pPr marL="2377531" indent="0">
               <a:buNone/>
-              <a:defRPr sz="2000"/>
+              <a:defRPr sz="1733"/>
             </a:lvl7pPr>
-            <a:lvl8pPr marL="3200400" indent="0">
+            <a:lvl8pPr marL="2773787" indent="0">
               <a:buNone/>
-              <a:defRPr sz="2000"/>
+              <a:defRPr sz="1733"/>
             </a:lvl8pPr>
-            <a:lvl9pPr marL="3657600" indent="0">
+            <a:lvl9pPr marL="3170042" indent="0">
               <a:buNone/>
-              <a:defRPr sz="2000"/>
+              <a:defRPr sz="1733"/>
             </a:lvl9pPr>
           </a:lstStyle>
           <a:p>
-            <a:endParaRPr lang="en-US"/>
+            <a:r>
+              <a:rPr lang="en-US" smtClean="0"/>
+              <a:t>Drag picture to placeholder or click icon to add</a:t>
+            </a:r>
+            <a:endParaRPr lang="en-US" dirty="0"/>
           </a:p>
         </p:txBody>
       </p:sp>
@@ -2639,8 +2593,8 @@
         </p:nvSpPr>
         <p:spPr>
           <a:xfrm>
-            <a:off x="839788" y="2057400"/>
-            <a:ext cx="3932237" cy="3811588"/>
+            <a:off x="566857" y="1783080"/>
+            <a:ext cx="2654260" cy="3303376"/>
           </a:xfrm>
         </p:spPr>
         <p:txBody>
@@ -2648,39 +2602,39 @@
           <a:lstStyle>
             <a:lvl1pPr marL="0" indent="0">
               <a:buNone/>
-              <a:defRPr sz="1600"/>
+              <a:defRPr sz="1387"/>
             </a:lvl1pPr>
-            <a:lvl2pPr marL="457200" indent="0">
+            <a:lvl2pPr marL="396255" indent="0">
               <a:buNone/>
-              <a:defRPr sz="1400"/>
+              <a:defRPr sz="1213"/>
             </a:lvl2pPr>
-            <a:lvl3pPr marL="914400" indent="0">
+            <a:lvl3pPr marL="792510" indent="0">
               <a:buNone/>
-              <a:defRPr sz="1200"/>
+              <a:defRPr sz="1040"/>
             </a:lvl3pPr>
-            <a:lvl4pPr marL="1371600" indent="0">
+            <a:lvl4pPr marL="1188766" indent="0">
               <a:buNone/>
-              <a:defRPr sz="1000"/>
+              <a:defRPr sz="867"/>
             </a:lvl4pPr>
-            <a:lvl5pPr marL="1828800" indent="0">
+            <a:lvl5pPr marL="1585021" indent="0">
               <a:buNone/>
-              <a:defRPr sz="1000"/>
+              <a:defRPr sz="867"/>
             </a:lvl5pPr>
-            <a:lvl6pPr marL="2286000" indent="0">
+            <a:lvl6pPr marL="1981276" indent="0">
               <a:buNone/>
-              <a:defRPr sz="1000"/>
+              <a:defRPr sz="867"/>
             </a:lvl6pPr>
-            <a:lvl7pPr marL="2743200" indent="0">
+            <a:lvl7pPr marL="2377531" indent="0">
               <a:buNone/>
-              <a:defRPr sz="1000"/>
+              <a:defRPr sz="867"/>
             </a:lvl7pPr>
-            <a:lvl8pPr marL="3200400" indent="0">
+            <a:lvl8pPr marL="2773787" indent="0">
               <a:buNone/>
-              <a:defRPr sz="1000"/>
+              <a:defRPr sz="867"/>
             </a:lvl8pPr>
-            <a:lvl9pPr marL="3657600" indent="0">
+            <a:lvl9pPr marL="3170042" indent="0">
               <a:buNone/>
-              <a:defRPr sz="1000"/>
+              <a:defRPr sz="867"/>
             </a:lvl9pPr>
           </a:lstStyle>
           <a:p>
@@ -2709,7 +2663,7 @@
           <a:p>
             <a:fld id="{C66F2F5D-9870-7E4C-BF6A-A5AB7CE44D0F}" type="datetimeFigureOut">
               <a:rPr lang="en-US" smtClean="0"/>
-              <a:t>12/21/18</a:t>
+              <a:t>3/29/19</a:t>
             </a:fld>
             <a:endParaRPr lang="en-US"/>
           </a:p>
@@ -2758,11 +2712,6 @@
         </p:txBody>
       </p:sp>
     </p:spTree>
-    <p:extLst>
-      <p:ext uri="{BB962C8B-B14F-4D97-AF65-F5344CB8AC3E}">
-        <p14:creationId xmlns:p14="http://schemas.microsoft.com/office/powerpoint/2010/main" val="159152831"/>
-      </p:ext>
-    </p:extLst>
   </p:cSld>
   <p:clrMapOvr>
     <a:masterClrMapping/>
@@ -2804,8 +2753,8 @@
         </p:nvSpPr>
         <p:spPr>
           <a:xfrm>
-            <a:off x="838200" y="365125"/>
-            <a:ext cx="10515600" cy="1325563"/>
+            <a:off x="565785" y="316443"/>
+            <a:ext cx="7098030" cy="1148821"/>
           </a:xfrm>
           <a:prstGeom prst="rect">
             <a:avLst/>
@@ -2821,7 +2770,7 @@
               <a:rPr lang="en-US" smtClean="0"/>
               <a:t>Click to edit Master title style</a:t>
             </a:r>
-            <a:endParaRPr lang="en-US"/>
+            <a:endParaRPr lang="en-US" dirty="0"/>
           </a:p>
         </p:txBody>
       </p:sp>
@@ -2837,8 +2786,8 @@
         </p:nvSpPr>
         <p:spPr>
           <a:xfrm>
-            <a:off x="838200" y="1825625"/>
-            <a:ext cx="10515600" cy="4351338"/>
+            <a:off x="565785" y="1582208"/>
+            <a:ext cx="7098030" cy="3771160"/>
           </a:xfrm>
           <a:prstGeom prst="rect">
             <a:avLst/>
@@ -2883,7 +2832,7 @@
               <a:rPr lang="en-US" smtClean="0"/>
               <a:t>Fifth level</a:t>
             </a:r>
-            <a:endParaRPr lang="en-US"/>
+            <a:endParaRPr lang="en-US" dirty="0"/>
           </a:p>
         </p:txBody>
       </p:sp>
@@ -2899,8 +2848,8 @@
         </p:nvSpPr>
         <p:spPr>
           <a:xfrm>
-            <a:off x="838200" y="6356350"/>
-            <a:ext cx="2743200" cy="365125"/>
+            <a:off x="565785" y="5508838"/>
+            <a:ext cx="1851660" cy="316442"/>
           </a:xfrm>
           <a:prstGeom prst="rect">
             <a:avLst/>
@@ -2910,7 +2859,7 @@
           <a:bodyPr vert="horz" lIns="91440" tIns="45720" rIns="91440" bIns="45720" rtlCol="0" anchor="ctr"/>
           <a:lstStyle>
             <a:lvl1pPr algn="l">
-              <a:defRPr sz="1200">
+              <a:defRPr sz="1040">
                 <a:solidFill>
                   <a:schemeClr val="tx1">
                     <a:tint val="75000"/>
@@ -2922,7 +2871,7 @@
           <a:p>
             <a:fld id="{C66F2F5D-9870-7E4C-BF6A-A5AB7CE44D0F}" type="datetimeFigureOut">
               <a:rPr lang="en-US" smtClean="0"/>
-              <a:t>12/21/18</a:t>
+              <a:t>3/29/19</a:t>
             </a:fld>
             <a:endParaRPr lang="en-US"/>
           </a:p>
@@ -2940,8 +2889,8 @@
         </p:nvSpPr>
         <p:spPr>
           <a:xfrm>
-            <a:off x="4038600" y="6356350"/>
-            <a:ext cx="4114800" cy="365125"/>
+            <a:off x="2726055" y="5508838"/>
+            <a:ext cx="2777490" cy="316442"/>
           </a:xfrm>
           <a:prstGeom prst="rect">
             <a:avLst/>
@@ -2951,7 +2900,7 @@
           <a:bodyPr vert="horz" lIns="91440" tIns="45720" rIns="91440" bIns="45720" rtlCol="0" anchor="ctr"/>
           <a:lstStyle>
             <a:lvl1pPr algn="ctr">
-              <a:defRPr sz="1200">
+              <a:defRPr sz="1040">
                 <a:solidFill>
                   <a:schemeClr val="tx1">
                     <a:tint val="75000"/>
@@ -2977,8 +2926,8 @@
         </p:nvSpPr>
         <p:spPr>
           <a:xfrm>
-            <a:off x="8610600" y="6356350"/>
-            <a:ext cx="2743200" cy="365125"/>
+            <a:off x="5812155" y="5508838"/>
+            <a:ext cx="1851660" cy="316442"/>
           </a:xfrm>
           <a:prstGeom prst="rect">
             <a:avLst/>
@@ -2988,7 +2937,7 @@
           <a:bodyPr vert="horz" lIns="91440" tIns="45720" rIns="91440" bIns="45720" rtlCol="0" anchor="ctr"/>
           <a:lstStyle>
             <a:lvl1pPr algn="r">
-              <a:defRPr sz="1200">
+              <a:defRPr sz="1040">
                 <a:solidFill>
                   <a:schemeClr val="tx1">
                     <a:tint val="75000"/>
@@ -3009,27 +2958,27 @@
     </p:spTree>
     <p:extLst>
       <p:ext uri="{BB962C8B-B14F-4D97-AF65-F5344CB8AC3E}">
-        <p14:creationId xmlns:p14="http://schemas.microsoft.com/office/powerpoint/2010/main" val="397687844"/>
+        <p14:creationId xmlns:p14="http://schemas.microsoft.com/office/powerpoint/2010/main" val="220461405"/>
       </p:ext>
     </p:extLst>
   </p:cSld>
   <p:clrMap bg1="lt1" tx1="dk1" bg2="lt2" tx2="dk2" accent1="accent1" accent2="accent2" accent3="accent3" accent4="accent4" accent5="accent5" accent6="accent6" hlink="hlink" folHlink="folHlink"/>
   <p:sldLayoutIdLst>
-    <p:sldLayoutId id="2147483649" r:id="rId1"/>
-    <p:sldLayoutId id="2147483650" r:id="rId2"/>
-    <p:sldLayoutId id="2147483651" r:id="rId3"/>
-    <p:sldLayoutId id="2147483652" r:id="rId4"/>
-    <p:sldLayoutId id="2147483653" r:id="rId5"/>
-    <p:sldLayoutId id="2147483654" r:id="rId6"/>
-    <p:sldLayoutId id="2147483655" r:id="rId7"/>
-    <p:sldLayoutId id="2147483656" r:id="rId8"/>
-    <p:sldLayoutId id="2147483657" r:id="rId9"/>
-    <p:sldLayoutId id="2147483658" r:id="rId10"/>
-    <p:sldLayoutId id="2147483659" r:id="rId11"/>
+    <p:sldLayoutId id="2147483685" r:id="rId1"/>
+    <p:sldLayoutId id="2147483686" r:id="rId2"/>
+    <p:sldLayoutId id="2147483687" r:id="rId3"/>
+    <p:sldLayoutId id="2147483688" r:id="rId4"/>
+    <p:sldLayoutId id="2147483689" r:id="rId5"/>
+    <p:sldLayoutId id="2147483690" r:id="rId6"/>
+    <p:sldLayoutId id="2147483691" r:id="rId7"/>
+    <p:sldLayoutId id="2147483692" r:id="rId8"/>
+    <p:sldLayoutId id="2147483693" r:id="rId9"/>
+    <p:sldLayoutId id="2147483694" r:id="rId10"/>
+    <p:sldLayoutId id="2147483695" r:id="rId11"/>
   </p:sldLayoutIdLst>
   <p:txStyles>
     <p:titleStyle>
-      <a:lvl1pPr algn="l" defTabSz="914400" rtl="0" eaLnBrk="1" latinLnBrk="0" hangingPunct="1">
+      <a:lvl1pPr algn="l" defTabSz="792510" rtl="0" eaLnBrk="1" latinLnBrk="0" hangingPunct="1">
         <a:lnSpc>
           <a:spcPct val="90000"/>
         </a:lnSpc>
@@ -3037,7 +2986,7 @@
           <a:spcPct val="0"/>
         </a:spcBef>
         <a:buNone/>
-        <a:defRPr sz="4400" kern="1200">
+        <a:defRPr sz="3813" kern="1200">
           <a:solidFill>
             <a:schemeClr val="tx1"/>
           </a:solidFill>
@@ -3048,16 +2997,16 @@
       </a:lvl1pPr>
     </p:titleStyle>
     <p:bodyStyle>
-      <a:lvl1pPr marL="228600" indent="-228600" algn="l" defTabSz="914400" rtl="0" eaLnBrk="1" latinLnBrk="0" hangingPunct="1">
+      <a:lvl1pPr marL="198128" indent="-198128" algn="l" defTabSz="792510" rtl="0" eaLnBrk="1" latinLnBrk="0" hangingPunct="1">
         <a:lnSpc>
           <a:spcPct val="90000"/>
         </a:lnSpc>
         <a:spcBef>
-          <a:spcPts val="1000"/>
+          <a:spcPts val="867"/>
         </a:spcBef>
-        <a:buFont typeface="Arial"/>
+        <a:buFont typeface="Arial" panose="020B0604020202020204" pitchFamily="34" charset="0"/>
         <a:buChar char="•"/>
-        <a:defRPr sz="2800" kern="1200">
+        <a:defRPr sz="2427" kern="1200">
           <a:solidFill>
             <a:schemeClr val="tx1"/>
           </a:solidFill>
@@ -3066,16 +3015,16 @@
           <a:cs typeface="+mn-cs"/>
         </a:defRPr>
       </a:lvl1pPr>
-      <a:lvl2pPr marL="685800" indent="-228600" algn="l" defTabSz="914400" rtl="0" eaLnBrk="1" latinLnBrk="0" hangingPunct="1">
+      <a:lvl2pPr marL="594383" indent="-198128" algn="l" defTabSz="792510" rtl="0" eaLnBrk="1" latinLnBrk="0" hangingPunct="1">
         <a:lnSpc>
           <a:spcPct val="90000"/>
         </a:lnSpc>
         <a:spcBef>
-          <a:spcPts val="500"/>
+          <a:spcPts val="433"/>
         </a:spcBef>
-        <a:buFont typeface="Arial"/>
+        <a:buFont typeface="Arial" panose="020B0604020202020204" pitchFamily="34" charset="0"/>
         <a:buChar char="•"/>
-        <a:defRPr sz="2400" kern="1200">
+        <a:defRPr sz="2080" kern="1200">
           <a:solidFill>
             <a:schemeClr val="tx1"/>
           </a:solidFill>
@@ -3084,16 +3033,16 @@
           <a:cs typeface="+mn-cs"/>
         </a:defRPr>
       </a:lvl2pPr>
-      <a:lvl3pPr marL="1143000" indent="-228600" algn="l" defTabSz="914400" rtl="0" eaLnBrk="1" latinLnBrk="0" hangingPunct="1">
+      <a:lvl3pPr marL="990638" indent="-198128" algn="l" defTabSz="792510" rtl="0" eaLnBrk="1" latinLnBrk="0" hangingPunct="1">
         <a:lnSpc>
           <a:spcPct val="90000"/>
         </a:lnSpc>
         <a:spcBef>
-          <a:spcPts val="500"/>
+          <a:spcPts val="433"/>
         </a:spcBef>
-        <a:buFont typeface="Arial"/>
+        <a:buFont typeface="Arial" panose="020B0604020202020204" pitchFamily="34" charset="0"/>
         <a:buChar char="•"/>
-        <a:defRPr sz="2000" kern="1200">
+        <a:defRPr sz="1733" kern="1200">
           <a:solidFill>
             <a:schemeClr val="tx1"/>
           </a:solidFill>
@@ -3102,16 +3051,16 @@
           <a:cs typeface="+mn-cs"/>
         </a:defRPr>
       </a:lvl3pPr>
-      <a:lvl4pPr marL="1600200" indent="-228600" algn="l" defTabSz="914400" rtl="0" eaLnBrk="1" latinLnBrk="0" hangingPunct="1">
+      <a:lvl4pPr marL="1386893" indent="-198128" algn="l" defTabSz="792510" rtl="0" eaLnBrk="1" latinLnBrk="0" hangingPunct="1">
         <a:lnSpc>
           <a:spcPct val="90000"/>
         </a:lnSpc>
         <a:spcBef>
-          <a:spcPts val="500"/>
+          <a:spcPts val="433"/>
         </a:spcBef>
-        <a:buFont typeface="Arial"/>
+        <a:buFont typeface="Arial" panose="020B0604020202020204" pitchFamily="34" charset="0"/>
         <a:buChar char="•"/>
-        <a:defRPr sz="1800" kern="1200">
+        <a:defRPr sz="1560" kern="1200">
           <a:solidFill>
             <a:schemeClr val="tx1"/>
           </a:solidFill>
@@ -3120,16 +3069,16 @@
           <a:cs typeface="+mn-cs"/>
         </a:defRPr>
       </a:lvl4pPr>
-      <a:lvl5pPr marL="2057400" indent="-228600" algn="l" defTabSz="914400" rtl="0" eaLnBrk="1" latinLnBrk="0" hangingPunct="1">
+      <a:lvl5pPr marL="1783149" indent="-198128" algn="l" defTabSz="792510" rtl="0" eaLnBrk="1" latinLnBrk="0" hangingPunct="1">
         <a:lnSpc>
           <a:spcPct val="90000"/>
         </a:lnSpc>
         <a:spcBef>
-          <a:spcPts val="500"/>
+          <a:spcPts val="433"/>
         </a:spcBef>
-        <a:buFont typeface="Arial"/>
+        <a:buFont typeface="Arial" panose="020B0604020202020204" pitchFamily="34" charset="0"/>
         <a:buChar char="•"/>
-        <a:defRPr sz="1800" kern="1200">
+        <a:defRPr sz="1560" kern="1200">
           <a:solidFill>
             <a:schemeClr val="tx1"/>
           </a:solidFill>
@@ -3138,16 +3087,16 @@
           <a:cs typeface="+mn-cs"/>
         </a:defRPr>
       </a:lvl5pPr>
-      <a:lvl6pPr marL="2514600" indent="-228600" algn="l" defTabSz="914400" rtl="0" eaLnBrk="1" latinLnBrk="0" hangingPunct="1">
+      <a:lvl6pPr marL="2179404" indent="-198128" algn="l" defTabSz="792510" rtl="0" eaLnBrk="1" latinLnBrk="0" hangingPunct="1">
         <a:lnSpc>
           <a:spcPct val="90000"/>
         </a:lnSpc>
         <a:spcBef>
-          <a:spcPts val="500"/>
+          <a:spcPts val="433"/>
         </a:spcBef>
-        <a:buFont typeface="Arial"/>
+        <a:buFont typeface="Arial" panose="020B0604020202020204" pitchFamily="34" charset="0"/>
         <a:buChar char="•"/>
-        <a:defRPr sz="1800" kern="1200">
+        <a:defRPr sz="1560" kern="1200">
           <a:solidFill>
             <a:schemeClr val="tx1"/>
           </a:solidFill>
@@ -3156,16 +3105,16 @@
           <a:cs typeface="+mn-cs"/>
         </a:defRPr>
       </a:lvl6pPr>
-      <a:lvl7pPr marL="2971800" indent="-228600" algn="l" defTabSz="914400" rtl="0" eaLnBrk="1" latinLnBrk="0" hangingPunct="1">
+      <a:lvl7pPr marL="2575659" indent="-198128" algn="l" defTabSz="792510" rtl="0" eaLnBrk="1" latinLnBrk="0" hangingPunct="1">
         <a:lnSpc>
           <a:spcPct val="90000"/>
         </a:lnSpc>
         <a:spcBef>
-          <a:spcPts val="500"/>
+          <a:spcPts val="433"/>
         </a:spcBef>
-        <a:buFont typeface="Arial"/>
+        <a:buFont typeface="Arial" panose="020B0604020202020204" pitchFamily="34" charset="0"/>
         <a:buChar char="•"/>
-        <a:defRPr sz="1800" kern="1200">
+        <a:defRPr sz="1560" kern="1200">
           <a:solidFill>
             <a:schemeClr val="tx1"/>
           </a:solidFill>
@@ -3174,16 +3123,16 @@
           <a:cs typeface="+mn-cs"/>
         </a:defRPr>
       </a:lvl7pPr>
-      <a:lvl8pPr marL="3429000" indent="-228600" algn="l" defTabSz="914400" rtl="0" eaLnBrk="1" latinLnBrk="0" hangingPunct="1">
+      <a:lvl8pPr marL="2971914" indent="-198128" algn="l" defTabSz="792510" rtl="0" eaLnBrk="1" latinLnBrk="0" hangingPunct="1">
         <a:lnSpc>
           <a:spcPct val="90000"/>
         </a:lnSpc>
         <a:spcBef>
-          <a:spcPts val="500"/>
+          <a:spcPts val="433"/>
         </a:spcBef>
-        <a:buFont typeface="Arial"/>
+        <a:buFont typeface="Arial" panose="020B0604020202020204" pitchFamily="34" charset="0"/>
         <a:buChar char="•"/>
-        <a:defRPr sz="1800" kern="1200">
+        <a:defRPr sz="1560" kern="1200">
           <a:solidFill>
             <a:schemeClr val="tx1"/>
           </a:solidFill>
@@ -3192,16 +3141,16 @@
           <a:cs typeface="+mn-cs"/>
         </a:defRPr>
       </a:lvl8pPr>
-      <a:lvl9pPr marL="3886200" indent="-228600" algn="l" defTabSz="914400" rtl="0" eaLnBrk="1" latinLnBrk="0" hangingPunct="1">
+      <a:lvl9pPr marL="3368170" indent="-198128" algn="l" defTabSz="792510" rtl="0" eaLnBrk="1" latinLnBrk="0" hangingPunct="1">
         <a:lnSpc>
           <a:spcPct val="90000"/>
         </a:lnSpc>
         <a:spcBef>
-          <a:spcPts val="500"/>
+          <a:spcPts val="433"/>
         </a:spcBef>
-        <a:buFont typeface="Arial"/>
+        <a:buFont typeface="Arial" panose="020B0604020202020204" pitchFamily="34" charset="0"/>
         <a:buChar char="•"/>
-        <a:defRPr sz="1800" kern="1200">
+        <a:defRPr sz="1560" kern="1200">
           <a:solidFill>
             <a:schemeClr val="tx1"/>
           </a:solidFill>
@@ -3215,8 +3164,8 @@
       <a:defPPr>
         <a:defRPr lang="en-US"/>
       </a:defPPr>
-      <a:lvl1pPr marL="0" algn="l" defTabSz="914400" rtl="0" eaLnBrk="1" latinLnBrk="0" hangingPunct="1">
-        <a:defRPr sz="1800" kern="1200">
+      <a:lvl1pPr marL="0" algn="l" defTabSz="792510" rtl="0" eaLnBrk="1" latinLnBrk="0" hangingPunct="1">
+        <a:defRPr sz="1560" kern="1200">
           <a:solidFill>
             <a:schemeClr val="tx1"/>
           </a:solidFill>
@@ -3225,8 +3174,8 @@
           <a:cs typeface="+mn-cs"/>
         </a:defRPr>
       </a:lvl1pPr>
-      <a:lvl2pPr marL="457200" algn="l" defTabSz="914400" rtl="0" eaLnBrk="1" latinLnBrk="0" hangingPunct="1">
-        <a:defRPr sz="1800" kern="1200">
+      <a:lvl2pPr marL="396255" algn="l" defTabSz="792510" rtl="0" eaLnBrk="1" latinLnBrk="0" hangingPunct="1">
+        <a:defRPr sz="1560" kern="1200">
           <a:solidFill>
             <a:schemeClr val="tx1"/>
           </a:solidFill>
@@ -3235,8 +3184,8 @@
           <a:cs typeface="+mn-cs"/>
         </a:defRPr>
       </a:lvl2pPr>
-      <a:lvl3pPr marL="914400" algn="l" defTabSz="914400" rtl="0" eaLnBrk="1" latinLnBrk="0" hangingPunct="1">
-        <a:defRPr sz="1800" kern="1200">
+      <a:lvl3pPr marL="792510" algn="l" defTabSz="792510" rtl="0" eaLnBrk="1" latinLnBrk="0" hangingPunct="1">
+        <a:defRPr sz="1560" kern="1200">
           <a:solidFill>
             <a:schemeClr val="tx1"/>
           </a:solidFill>
@@ -3245,8 +3194,8 @@
           <a:cs typeface="+mn-cs"/>
         </a:defRPr>
       </a:lvl3pPr>
-      <a:lvl4pPr marL="1371600" algn="l" defTabSz="914400" rtl="0" eaLnBrk="1" latinLnBrk="0" hangingPunct="1">
-        <a:defRPr sz="1800" kern="1200">
+      <a:lvl4pPr marL="1188766" algn="l" defTabSz="792510" rtl="0" eaLnBrk="1" latinLnBrk="0" hangingPunct="1">
+        <a:defRPr sz="1560" kern="1200">
           <a:solidFill>
             <a:schemeClr val="tx1"/>
           </a:solidFill>
@@ -3255,8 +3204,8 @@
           <a:cs typeface="+mn-cs"/>
         </a:defRPr>
       </a:lvl4pPr>
-      <a:lvl5pPr marL="1828800" algn="l" defTabSz="914400" rtl="0" eaLnBrk="1" latinLnBrk="0" hangingPunct="1">
-        <a:defRPr sz="1800" kern="1200">
+      <a:lvl5pPr marL="1585021" algn="l" defTabSz="792510" rtl="0" eaLnBrk="1" latinLnBrk="0" hangingPunct="1">
+        <a:defRPr sz="1560" kern="1200">
           <a:solidFill>
             <a:schemeClr val="tx1"/>
           </a:solidFill>
@@ -3265,8 +3214,8 @@
           <a:cs typeface="+mn-cs"/>
         </a:defRPr>
       </a:lvl5pPr>
-      <a:lvl6pPr marL="2286000" algn="l" defTabSz="914400" rtl="0" eaLnBrk="1" latinLnBrk="0" hangingPunct="1">
-        <a:defRPr sz="1800" kern="1200">
+      <a:lvl6pPr marL="1981276" algn="l" defTabSz="792510" rtl="0" eaLnBrk="1" latinLnBrk="0" hangingPunct="1">
+        <a:defRPr sz="1560" kern="1200">
           <a:solidFill>
             <a:schemeClr val="tx1"/>
           </a:solidFill>
@@ -3275,8 +3224,8 @@
           <a:cs typeface="+mn-cs"/>
         </a:defRPr>
       </a:lvl6pPr>
-      <a:lvl7pPr marL="2743200" algn="l" defTabSz="914400" rtl="0" eaLnBrk="1" latinLnBrk="0" hangingPunct="1">
-        <a:defRPr sz="1800" kern="1200">
+      <a:lvl7pPr marL="2377531" algn="l" defTabSz="792510" rtl="0" eaLnBrk="1" latinLnBrk="0" hangingPunct="1">
+        <a:defRPr sz="1560" kern="1200">
           <a:solidFill>
             <a:schemeClr val="tx1"/>
           </a:solidFill>
@@ -3285,8 +3234,8 @@
           <a:cs typeface="+mn-cs"/>
         </a:defRPr>
       </a:lvl7pPr>
-      <a:lvl8pPr marL="3200400" algn="l" defTabSz="914400" rtl="0" eaLnBrk="1" latinLnBrk="0" hangingPunct="1">
-        <a:defRPr sz="1800" kern="1200">
+      <a:lvl8pPr marL="2773787" algn="l" defTabSz="792510" rtl="0" eaLnBrk="1" latinLnBrk="0" hangingPunct="1">
+        <a:defRPr sz="1560" kern="1200">
           <a:solidFill>
             <a:schemeClr val="tx1"/>
           </a:solidFill>
@@ -3295,8 +3244,8 @@
           <a:cs typeface="+mn-cs"/>
         </a:defRPr>
       </a:lvl8pPr>
-      <a:lvl9pPr marL="3657600" algn="l" defTabSz="914400" rtl="0" eaLnBrk="1" latinLnBrk="0" hangingPunct="1">
-        <a:defRPr sz="1800" kern="1200">
+      <a:lvl9pPr marL="3170042" algn="l" defTabSz="792510" rtl="0" eaLnBrk="1" latinLnBrk="0" hangingPunct="1">
+        <a:defRPr sz="1560" kern="1200">
           <a:solidFill>
             <a:schemeClr val="tx1"/>
           </a:solidFill>
@@ -3329,7 +3278,7 @@
       </p:grpSpPr>
       <p:pic>
         <p:nvPicPr>
-          <p:cNvPr id="1037" name="Picture 13" descr="https://lh6.googleusercontent.com/Af-e__9i_0qGjy_dvvJWGAxZGs2kWiTuMSNNAo4H3MRY-AMzzL_2a__NlTxOcS3tBgnUGFxnxiCBEbmlbIpnev-FQ5GkxAU790xc3TmOIS4mHubwimQl2w9uOq48jwOWFl4KXIhCORQ"/>
+          <p:cNvPr id="1034" name="Picture 10" descr="https://lh3.googleusercontent.com/72SAnca_rZXJJejVDSUg0kwEr2XMohtZAXIRjFqex5qYoD3Lhmps065m7mPW7Z9vom4AvCLAn3mPQyAm_DwamRdGgPmuw-MdLtwxQjE6R3JET8qe_4T33W4ejWoHy1DEgZo7ZCSsKX4"/>
           <p:cNvPicPr>
             <a:picLocks noChangeAspect="1" noChangeArrowheads="1"/>
           </p:cNvPicPr>
@@ -3350,8 +3299,8 @@
         </p:blipFill>
         <p:spPr bwMode="auto">
           <a:xfrm>
-            <a:off x="1542294" y="5656224"/>
-            <a:ext cx="659451" cy="535026"/>
+            <a:off x="2678218" y="1012553"/>
+            <a:ext cx="763658" cy="728075"/>
           </a:xfrm>
           <a:prstGeom prst="rect">
             <a:avLst/>
@@ -3368,47 +3317,6 @@
           </a:extLst>
         </p:spPr>
       </p:pic>
-      <p:pic>
-        <p:nvPicPr>
-          <p:cNvPr id="1034" name="Picture 10" descr="https://lh3.googleusercontent.com/72SAnca_rZXJJejVDSUg0kwEr2XMohtZAXIRjFqex5qYoD3Lhmps065m7mPW7Z9vom4AvCLAn3mPQyAm_DwamRdGgPmuw-MdLtwxQjE6R3JET8qe_4T33W4ejWoHy1DEgZo7ZCSsKX4"/>
-          <p:cNvPicPr>
-            <a:picLocks noChangeAspect="1" noChangeArrowheads="1"/>
-          </p:cNvPicPr>
-          <p:nvPr/>
-        </p:nvPicPr>
-        <p:blipFill>
-          <a:blip r:embed="rId3">
-            <a:extLst>
-              <a:ext uri="{28A0092B-C50C-407E-A947-70E740481C1C}">
-                <a14:useLocalDpi xmlns:a14="http://schemas.microsoft.com/office/drawing/2010/main" val="0"/>
-              </a:ext>
-            </a:extLst>
-          </a:blip>
-          <a:srcRect/>
-          <a:stretch>
-            <a:fillRect/>
-          </a:stretch>
-        </p:blipFill>
-        <p:spPr bwMode="auto">
-          <a:xfrm>
-            <a:off x="1516168" y="1469750"/>
-            <a:ext cx="763658" cy="728075"/>
-          </a:xfrm>
-          <a:prstGeom prst="rect">
-            <a:avLst/>
-          </a:prstGeom>
-          <a:noFill/>
-          <a:extLst>
-            <a:ext uri="{909E8E84-426E-40DD-AFC4-6F175D3DCCD1}">
-              <a14:hiddenFill xmlns:a14="http://schemas.microsoft.com/office/drawing/2010/main">
-                <a:solidFill>
-                  <a:srgbClr val="FFFFFF"/>
-                </a:solidFill>
-              </a14:hiddenFill>
-            </a:ext>
-          </a:extLst>
-        </p:spPr>
-      </p:pic>
       <p:sp>
         <p:nvSpPr>
           <p:cNvPr id="4" name="Oval 3"/>
@@ -3417,7 +3325,7 @@
         </p:nvSpPr>
         <p:spPr>
           <a:xfrm>
-            <a:off x="1293223" y="1231719"/>
+            <a:off x="2455276" y="774522"/>
             <a:ext cx="1175657" cy="1175657"/>
           </a:xfrm>
           <a:prstGeom prst="ellipse">
@@ -3463,7 +3371,7 @@
         </p:nvSpPr>
         <p:spPr>
           <a:xfrm>
-            <a:off x="1301930" y="5302986"/>
+            <a:off x="2463983" y="4845789"/>
             <a:ext cx="1175657" cy="1175657"/>
           </a:xfrm>
           <a:prstGeom prst="ellipse">
@@ -3512,7 +3420,7 @@
         </p:nvCxnSpPr>
         <p:spPr>
           <a:xfrm>
-            <a:off x="1881052" y="2407376"/>
+            <a:off x="3043105" y="1950176"/>
             <a:ext cx="8707" cy="2895610"/>
           </a:xfrm>
           <a:prstGeom prst="straightConnector1">
@@ -3551,7 +3459,7 @@
         </p:nvCxnSpPr>
         <p:spPr>
           <a:xfrm flipH="1" flipV="1">
-            <a:off x="2468880" y="1819548"/>
+            <a:off x="3630933" y="1362351"/>
             <a:ext cx="8707" cy="4071267"/>
           </a:xfrm>
           <a:prstGeom prst="curvedConnector3">
@@ -3583,69 +3491,6 @@
       </p:cxnSp>
       <p:pic>
         <p:nvPicPr>
-          <p:cNvPr id="1035" name="Picture 11" descr="https://lh4.googleusercontent.com/4WbOszBdT-niaWTDz2WbyJQYBPB-dzF6vU9LSUwSN6f830sYcf3EoBcVtJ55NwfGFwPlpMAAWs9woJRmJ4ftXeMZSNbimezE5UfDObcJ6OkGhVTx55lLzYpSTDMz7YlZUqkKjHO5RAg"/>
-          <p:cNvPicPr>
-            <a:picLocks noChangeAspect="1" noChangeArrowheads="1"/>
-          </p:cNvPicPr>
-          <p:nvPr/>
-        </p:nvPicPr>
-        <p:blipFill rotWithShape="1">
-          <a:blip r:embed="rId4">
-            <a:extLst>
-              <a:ext uri="{28A0092B-C50C-407E-A947-70E740481C1C}">
-                <a14:useLocalDpi xmlns:a14="http://schemas.microsoft.com/office/drawing/2010/main" val="0"/>
-              </a:ext>
-            </a:extLst>
-          </a:blip>
-          <a:srcRect b="18005"/>
-          <a:stretch/>
-        </p:blipFill>
-        <p:spPr bwMode="auto">
-          <a:xfrm>
-            <a:off x="1071040" y="2940293"/>
-            <a:ext cx="1653224" cy="594360"/>
-          </a:xfrm>
-          <a:prstGeom prst="rect">
-            <a:avLst/>
-          </a:prstGeom>
-          <a:noFill/>
-          <a:extLst>
-            <a:ext uri="{909E8E84-426E-40DD-AFC4-6F175D3DCCD1}">
-              <a14:hiddenFill xmlns:a14="http://schemas.microsoft.com/office/drawing/2010/main">
-                <a:solidFill>
-                  <a:srgbClr val="FFFFFF"/>
-                </a:solidFill>
-              </a14:hiddenFill>
-            </a:ext>
-          </a:extLst>
-        </p:spPr>
-      </p:pic>
-      <p:pic>
-        <p:nvPicPr>
-          <p:cNvPr id="33" name="Picture 32"/>
-          <p:cNvPicPr>
-            <a:picLocks noChangeAspect="1"/>
-          </p:cNvPicPr>
-          <p:nvPr/>
-        </p:nvPicPr>
-        <p:blipFill>
-          <a:blip r:embed="rId5"/>
-          <a:stretch>
-            <a:fillRect/>
-          </a:stretch>
-        </p:blipFill>
-        <p:spPr>
-          <a:xfrm>
-            <a:off x="2472766" y="4026143"/>
-            <a:ext cx="2030840" cy="667230"/>
-          </a:xfrm>
-          <a:prstGeom prst="rect">
-            <a:avLst/>
-          </a:prstGeom>
-        </p:spPr>
-      </p:pic>
-      <p:pic>
-        <p:nvPicPr>
           <p:cNvPr id="72" name="Picture 10" descr="https://lh3.googleusercontent.com/72SAnca_rZXJJejVDSUg0kwEr2XMohtZAXIRjFqex5qYoD3Lhmps065m7mPW7Z9vom4AvCLAn3mPQyAm_DwamRdGgPmuw-MdLtwxQjE6R3JET8qe_4T33W4ejWoHy1DEgZo7ZCSsKX4"/>
           <p:cNvPicPr>
             <a:picLocks noChangeAspect="1" noChangeArrowheads="1"/>
@@ -3653,7 +3498,7 @@
           <p:nvPr/>
         </p:nvPicPr>
         <p:blipFill>
-          <a:blip r:embed="rId3">
+          <a:blip r:embed="rId2">
             <a:extLst>
               <a:ext uri="{28A0092B-C50C-407E-A947-70E740481C1C}">
                 <a14:useLocalDpi xmlns:a14="http://schemas.microsoft.com/office/drawing/2010/main" val="0"/>
@@ -3667,7 +3512,7 @@
         </p:blipFill>
         <p:spPr bwMode="auto">
           <a:xfrm>
-            <a:off x="5154718" y="1488800"/>
+            <a:off x="6316768" y="1031603"/>
             <a:ext cx="763658" cy="728075"/>
           </a:xfrm>
           <a:prstGeom prst="rect">
@@ -3693,7 +3538,7 @@
         </p:nvSpPr>
         <p:spPr>
           <a:xfrm>
-            <a:off x="4931773" y="1250769"/>
+            <a:off x="6093826" y="793572"/>
             <a:ext cx="1175657" cy="1175657"/>
           </a:xfrm>
           <a:prstGeom prst="ellipse">
@@ -3739,7 +3584,7 @@
         </p:nvSpPr>
         <p:spPr>
           <a:xfrm>
-            <a:off x="4940480" y="5322036"/>
+            <a:off x="6102533" y="4864839"/>
             <a:ext cx="1175657" cy="1175657"/>
           </a:xfrm>
           <a:prstGeom prst="ellipse">
@@ -3785,7 +3630,7 @@
         </p:nvCxnSpPr>
         <p:spPr>
           <a:xfrm>
-            <a:off x="5519602" y="2426426"/>
+            <a:off x="6681655" y="1969226"/>
             <a:ext cx="8707" cy="2895610"/>
           </a:xfrm>
           <a:prstGeom prst="straightConnector1">
@@ -3821,7 +3666,7 @@
         </p:nvCxnSpPr>
         <p:spPr>
           <a:xfrm flipH="1" flipV="1">
-            <a:off x="6107430" y="1838598"/>
+            <a:off x="7269483" y="1381401"/>
             <a:ext cx="8707" cy="4071267"/>
           </a:xfrm>
           <a:prstGeom prst="curvedConnector3">
@@ -3851,110 +3696,6 @@
           </a:fontRef>
         </p:style>
       </p:cxnSp>
-      <p:pic>
-        <p:nvPicPr>
-          <p:cNvPr id="77" name="Picture 76"/>
-          <p:cNvPicPr>
-            <a:picLocks noChangeAspect="1"/>
-          </p:cNvPicPr>
-          <p:nvPr/>
-        </p:nvPicPr>
-        <p:blipFill>
-          <a:blip r:embed="rId6"/>
-          <a:stretch>
-            <a:fillRect/>
-          </a:stretch>
-        </p:blipFill>
-        <p:spPr>
-          <a:xfrm>
-            <a:off x="6045872" y="3928953"/>
-            <a:ext cx="2183903" cy="726814"/>
-          </a:xfrm>
-          <a:prstGeom prst="rect">
-            <a:avLst/>
-          </a:prstGeom>
-        </p:spPr>
-      </p:pic>
-      <p:pic>
-        <p:nvPicPr>
-          <p:cNvPr id="78" name="Picture 15" descr="https://lh6.googleusercontent.com/yQRBT_b3HdGJsOkLjGn0-TK60LQ2WE1AjjV7QwjPa2i614zzIsCKNwejWzWpQR_OT19WHUlEJlVmDhU6MTq60IgAVns8vs47l3k9aryByXPAabOdX0DyaA172DVzwjwrSOpkr_EX2rA"/>
-          <p:cNvPicPr>
-            <a:picLocks noChangeAspect="1" noChangeArrowheads="1"/>
-          </p:cNvPicPr>
-          <p:nvPr/>
-        </p:nvPicPr>
-        <p:blipFill>
-          <a:blip r:embed="rId7">
-            <a:extLst>
-              <a:ext uri="{28A0092B-C50C-407E-A947-70E740481C1C}">
-                <a14:useLocalDpi xmlns:a14="http://schemas.microsoft.com/office/drawing/2010/main" val="0"/>
-              </a:ext>
-            </a:extLst>
-          </a:blip>
-          <a:srcRect/>
-          <a:stretch>
-            <a:fillRect/>
-          </a:stretch>
-        </p:blipFill>
-        <p:spPr bwMode="auto">
-          <a:xfrm>
-            <a:off x="5194535" y="5656225"/>
-            <a:ext cx="728686" cy="535026"/>
-          </a:xfrm>
-          <a:prstGeom prst="rect">
-            <a:avLst/>
-          </a:prstGeom>
-          <a:noFill/>
-          <a:extLst>
-            <a:ext uri="{909E8E84-426E-40DD-AFC4-6F175D3DCCD1}">
-              <a14:hiddenFill xmlns:a14="http://schemas.microsoft.com/office/drawing/2010/main">
-                <a:solidFill>
-                  <a:srgbClr val="FFFFFF"/>
-                </a:solidFill>
-              </a14:hiddenFill>
-            </a:ext>
-          </a:extLst>
-        </p:spPr>
-      </p:pic>
-      <p:pic>
-        <p:nvPicPr>
-          <p:cNvPr id="79" name="Picture 11" descr="https://lh4.googleusercontent.com/4WbOszBdT-niaWTDz2WbyJQYBPB-dzF6vU9LSUwSN6f830sYcf3EoBcVtJ55NwfGFwPlpMAAWs9woJRmJ4ftXeMZSNbimezE5UfDObcJ6OkGhVTx55lLzYpSTDMz7YlZUqkKjHO5RAg"/>
-          <p:cNvPicPr>
-            <a:picLocks noChangeAspect="1" noChangeArrowheads="1"/>
-          </p:cNvPicPr>
-          <p:nvPr/>
-        </p:nvPicPr>
-        <p:blipFill rotWithShape="1">
-          <a:blip r:embed="rId4">
-            <a:extLst>
-              <a:ext uri="{28A0092B-C50C-407E-A947-70E740481C1C}">
-                <a14:useLocalDpi xmlns:a14="http://schemas.microsoft.com/office/drawing/2010/main" val="0"/>
-              </a:ext>
-            </a:extLst>
-          </a:blip>
-          <a:srcRect b="18006"/>
-          <a:stretch/>
-        </p:blipFill>
-        <p:spPr bwMode="auto">
-          <a:xfrm>
-            <a:off x="4728640" y="2883143"/>
-            <a:ext cx="1653224" cy="594360"/>
-          </a:xfrm>
-          <a:prstGeom prst="rect">
-            <a:avLst/>
-          </a:prstGeom>
-          <a:noFill/>
-          <a:extLst>
-            <a:ext uri="{909E8E84-426E-40DD-AFC4-6F175D3DCCD1}">
-              <a14:hiddenFill xmlns:a14="http://schemas.microsoft.com/office/drawing/2010/main">
-                <a:solidFill>
-                  <a:srgbClr val="FFFFFF"/>
-                </a:solidFill>
-              </a14:hiddenFill>
-            </a:ext>
-          </a:extLst>
-        </p:spPr>
-      </p:pic>
       <p:sp>
         <p:nvSpPr>
           <p:cNvPr id="37" name="TextBox 36"/>
@@ -3963,7 +3704,7 @@
         </p:nvSpPr>
         <p:spPr>
           <a:xfrm>
-            <a:off x="1881052" y="247650"/>
+            <a:off x="-100148" y="-209550"/>
             <a:ext cx="4037324" cy="553998"/>
           </a:xfrm>
           <a:prstGeom prst="rect">
@@ -3978,7 +3719,7 @@
           <a:lstStyle/>
           <a:p>
             <a:r>
-              <a:rPr lang="en-US" sz="3000" u="sng" dirty="0" smtClean="0">
+              <a:rPr lang="en-US" sz="3000" u="sng" dirty="0">
                 <a:latin typeface="Cambria" charset="0"/>
                 <a:ea typeface="Cambria" charset="0"/>
                 <a:cs typeface="Cambria" charset="0"/>
@@ -3993,6 +3734,78 @@
           </a:p>
         </p:txBody>
       </p:sp>
+      <p:pic>
+        <p:nvPicPr>
+          <p:cNvPr id="3" name="Picture 2"/>
+          <p:cNvPicPr>
+            <a:picLocks noChangeAspect="1"/>
+          </p:cNvPicPr>
+          <p:nvPr/>
+        </p:nvPicPr>
+        <p:blipFill>
+          <a:blip r:embed="rId3"/>
+          <a:stretch>
+            <a:fillRect/>
+          </a:stretch>
+        </p:blipFill>
+        <p:spPr>
+          <a:xfrm>
+            <a:off x="1241907" y="2168790"/>
+            <a:ext cx="1706668" cy="590156"/>
+          </a:xfrm>
+          <a:prstGeom prst="rect">
+            <a:avLst/>
+          </a:prstGeom>
+        </p:spPr>
+      </p:pic>
+      <p:pic>
+        <p:nvPicPr>
+          <p:cNvPr id="21" name="Picture 20"/>
+          <p:cNvPicPr>
+            <a:picLocks noChangeAspect="1"/>
+          </p:cNvPicPr>
+          <p:nvPr/>
+        </p:nvPicPr>
+        <p:blipFill>
+          <a:blip r:embed="rId3"/>
+          <a:stretch>
+            <a:fillRect/>
+          </a:stretch>
+        </p:blipFill>
+        <p:spPr>
+          <a:xfrm>
+            <a:off x="4937607" y="2119274"/>
+            <a:ext cx="1649518" cy="570394"/>
+          </a:xfrm>
+          <a:prstGeom prst="rect">
+            <a:avLst/>
+          </a:prstGeom>
+        </p:spPr>
+      </p:pic>
+      <p:pic>
+        <p:nvPicPr>
+          <p:cNvPr id="5" name="Picture 4"/>
+          <p:cNvPicPr>
+            <a:picLocks noChangeAspect="1"/>
+          </p:cNvPicPr>
+          <p:nvPr/>
+        </p:nvPicPr>
+        <p:blipFill>
+          <a:blip r:embed="rId4"/>
+          <a:stretch>
+            <a:fillRect/>
+          </a:stretch>
+        </p:blipFill>
+        <p:spPr>
+          <a:xfrm>
+            <a:off x="3132446" y="3328126"/>
+            <a:ext cx="1609460" cy="407730"/>
+          </a:xfrm>
+          <a:prstGeom prst="rect">
+            <a:avLst/>
+          </a:prstGeom>
+        </p:spPr>
+      </p:pic>
     </p:spTree>
     <p:extLst>
       <p:ext uri="{BB962C8B-B14F-4D97-AF65-F5344CB8AC3E}">
@@ -4046,7 +3859,7 @@
         </p:blipFill>
         <p:spPr bwMode="auto">
           <a:xfrm>
-            <a:off x="1542294" y="5599074"/>
+            <a:off x="-438906" y="5141874"/>
             <a:ext cx="659451" cy="535026"/>
           </a:xfrm>
           <a:prstGeom prst="rect">
@@ -4087,7 +3900,7 @@
         </p:blipFill>
         <p:spPr bwMode="auto">
           <a:xfrm>
-            <a:off x="1516168" y="1412600"/>
+            <a:off x="-465032" y="955403"/>
             <a:ext cx="763658" cy="728075"/>
           </a:xfrm>
           <a:prstGeom prst="rect">
@@ -4113,7 +3926,7 @@
         </p:nvSpPr>
         <p:spPr>
           <a:xfrm>
-            <a:off x="1293223" y="1174569"/>
+            <a:off x="-687977" y="717372"/>
             <a:ext cx="1175657" cy="1175657"/>
           </a:xfrm>
           <a:prstGeom prst="ellipse">
@@ -4159,7 +3972,7 @@
         </p:nvSpPr>
         <p:spPr>
           <a:xfrm>
-            <a:off x="1301930" y="5245836"/>
+            <a:off x="-679270" y="4788639"/>
             <a:ext cx="1175657" cy="1175657"/>
           </a:xfrm>
           <a:prstGeom prst="ellipse">
@@ -4208,7 +4021,7 @@
         </p:nvCxnSpPr>
         <p:spPr>
           <a:xfrm>
-            <a:off x="1881052" y="2350226"/>
+            <a:off x="-100147" y="1893026"/>
             <a:ext cx="8707" cy="2895610"/>
           </a:xfrm>
           <a:prstGeom prst="straightConnector1">
@@ -4247,7 +4060,7 @@
         </p:nvCxnSpPr>
         <p:spPr>
           <a:xfrm flipH="1" flipV="1">
-            <a:off x="2468880" y="1762398"/>
+            <a:off x="487683" y="1305201"/>
             <a:ext cx="8707" cy="4071267"/>
           </a:xfrm>
           <a:prstGeom prst="curvedConnector3">
@@ -4298,7 +4111,7 @@
         </p:blipFill>
         <p:spPr bwMode="auto">
           <a:xfrm>
-            <a:off x="1071385" y="3792411"/>
+            <a:off x="-909815" y="3335211"/>
             <a:ext cx="1653224" cy="594360"/>
           </a:xfrm>
           <a:prstGeom prst="rect">
@@ -4324,7 +4137,7 @@
         </p:nvCxnSpPr>
         <p:spPr>
           <a:xfrm rot="10800000" flipH="1" flipV="1">
-            <a:off x="4888230" y="1781448"/>
+            <a:off x="2907033" y="1324251"/>
             <a:ext cx="8707" cy="4071267"/>
           </a:xfrm>
           <a:prstGeom prst="curvedConnector3">
@@ -4378,7 +4191,7 @@
         </p:blipFill>
         <p:spPr bwMode="auto">
           <a:xfrm>
-            <a:off x="5154718" y="1431650"/>
+            <a:off x="3173518" y="974453"/>
             <a:ext cx="763658" cy="728075"/>
           </a:xfrm>
           <a:prstGeom prst="rect">
@@ -4404,7 +4217,7 @@
         </p:nvSpPr>
         <p:spPr>
           <a:xfrm>
-            <a:off x="4931773" y="1193619"/>
+            <a:off x="2950576" y="736422"/>
             <a:ext cx="1175657" cy="1175657"/>
           </a:xfrm>
           <a:prstGeom prst="ellipse">
@@ -4450,7 +4263,7 @@
         </p:nvSpPr>
         <p:spPr>
           <a:xfrm>
-            <a:off x="4940480" y="5264886"/>
+            <a:off x="2959283" y="4807689"/>
             <a:ext cx="1175657" cy="1175657"/>
           </a:xfrm>
           <a:prstGeom prst="ellipse">
@@ -4496,7 +4309,7 @@
         </p:nvCxnSpPr>
         <p:spPr>
           <a:xfrm>
-            <a:off x="5519602" y="2369276"/>
+            <a:off x="3538405" y="1912076"/>
             <a:ext cx="8707" cy="2895610"/>
           </a:xfrm>
           <a:prstGeom prst="straightConnector1">
@@ -4545,7 +4358,7 @@
         </p:blipFill>
         <p:spPr bwMode="auto">
           <a:xfrm>
-            <a:off x="4626531" y="3747231"/>
+            <a:off x="2645331" y="3290031"/>
             <a:ext cx="1653224" cy="594360"/>
           </a:xfrm>
           <a:prstGeom prst="rect">
@@ -4586,7 +4399,7 @@
         </p:blipFill>
         <p:spPr bwMode="auto">
           <a:xfrm>
-            <a:off x="5194535" y="5599075"/>
+            <a:off x="3213335" y="5141875"/>
             <a:ext cx="728686" cy="535026"/>
           </a:xfrm>
           <a:prstGeom prst="rect">
@@ -4620,7 +4433,7 @@
         </p:blipFill>
         <p:spPr>
           <a:xfrm>
-            <a:off x="2613659" y="3002270"/>
+            <a:off x="632462" y="2545070"/>
             <a:ext cx="1981631" cy="725910"/>
           </a:xfrm>
           <a:prstGeom prst="rect">
@@ -4636,7 +4449,7 @@
         </p:nvSpPr>
         <p:spPr>
           <a:xfrm>
-            <a:off x="1957252" y="247650"/>
+            <a:off x="-23948" y="-209550"/>
             <a:ext cx="4037324" cy="553998"/>
           </a:xfrm>
           <a:prstGeom prst="rect">
@@ -4651,7 +4464,7 @@
           <a:lstStyle/>
           <a:p>
             <a:r>
-              <a:rPr lang="en-US" sz="3000" u="sng" dirty="0" smtClean="0">
+              <a:rPr lang="en-US" sz="3000" u="sng" dirty="0">
                 <a:latin typeface="Cambria" charset="0"/>
                 <a:ea typeface="Cambria" charset="0"/>
                 <a:cs typeface="Cambria" charset="0"/>
@@ -4719,7 +4532,7 @@
         </p:blipFill>
         <p:spPr bwMode="auto">
           <a:xfrm>
-            <a:off x="3352044" y="5599074"/>
+            <a:off x="1370847" y="5141874"/>
             <a:ext cx="659451" cy="535026"/>
           </a:xfrm>
           <a:prstGeom prst="rect">
@@ -4745,7 +4558,7 @@
         </p:nvSpPr>
         <p:spPr>
           <a:xfrm>
-            <a:off x="3102973" y="1174569"/>
+            <a:off x="1121776" y="717372"/>
             <a:ext cx="1175657" cy="1175657"/>
           </a:xfrm>
           <a:prstGeom prst="ellipse">
@@ -4791,7 +4604,7 @@
         </p:nvSpPr>
         <p:spPr>
           <a:xfrm>
-            <a:off x="3111680" y="5245836"/>
+            <a:off x="1130483" y="4788639"/>
             <a:ext cx="1175657" cy="1175657"/>
           </a:xfrm>
           <a:prstGeom prst="ellipse">
@@ -4837,7 +4650,7 @@
         </p:nvSpPr>
         <p:spPr>
           <a:xfrm>
-            <a:off x="1633401" y="247650"/>
+            <a:off x="-347799" y="-209550"/>
             <a:ext cx="4322503" cy="553998"/>
           </a:xfrm>
           <a:prstGeom prst="rect">
@@ -4852,7 +4665,7 @@
           <a:lstStyle/>
           <a:p>
             <a:r>
-              <a:rPr lang="en-US" sz="3000" u="sng" smtClean="0">
+              <a:rPr lang="en-US" sz="3000" u="sng">
                 <a:latin typeface="Cambria" charset="0"/>
                 <a:ea typeface="Cambria" charset="0"/>
                 <a:cs typeface="Cambria" charset="0"/>
@@ -4882,7 +4695,7 @@
         </p:blipFill>
         <p:spPr>
           <a:xfrm>
-            <a:off x="1371600" y="0"/>
+            <a:off x="-609600" y="-457200"/>
             <a:ext cx="1280160" cy="2286000"/>
           </a:xfrm>
           <a:prstGeom prst="rect">
@@ -4922,7 +4735,7 @@
       </p:grpSpPr>
       <p:pic>
         <p:nvPicPr>
-          <p:cNvPr id="1037" name="Picture 13" descr="https://lh6.googleusercontent.com/Af-e__9i_0qGjy_dvvJWGAxZGs2kWiTuMSNNAo4H3MRY-AMzzL_2a__NlTxOcS3tBgnUGFxnxiCBEbmlbIpnev-FQ5GkxAU790xc3TmOIS4mHubwimQl2w9uOq48jwOWFl4KXIhCORQ"/>
+          <p:cNvPr id="1034" name="Picture 10" descr="https://lh3.googleusercontent.com/72SAnca_rZXJJejVDSUg0kwEr2XMohtZAXIRjFqex5qYoD3Lhmps065m7mPW7Z9vom4AvCLAn3mPQyAm_DwamRdGgPmuw-MdLtwxQjE6R3JET8qe_4T33W4ejWoHy1DEgZo7ZCSsKX4"/>
           <p:cNvPicPr>
             <a:picLocks noChangeAspect="1" noChangeArrowheads="1"/>
           </p:cNvPicPr>
@@ -4943,8 +4756,8 @@
         </p:blipFill>
         <p:spPr bwMode="auto">
           <a:xfrm>
-            <a:off x="1542294" y="5103774"/>
-            <a:ext cx="659451" cy="535026"/>
+            <a:off x="889814" y="545534"/>
+            <a:ext cx="763658" cy="728075"/>
           </a:xfrm>
           <a:prstGeom prst="rect">
             <a:avLst/>
@@ -4961,47 +4774,6 @@
           </a:extLst>
         </p:spPr>
       </p:pic>
-      <p:pic>
-        <p:nvPicPr>
-          <p:cNvPr id="1034" name="Picture 10" descr="https://lh3.googleusercontent.com/72SAnca_rZXJJejVDSUg0kwEr2XMohtZAXIRjFqex5qYoD3Lhmps065m7mPW7Z9vom4AvCLAn3mPQyAm_DwamRdGgPmuw-MdLtwxQjE6R3JET8qe_4T33W4ejWoHy1DEgZo7ZCSsKX4"/>
-          <p:cNvPicPr>
-            <a:picLocks noChangeAspect="1" noChangeArrowheads="1"/>
-          </p:cNvPicPr>
-          <p:nvPr/>
-        </p:nvPicPr>
-        <p:blipFill>
-          <a:blip r:embed="rId3">
-            <a:extLst>
-              <a:ext uri="{28A0092B-C50C-407E-A947-70E740481C1C}">
-                <a14:useLocalDpi xmlns:a14="http://schemas.microsoft.com/office/drawing/2010/main" val="0"/>
-              </a:ext>
-            </a:extLst>
-          </a:blip>
-          <a:srcRect/>
-          <a:stretch>
-            <a:fillRect/>
-          </a:stretch>
-        </p:blipFill>
-        <p:spPr bwMode="auto">
-          <a:xfrm>
-            <a:off x="1516168" y="917300"/>
-            <a:ext cx="763658" cy="728075"/>
-          </a:xfrm>
-          <a:prstGeom prst="rect">
-            <a:avLst/>
-          </a:prstGeom>
-          <a:noFill/>
-          <a:extLst>
-            <a:ext uri="{909E8E84-426E-40DD-AFC4-6F175D3DCCD1}">
-              <a14:hiddenFill xmlns:a14="http://schemas.microsoft.com/office/drawing/2010/main">
-                <a:solidFill>
-                  <a:srgbClr val="FFFFFF"/>
-                </a:solidFill>
-              </a14:hiddenFill>
-            </a:ext>
-          </a:extLst>
-        </p:spPr>
-      </p:pic>
       <p:sp>
         <p:nvSpPr>
           <p:cNvPr id="4" name="Oval 3"/>
@@ -5010,7 +4782,7 @@
         </p:nvSpPr>
         <p:spPr>
           <a:xfrm>
-            <a:off x="1293223" y="679269"/>
+            <a:off x="666872" y="307503"/>
             <a:ext cx="1175657" cy="1175657"/>
           </a:xfrm>
           <a:prstGeom prst="ellipse">
@@ -5056,7 +4828,7 @@
         </p:nvSpPr>
         <p:spPr>
           <a:xfrm>
-            <a:off x="1301930" y="4750536"/>
+            <a:off x="675579" y="4378770"/>
             <a:ext cx="1175657" cy="1175657"/>
           </a:xfrm>
           <a:prstGeom prst="ellipse">
@@ -5105,7 +4877,7 @@
         </p:nvCxnSpPr>
         <p:spPr>
           <a:xfrm>
-            <a:off x="1881052" y="1854926"/>
+            <a:off x="1254701" y="1483157"/>
             <a:ext cx="8707" cy="2895610"/>
           </a:xfrm>
           <a:prstGeom prst="straightConnector1">
@@ -5144,7 +4916,7 @@
         </p:nvCxnSpPr>
         <p:spPr>
           <a:xfrm flipH="1" flipV="1">
-            <a:off x="2468880" y="1267098"/>
+            <a:off x="1842529" y="895332"/>
             <a:ext cx="8707" cy="4071267"/>
           </a:xfrm>
           <a:prstGeom prst="curvedConnector3">
@@ -5176,14 +4948,14 @@
       </p:cxnSp>
       <p:pic>
         <p:nvPicPr>
-          <p:cNvPr id="1035" name="Picture 11" descr="https://lh4.googleusercontent.com/4WbOszBdT-niaWTDz2WbyJQYBPB-dzF6vU9LSUwSN6f830sYcf3EoBcVtJ55NwfGFwPlpMAAWs9woJRmJ4ftXeMZSNbimezE5UfDObcJ6OkGhVTx55lLzYpSTDMz7YlZUqkKjHO5RAg"/>
+          <p:cNvPr id="72" name="Picture 10" descr="https://lh3.googleusercontent.com/72SAnca_rZXJJejVDSUg0kwEr2XMohtZAXIRjFqex5qYoD3Lhmps065m7mPW7Z9vom4AvCLAn3mPQyAm_DwamRdGgPmuw-MdLtwxQjE6R3JET8qe_4T33W4ejWoHy1DEgZo7ZCSsKX4"/>
           <p:cNvPicPr>
             <a:picLocks noChangeAspect="1" noChangeArrowheads="1"/>
           </p:cNvPicPr>
           <p:nvPr/>
         </p:nvPicPr>
         <p:blipFill>
-          <a:blip r:embed="rId4">
+          <a:blip r:embed="rId2">
             <a:extLst>
               <a:ext uri="{28A0092B-C50C-407E-A947-70E740481C1C}">
                 <a14:useLocalDpi xmlns:a14="http://schemas.microsoft.com/office/drawing/2010/main" val="0"/>
@@ -5197,8 +4969,8 @@
         </p:blipFill>
         <p:spPr bwMode="auto">
           <a:xfrm>
-            <a:off x="956740" y="2787893"/>
-            <a:ext cx="1653224" cy="724875"/>
+            <a:off x="4909364" y="564584"/>
+            <a:ext cx="763658" cy="728075"/>
           </a:xfrm>
           <a:prstGeom prst="rect">
             <a:avLst/>
@@ -5215,71 +4987,6 @@
           </a:extLst>
         </p:spPr>
       </p:pic>
-      <p:pic>
-        <p:nvPicPr>
-          <p:cNvPr id="33" name="Picture 32"/>
-          <p:cNvPicPr>
-            <a:picLocks noChangeAspect="1"/>
-          </p:cNvPicPr>
-          <p:nvPr/>
-        </p:nvPicPr>
-        <p:blipFill>
-          <a:blip r:embed="rId5"/>
-          <a:stretch>
-            <a:fillRect/>
-          </a:stretch>
-        </p:blipFill>
-        <p:spPr>
-          <a:xfrm>
-            <a:off x="2796616" y="2768843"/>
-            <a:ext cx="2030840" cy="667230"/>
-          </a:xfrm>
-          <a:prstGeom prst="rect">
-            <a:avLst/>
-          </a:prstGeom>
-        </p:spPr>
-      </p:pic>
-      <p:pic>
-        <p:nvPicPr>
-          <p:cNvPr id="72" name="Picture 10" descr="https://lh3.googleusercontent.com/72SAnca_rZXJJejVDSUg0kwEr2XMohtZAXIRjFqex5qYoD3Lhmps065m7mPW7Z9vom4AvCLAn3mPQyAm_DwamRdGgPmuw-MdLtwxQjE6R3JET8qe_4T33W4ejWoHy1DEgZo7ZCSsKX4"/>
-          <p:cNvPicPr>
-            <a:picLocks noChangeAspect="1" noChangeArrowheads="1"/>
-          </p:cNvPicPr>
-          <p:nvPr/>
-        </p:nvPicPr>
-        <p:blipFill>
-          <a:blip r:embed="rId3">
-            <a:extLst>
-              <a:ext uri="{28A0092B-C50C-407E-A947-70E740481C1C}">
-                <a14:useLocalDpi xmlns:a14="http://schemas.microsoft.com/office/drawing/2010/main" val="0"/>
-              </a:ext>
-            </a:extLst>
-          </a:blip>
-          <a:srcRect/>
-          <a:stretch>
-            <a:fillRect/>
-          </a:stretch>
-        </p:blipFill>
-        <p:spPr bwMode="auto">
-          <a:xfrm>
-            <a:off x="5535718" y="936350"/>
-            <a:ext cx="763658" cy="728075"/>
-          </a:xfrm>
-          <a:prstGeom prst="rect">
-            <a:avLst/>
-          </a:prstGeom>
-          <a:noFill/>
-          <a:extLst>
-            <a:ext uri="{909E8E84-426E-40DD-AFC4-6F175D3DCCD1}">
-              <a14:hiddenFill xmlns:a14="http://schemas.microsoft.com/office/drawing/2010/main">
-                <a:solidFill>
-                  <a:srgbClr val="FFFFFF"/>
-                </a:solidFill>
-              </a14:hiddenFill>
-            </a:ext>
-          </a:extLst>
-        </p:spPr>
-      </p:pic>
       <p:sp>
         <p:nvSpPr>
           <p:cNvPr id="73" name="Oval 72"/>
@@ -5288,7 +4995,7 @@
         </p:nvSpPr>
         <p:spPr>
           <a:xfrm>
-            <a:off x="5312773" y="698319"/>
+            <a:off x="4686422" y="326553"/>
             <a:ext cx="1175657" cy="1175657"/>
           </a:xfrm>
           <a:prstGeom prst="ellipse">
@@ -5334,7 +5041,7 @@
         </p:nvSpPr>
         <p:spPr>
           <a:xfrm>
-            <a:off x="5321480" y="4769586"/>
+            <a:off x="4695129" y="4397820"/>
             <a:ext cx="1175657" cy="1175657"/>
           </a:xfrm>
           <a:prstGeom prst="ellipse">
@@ -5380,7 +5087,7 @@
         </p:nvCxnSpPr>
         <p:spPr>
           <a:xfrm>
-            <a:off x="5900602" y="1873976"/>
+            <a:off x="5274251" y="1502207"/>
             <a:ext cx="8707" cy="2895610"/>
           </a:xfrm>
           <a:prstGeom prst="straightConnector1">
@@ -5416,7 +5123,7 @@
         </p:nvCxnSpPr>
         <p:spPr>
           <a:xfrm flipH="1" flipV="1">
-            <a:off x="6488430" y="1286148"/>
+            <a:off x="5862079" y="914382"/>
             <a:ext cx="8707" cy="4071267"/>
           </a:xfrm>
           <a:prstGeom prst="curvedConnector3">
@@ -5448,7 +5155,115 @@
       </p:cxnSp>
       <p:pic>
         <p:nvPicPr>
-          <p:cNvPr id="77" name="Picture 76"/>
+          <p:cNvPr id="18" name="Picture 17"/>
+          <p:cNvPicPr>
+            <a:picLocks noChangeAspect="1"/>
+          </p:cNvPicPr>
+          <p:nvPr/>
+        </p:nvPicPr>
+        <p:blipFill>
+          <a:blip r:embed="rId3"/>
+          <a:stretch>
+            <a:fillRect/>
+          </a:stretch>
+        </p:blipFill>
+        <p:spPr>
+          <a:xfrm>
+            <a:off x="124095" y="3045074"/>
+            <a:ext cx="1759064" cy="608274"/>
+          </a:xfrm>
+          <a:prstGeom prst="rect">
+            <a:avLst/>
+          </a:prstGeom>
+          <a:solidFill>
+            <a:schemeClr val="bg1"/>
+          </a:solidFill>
+        </p:spPr>
+      </p:pic>
+      <p:pic>
+        <p:nvPicPr>
+          <p:cNvPr id="19" name="Picture 18"/>
+          <p:cNvPicPr>
+            <a:picLocks noChangeAspect="1"/>
+          </p:cNvPicPr>
+          <p:nvPr/>
+        </p:nvPicPr>
+        <p:blipFill>
+          <a:blip r:embed="rId3"/>
+          <a:stretch>
+            <a:fillRect/>
+          </a:stretch>
+        </p:blipFill>
+        <p:spPr>
+          <a:xfrm>
+            <a:off x="4186505" y="3045074"/>
+            <a:ext cx="1649518" cy="570394"/>
+          </a:xfrm>
+          <a:prstGeom prst="rect">
+            <a:avLst/>
+          </a:prstGeom>
+          <a:solidFill>
+            <a:schemeClr val="bg1"/>
+          </a:solidFill>
+        </p:spPr>
+      </p:pic>
+      <p:pic>
+        <p:nvPicPr>
+          <p:cNvPr id="2" name="Picture 1"/>
+          <p:cNvPicPr>
+            <a:picLocks noChangeAspect="1"/>
+          </p:cNvPicPr>
+          <p:nvPr/>
+        </p:nvPicPr>
+        <p:blipFill>
+          <a:blip r:embed="rId4"/>
+          <a:stretch>
+            <a:fillRect/>
+          </a:stretch>
+        </p:blipFill>
+        <p:spPr>
+          <a:xfrm>
+            <a:off x="1623022" y="1897426"/>
+            <a:ext cx="2276308" cy="622300"/>
+          </a:xfrm>
+          <a:prstGeom prst="rect">
+            <a:avLst/>
+          </a:prstGeom>
+          <a:solidFill>
+            <a:schemeClr val="bg1"/>
+          </a:solidFill>
+        </p:spPr>
+      </p:pic>
+      <p:pic>
+        <p:nvPicPr>
+          <p:cNvPr id="3" name="Picture 2"/>
+          <p:cNvPicPr>
+            <a:picLocks noChangeAspect="1"/>
+          </p:cNvPicPr>
+          <p:nvPr/>
+        </p:nvPicPr>
+        <p:blipFill>
+          <a:blip r:embed="rId5"/>
+          <a:stretch>
+            <a:fillRect/>
+          </a:stretch>
+        </p:blipFill>
+        <p:spPr>
+          <a:xfrm>
+            <a:off x="5817398" y="1903190"/>
+            <a:ext cx="2255225" cy="616536"/>
+          </a:xfrm>
+          <a:prstGeom prst="rect">
+            <a:avLst/>
+          </a:prstGeom>
+          <a:solidFill>
+            <a:schemeClr val="bg1"/>
+          </a:solidFill>
+        </p:spPr>
+      </p:pic>
+      <p:pic>
+        <p:nvPicPr>
+          <p:cNvPr id="23" name="Picture 22"/>
           <p:cNvPicPr>
             <a:picLocks noChangeAspect="1"/>
           </p:cNvPicPr>
@@ -5462,8 +5277,8 @@
         </p:blipFill>
         <p:spPr>
           <a:xfrm>
-            <a:off x="6922172" y="2671653"/>
-            <a:ext cx="2183903" cy="726814"/>
+            <a:off x="924485" y="4595316"/>
+            <a:ext cx="660429" cy="704458"/>
           </a:xfrm>
           <a:prstGeom prst="rect">
             <a:avLst/>
@@ -5472,84 +5287,26 @@
       </p:pic>
       <p:pic>
         <p:nvPicPr>
-          <p:cNvPr id="78" name="Picture 15" descr="https://lh6.googleusercontent.com/yQRBT_b3HdGJsOkLjGn0-TK60LQ2WE1AjjV7QwjPa2i614zzIsCKNwejWzWpQR_OT19WHUlEJlVmDhU6MTq60IgAVns8vs47l3k9aryByXPAabOdX0DyaA172DVzwjwrSOpkr_EX2rA"/>
+          <p:cNvPr id="42" name="Picture 41"/>
           <p:cNvPicPr>
-            <a:picLocks noChangeAspect="1" noChangeArrowheads="1"/>
+            <a:picLocks noChangeAspect="1"/>
           </p:cNvPicPr>
           <p:nvPr/>
         </p:nvPicPr>
         <p:blipFill>
-          <a:blip r:embed="rId7">
-            <a:extLst>
-              <a:ext uri="{28A0092B-C50C-407E-A947-70E740481C1C}">
-                <a14:useLocalDpi xmlns:a14="http://schemas.microsoft.com/office/drawing/2010/main" val="0"/>
-              </a:ext>
-            </a:extLst>
-          </a:blip>
-          <a:srcRect/>
+          <a:blip r:embed="rId7"/>
           <a:stretch>
             <a:fillRect/>
           </a:stretch>
         </p:blipFill>
-        <p:spPr bwMode="auto">
-          <a:xfrm>
-            <a:off x="5575535" y="5103775"/>
-            <a:ext cx="728686" cy="535026"/>
+        <p:spPr>
+          <a:xfrm>
+            <a:off x="4982850" y="4628224"/>
+            <a:ext cx="642268" cy="662987"/>
           </a:xfrm>
           <a:prstGeom prst="rect">
             <a:avLst/>
           </a:prstGeom>
-          <a:noFill/>
-          <a:extLst>
-            <a:ext uri="{909E8E84-426E-40DD-AFC4-6F175D3DCCD1}">
-              <a14:hiddenFill xmlns:a14="http://schemas.microsoft.com/office/drawing/2010/main">
-                <a:solidFill>
-                  <a:srgbClr val="FFFFFF"/>
-                </a:solidFill>
-              </a14:hiddenFill>
-            </a:ext>
-          </a:extLst>
-        </p:spPr>
-      </p:pic>
-      <p:pic>
-        <p:nvPicPr>
-          <p:cNvPr id="79" name="Picture 11" descr="https://lh4.googleusercontent.com/4WbOszBdT-niaWTDz2WbyJQYBPB-dzF6vU9LSUwSN6f830sYcf3EoBcVtJ55NwfGFwPlpMAAWs9woJRmJ4ftXeMZSNbimezE5UfDObcJ6OkGhVTx55lLzYpSTDMz7YlZUqkKjHO5RAg"/>
-          <p:cNvPicPr>
-            <a:picLocks noChangeAspect="1" noChangeArrowheads="1"/>
-          </p:cNvPicPr>
-          <p:nvPr/>
-        </p:nvPicPr>
-        <p:blipFill>
-          <a:blip r:embed="rId4">
-            <a:extLst>
-              <a:ext uri="{28A0092B-C50C-407E-A947-70E740481C1C}">
-                <a14:useLocalDpi xmlns:a14="http://schemas.microsoft.com/office/drawing/2010/main" val="0"/>
-              </a:ext>
-            </a:extLst>
-          </a:blip>
-          <a:srcRect/>
-          <a:stretch>
-            <a:fillRect/>
-          </a:stretch>
-        </p:blipFill>
-        <p:spPr bwMode="auto">
-          <a:xfrm>
-            <a:off x="5109640" y="2787893"/>
-            <a:ext cx="1653224" cy="724875"/>
-          </a:xfrm>
-          <a:prstGeom prst="rect">
-            <a:avLst/>
-          </a:prstGeom>
-          <a:noFill/>
-          <a:extLst>
-            <a:ext uri="{909E8E84-426E-40DD-AFC4-6F175D3DCCD1}">
-              <a14:hiddenFill xmlns:a14="http://schemas.microsoft.com/office/drawing/2010/main">
-                <a:solidFill>
-                  <a:srgbClr val="FFFFFF"/>
-                </a:solidFill>
-              </a14:hiddenFill>
-            </a:ext>
-          </a:extLst>
         </p:spPr>
       </p:pic>
     </p:spTree>
@@ -5584,7 +5341,7 @@
       </p:grpSpPr>
       <p:pic>
         <p:nvPicPr>
-          <p:cNvPr id="1037" name="Picture 13" descr="https://lh6.googleusercontent.com/Af-e__9i_0qGjy_dvvJWGAxZGs2kWiTuMSNNAo4H3MRY-AMzzL_2a__NlTxOcS3tBgnUGFxnxiCBEbmlbIpnev-FQ5GkxAU790xc3TmOIS4mHubwimQl2w9uOq48jwOWFl4KXIhCORQ"/>
+          <p:cNvPr id="25" name="Picture 10" descr="https://lh3.googleusercontent.com/72SAnca_rZXJJejVDSUg0kwEr2XMohtZAXIRjFqex5qYoD3Lhmps065m7mPW7Z9vom4AvCLAn3mPQyAm_DwamRdGgPmuw-MdLtwxQjE6R3JET8qe_4T33W4ejWoHy1DEgZo7ZCSsKX4"/>
           <p:cNvPicPr>
             <a:picLocks noChangeAspect="1" noChangeArrowheads="1"/>
           </p:cNvPicPr>
@@ -5605,8 +5362,8 @@
         </p:blipFill>
         <p:spPr bwMode="auto">
           <a:xfrm>
-            <a:off x="1542294" y="5103774"/>
-            <a:ext cx="659451" cy="535026"/>
+            <a:off x="1759782" y="597490"/>
+            <a:ext cx="763658" cy="728075"/>
           </a:xfrm>
           <a:prstGeom prst="rect">
             <a:avLst/>
@@ -5623,16 +5380,182 @@
           </a:extLst>
         </p:spPr>
       </p:pic>
+      <p:sp>
+        <p:nvSpPr>
+          <p:cNvPr id="26" name="Oval 25"/>
+          <p:cNvSpPr/>
+          <p:nvPr/>
+        </p:nvSpPr>
+        <p:spPr>
+          <a:xfrm>
+            <a:off x="1536839" y="359459"/>
+            <a:ext cx="1175657" cy="1175657"/>
+          </a:xfrm>
+          <a:prstGeom prst="ellipse">
+            <a:avLst/>
+          </a:prstGeom>
+          <a:noFill/>
+          <a:ln w="38100">
+            <a:solidFill>
+              <a:schemeClr val="tx1"/>
+            </a:solidFill>
+          </a:ln>
+        </p:spPr>
+        <p:style>
+          <a:lnRef idx="2">
+            <a:schemeClr val="accent1">
+              <a:shade val="50000"/>
+            </a:schemeClr>
+          </a:lnRef>
+          <a:fillRef idx="1">
+            <a:schemeClr val="accent1"/>
+          </a:fillRef>
+          <a:effectRef idx="0">
+            <a:schemeClr val="accent1"/>
+          </a:effectRef>
+          <a:fontRef idx="minor">
+            <a:schemeClr val="lt1"/>
+          </a:fontRef>
+        </p:style>
+        <p:txBody>
+          <a:bodyPr rtlCol="0" anchor="ctr"/>
+          <a:lstStyle/>
+          <a:p>
+            <a:pPr algn="ctr"/>
+            <a:endParaRPr lang="en-US"/>
+          </a:p>
+        </p:txBody>
+      </p:sp>
+      <p:sp>
+        <p:nvSpPr>
+          <p:cNvPr id="28" name="Oval 27"/>
+          <p:cNvSpPr/>
+          <p:nvPr/>
+        </p:nvSpPr>
+        <p:spPr>
+          <a:xfrm>
+            <a:off x="1545546" y="4430726"/>
+            <a:ext cx="1175657" cy="1175657"/>
+          </a:xfrm>
+          <a:prstGeom prst="ellipse">
+            <a:avLst/>
+          </a:prstGeom>
+          <a:noFill/>
+          <a:ln w="38100">
+            <a:solidFill>
+              <a:schemeClr val="tx1"/>
+            </a:solidFill>
+          </a:ln>
+        </p:spPr>
+        <p:style>
+          <a:lnRef idx="2">
+            <a:schemeClr val="accent1">
+              <a:shade val="50000"/>
+            </a:schemeClr>
+          </a:lnRef>
+          <a:fillRef idx="1">
+            <a:schemeClr val="accent1"/>
+          </a:fillRef>
+          <a:effectRef idx="0">
+            <a:schemeClr val="accent1"/>
+          </a:effectRef>
+          <a:fontRef idx="minor">
+            <a:schemeClr val="lt1"/>
+          </a:fontRef>
+        </p:style>
+        <p:txBody>
+          <a:bodyPr rtlCol="0" anchor="ctr"/>
+          <a:lstStyle/>
+          <a:p>
+            <a:pPr algn="ctr"/>
+            <a:endParaRPr lang="en-US"/>
+          </a:p>
+        </p:txBody>
+      </p:sp>
+      <p:cxnSp>
+        <p:nvCxnSpPr>
+          <p:cNvPr id="29" name="Straight Arrow Connector 28"/>
+          <p:cNvCxnSpPr/>
+          <p:nvPr/>
+        </p:nvCxnSpPr>
+        <p:spPr>
+          <a:xfrm>
+            <a:off x="2124669" y="1535113"/>
+            <a:ext cx="8707" cy="2895610"/>
+          </a:xfrm>
+          <a:prstGeom prst="straightConnector1">
+            <a:avLst/>
+          </a:prstGeom>
+          <a:ln w="47625">
+            <a:solidFill>
+              <a:srgbClr val="E32635"/>
+            </a:solidFill>
+            <a:tailEnd type="triangle" w="lg" len="lg"/>
+          </a:ln>
+        </p:spPr>
+        <p:style>
+          <a:lnRef idx="1">
+            <a:schemeClr val="accent1"/>
+          </a:lnRef>
+          <a:fillRef idx="0">
+            <a:schemeClr val="accent1"/>
+          </a:fillRef>
+          <a:effectRef idx="0">
+            <a:schemeClr val="accent1"/>
+          </a:effectRef>
+          <a:fontRef idx="minor">
+            <a:schemeClr val="tx1"/>
+          </a:fontRef>
+        </p:style>
+      </p:cxnSp>
+      <p:cxnSp>
+        <p:nvCxnSpPr>
+          <p:cNvPr id="30" name="Curved Connector 29"/>
+          <p:cNvCxnSpPr/>
+          <p:nvPr/>
+        </p:nvCxnSpPr>
+        <p:spPr>
+          <a:xfrm flipH="1" flipV="1">
+            <a:off x="2712497" y="947288"/>
+            <a:ext cx="8707" cy="4071267"/>
+          </a:xfrm>
+          <a:prstGeom prst="curvedConnector3">
+            <a:avLst>
+              <a:gd name="adj1" fmla="val -15752843"/>
+            </a:avLst>
+          </a:prstGeom>
+          <a:ln w="47625">
+            <a:solidFill>
+              <a:srgbClr val="0037A8"/>
+            </a:solidFill>
+            <a:tailEnd type="triangle" w="lg" len="lg"/>
+          </a:ln>
+        </p:spPr>
+        <p:style>
+          <a:lnRef idx="1">
+            <a:schemeClr val="accent1"/>
+          </a:lnRef>
+          <a:fillRef idx="0">
+            <a:schemeClr val="accent1"/>
+          </a:fillRef>
+          <a:effectRef idx="0">
+            <a:schemeClr val="accent1"/>
+          </a:effectRef>
+          <a:fontRef idx="minor">
+            <a:schemeClr val="tx1"/>
+          </a:fontRef>
+        </p:style>
+      </p:cxnSp>
       <p:pic>
         <p:nvPicPr>
-          <p:cNvPr id="1034" name="Picture 10" descr="https://lh3.googleusercontent.com/72SAnca_rZXJJejVDSUg0kwEr2XMohtZAXIRjFqex5qYoD3Lhmps065m7mPW7Z9vom4AvCLAn3mPQyAm_DwamRdGgPmuw-MdLtwxQjE6R3JET8qe_4T33W4ejWoHy1DEgZo7ZCSsKX4"/>
+          <p:cNvPr id="31" name="Picture 10" descr="https://lh3.googleusercontent.com/72SAnca_rZXJJejVDSUg0kwEr2XMohtZAXIRjFqex5qYoD3Lhmps065m7mPW7Z9vom4AvCLAn3mPQyAm_DwamRdGgPmuw-MdLtwxQjE6R3JET8qe_4T33W4ejWoHy1DEgZo7ZCSsKX4"/>
           <p:cNvPicPr>
             <a:picLocks noChangeAspect="1" noChangeArrowheads="1"/>
           </p:cNvPicPr>
           <p:nvPr/>
         </p:nvPicPr>
         <p:blipFill>
-          <a:blip r:embed="rId3">
+          <a:blip r:embed="rId2">
             <a:extLst>
               <a:ext uri="{28A0092B-C50C-407E-A947-70E740481C1C}">
                 <a14:useLocalDpi xmlns:a14="http://schemas.microsoft.com/office/drawing/2010/main" val="0"/>
@@ -5646,7 +5569,7 @@
         </p:blipFill>
         <p:spPr bwMode="auto">
           <a:xfrm>
-            <a:off x="1516168" y="917300"/>
+            <a:off x="5779332" y="616540"/>
             <a:ext cx="763658" cy="728075"/>
           </a:xfrm>
           <a:prstGeom prst="rect">
@@ -5666,13 +5589,13 @@
       </p:pic>
       <p:sp>
         <p:nvSpPr>
-          <p:cNvPr id="4" name="Oval 3"/>
+          <p:cNvPr id="32" name="Oval 31"/>
           <p:cNvSpPr/>
           <p:nvPr/>
         </p:nvSpPr>
         <p:spPr>
           <a:xfrm>
-            <a:off x="1293223" y="679269"/>
+            <a:off x="5556390" y="378509"/>
             <a:ext cx="1175657" cy="1175657"/>
           </a:xfrm>
           <a:prstGeom prst="ellipse">
@@ -5712,13 +5635,13 @@
       </p:sp>
       <p:sp>
         <p:nvSpPr>
-          <p:cNvPr id="16" name="Oval 15"/>
+          <p:cNvPr id="33" name="Oval 32"/>
           <p:cNvSpPr/>
           <p:nvPr/>
         </p:nvSpPr>
         <p:spPr>
           <a:xfrm>
-            <a:off x="1301930" y="4750536"/>
+            <a:off x="5565097" y="4449776"/>
             <a:ext cx="1175657" cy="1175657"/>
           </a:xfrm>
           <a:prstGeom prst="ellipse">
@@ -5752,22 +5675,23 @@
           <a:lstStyle/>
           <a:p>
             <a:pPr algn="ctr"/>
-            <a:endParaRPr lang="en-US"/>
+            <a:r>
+              <a:rPr lang="en-US" dirty="0"/>
+              <a:t>          </a:t>
+            </a:r>
+            <a:endParaRPr lang="en-US" dirty="0"/>
           </a:p>
         </p:txBody>
       </p:sp>
       <p:cxnSp>
         <p:nvCxnSpPr>
-          <p:cNvPr id="6" name="Straight Arrow Connector 5"/>
-          <p:cNvCxnSpPr>
-            <a:stCxn id="4" idx="4"/>
-            <a:endCxn id="16" idx="0"/>
-          </p:cNvCxnSpPr>
+          <p:cNvPr id="34" name="Straight Arrow Connector 33"/>
+          <p:cNvCxnSpPr/>
           <p:nvPr/>
         </p:nvCxnSpPr>
         <p:spPr>
           <a:xfrm>
-            <a:off x="1881052" y="1854926"/>
+            <a:off x="6144219" y="1554163"/>
             <a:ext cx="8707" cy="2895610"/>
           </a:xfrm>
           <a:prstGeom prst="straightConnector1">
@@ -5797,16 +5721,13 @@
       </p:cxnSp>
       <p:cxnSp>
         <p:nvCxnSpPr>
-          <p:cNvPr id="27" name="Curved Connector 26"/>
-          <p:cNvCxnSpPr>
-            <a:stCxn id="16" idx="6"/>
-            <a:endCxn id="4" idx="6"/>
-          </p:cNvCxnSpPr>
+          <p:cNvPr id="35" name="Curved Connector 34"/>
+          <p:cNvCxnSpPr/>
           <p:nvPr/>
         </p:nvCxnSpPr>
         <p:spPr>
-          <a:xfrm flipH="1" flipV="1">
-            <a:off x="2468880" y="1267098"/>
+          <a:xfrm rot="10800000" flipH="1" flipV="1">
+            <a:off x="5569997" y="966338"/>
             <a:ext cx="8707" cy="4071267"/>
           </a:xfrm>
           <a:prstGeom prst="curvedConnector3">
@@ -5818,7 +5739,8 @@
             <a:solidFill>
               <a:srgbClr val="0037A8"/>
             </a:solidFill>
-            <a:tailEnd type="triangle" w="lg" len="lg"/>
+            <a:headEnd type="triangle" w="lg" len="lg"/>
+            <a:tailEnd type="none" w="lg" len="lg"/>
           </a:ln>
         </p:spPr>
         <p:style>
@@ -5838,338 +5760,112 @@
       </p:cxnSp>
       <p:pic>
         <p:nvPicPr>
-          <p:cNvPr id="1035" name="Picture 11" descr="https://lh4.googleusercontent.com/4WbOszBdT-niaWTDz2WbyJQYBPB-dzF6vU9LSUwSN6f830sYcf3EoBcVtJ55NwfGFwPlpMAAWs9woJRmJ4ftXeMZSNbimezE5UfDObcJ6OkGhVTx55lLzYpSTDMz7YlZUqkKjHO5RAg"/>
+          <p:cNvPr id="36" name="Picture 35"/>
           <p:cNvPicPr>
-            <a:picLocks noChangeAspect="1" noChangeArrowheads="1"/>
+            <a:picLocks noChangeAspect="1"/>
           </p:cNvPicPr>
           <p:nvPr/>
         </p:nvPicPr>
         <p:blipFill>
-          <a:blip r:embed="rId4">
-            <a:extLst>
-              <a:ext uri="{28A0092B-C50C-407E-A947-70E740481C1C}">
-                <a14:useLocalDpi xmlns:a14="http://schemas.microsoft.com/office/drawing/2010/main" val="0"/>
-              </a:ext>
-            </a:extLst>
-          </a:blip>
-          <a:srcRect/>
+          <a:blip r:embed="rId3"/>
           <a:stretch>
             <a:fillRect/>
           </a:stretch>
         </p:blipFill>
-        <p:spPr bwMode="auto">
-          <a:xfrm>
-            <a:off x="956740" y="2787893"/>
-            <a:ext cx="1653224" cy="724875"/>
+        <p:spPr>
+          <a:xfrm>
+            <a:off x="1052920" y="3103567"/>
+            <a:ext cx="1759064" cy="608274"/>
           </a:xfrm>
           <a:prstGeom prst="rect">
             <a:avLst/>
           </a:prstGeom>
-          <a:noFill/>
-          <a:extLst>
-            <a:ext uri="{909E8E84-426E-40DD-AFC4-6F175D3DCCD1}">
-              <a14:hiddenFill xmlns:a14="http://schemas.microsoft.com/office/drawing/2010/main">
-                <a:solidFill>
-                  <a:srgbClr val="FFFFFF"/>
-                </a:solidFill>
-              </a14:hiddenFill>
-            </a:ext>
-          </a:extLst>
+          <a:solidFill>
+            <a:schemeClr val="bg1"/>
+          </a:solidFill>
         </p:spPr>
       </p:pic>
       <p:pic>
         <p:nvPicPr>
-          <p:cNvPr id="72" name="Picture 10" descr="https://lh3.googleusercontent.com/72SAnca_rZXJJejVDSUg0kwEr2XMohtZAXIRjFqex5qYoD3Lhmps065m7mPW7Z9vom4AvCLAn3mPQyAm_DwamRdGgPmuw-MdLtwxQjE6R3JET8qe_4T33W4ejWoHy1DEgZo7ZCSsKX4"/>
+          <p:cNvPr id="37" name="Picture 36"/>
           <p:cNvPicPr>
-            <a:picLocks noChangeAspect="1" noChangeArrowheads="1"/>
+            <a:picLocks noChangeAspect="1"/>
           </p:cNvPicPr>
           <p:nvPr/>
         </p:nvPicPr>
         <p:blipFill>
-          <a:blip r:embed="rId3">
-            <a:extLst>
-              <a:ext uri="{28A0092B-C50C-407E-A947-70E740481C1C}">
-                <a14:useLocalDpi xmlns:a14="http://schemas.microsoft.com/office/drawing/2010/main" val="0"/>
-              </a:ext>
-            </a:extLst>
-          </a:blip>
-          <a:srcRect/>
+          <a:blip r:embed="rId3"/>
           <a:stretch>
             <a:fillRect/>
           </a:stretch>
         </p:blipFill>
-        <p:spPr bwMode="auto">
-          <a:xfrm>
-            <a:off x="5535718" y="936350"/>
-            <a:ext cx="763658" cy="728075"/>
+        <p:spPr>
+          <a:xfrm>
+            <a:off x="5358733" y="3103567"/>
+            <a:ext cx="1649518" cy="570394"/>
           </a:xfrm>
           <a:prstGeom prst="rect">
             <a:avLst/>
           </a:prstGeom>
-          <a:noFill/>
-          <a:extLst>
-            <a:ext uri="{909E8E84-426E-40DD-AFC4-6F175D3DCCD1}">
-              <a14:hiddenFill xmlns:a14="http://schemas.microsoft.com/office/drawing/2010/main">
-                <a:solidFill>
-                  <a:srgbClr val="FFFFFF"/>
-                </a:solidFill>
-              </a14:hiddenFill>
-            </a:ext>
-          </a:extLst>
+          <a:solidFill>
+            <a:schemeClr val="bg1"/>
+          </a:solidFill>
         </p:spPr>
       </p:pic>
-      <p:sp>
-        <p:nvSpPr>
-          <p:cNvPr id="73" name="Oval 72"/>
-          <p:cNvSpPr/>
-          <p:nvPr/>
-        </p:nvSpPr>
-        <p:spPr>
-          <a:xfrm>
-            <a:off x="5312773" y="698319"/>
-            <a:ext cx="1175657" cy="1175657"/>
-          </a:xfrm>
-          <a:prstGeom prst="ellipse">
-            <a:avLst/>
-          </a:prstGeom>
-          <a:noFill/>
-          <a:ln w="38100">
-            <a:solidFill>
-              <a:schemeClr val="tx1"/>
-            </a:solidFill>
-          </a:ln>
-        </p:spPr>
-        <p:style>
-          <a:lnRef idx="2">
-            <a:schemeClr val="accent1">
-              <a:shade val="50000"/>
-            </a:schemeClr>
-          </a:lnRef>
-          <a:fillRef idx="1">
-            <a:schemeClr val="accent1"/>
-          </a:fillRef>
-          <a:effectRef idx="0">
-            <a:schemeClr val="accent1"/>
-          </a:effectRef>
-          <a:fontRef idx="minor">
-            <a:schemeClr val="lt1"/>
-          </a:fontRef>
-        </p:style>
-        <p:txBody>
-          <a:bodyPr rtlCol="0" anchor="ctr"/>
-          <a:lstStyle/>
-          <a:p>
-            <a:pPr algn="ctr"/>
-            <a:endParaRPr lang="en-US"/>
-          </a:p>
-        </p:txBody>
-      </p:sp>
-      <p:sp>
-        <p:nvSpPr>
-          <p:cNvPr id="74" name="Oval 73"/>
-          <p:cNvSpPr/>
-          <p:nvPr/>
-        </p:nvSpPr>
-        <p:spPr>
-          <a:xfrm>
-            <a:off x="5321480" y="4769586"/>
-            <a:ext cx="1175657" cy="1175657"/>
-          </a:xfrm>
-          <a:prstGeom prst="ellipse">
-            <a:avLst/>
-          </a:prstGeom>
-          <a:noFill/>
-          <a:ln w="38100">
-            <a:solidFill>
-              <a:schemeClr val="tx1"/>
-            </a:solidFill>
-          </a:ln>
-        </p:spPr>
-        <p:style>
-          <a:lnRef idx="2">
-            <a:schemeClr val="accent1">
-              <a:shade val="50000"/>
-            </a:schemeClr>
-          </a:lnRef>
-          <a:fillRef idx="1">
-            <a:schemeClr val="accent1"/>
-          </a:fillRef>
-          <a:effectRef idx="0">
-            <a:schemeClr val="accent1"/>
-          </a:effectRef>
-          <a:fontRef idx="minor">
-            <a:schemeClr val="lt1"/>
-          </a:fontRef>
-        </p:style>
-        <p:txBody>
-          <a:bodyPr rtlCol="0" anchor="ctr"/>
-          <a:lstStyle/>
-          <a:p>
-            <a:pPr algn="ctr"/>
-            <a:endParaRPr lang="en-US"/>
-          </a:p>
-        </p:txBody>
-      </p:sp>
-      <p:cxnSp>
-        <p:nvCxnSpPr>
-          <p:cNvPr id="75" name="Straight Arrow Connector 74"/>
-          <p:cNvCxnSpPr/>
-          <p:nvPr/>
-        </p:nvCxnSpPr>
-        <p:spPr>
-          <a:xfrm>
-            <a:off x="5900602" y="1873976"/>
-            <a:ext cx="8707" cy="2895610"/>
-          </a:xfrm>
-          <a:prstGeom prst="straightConnector1">
-            <a:avLst/>
-          </a:prstGeom>
-          <a:ln w="47625">
-            <a:solidFill>
-              <a:srgbClr val="E32635"/>
-            </a:solidFill>
-            <a:tailEnd type="triangle" w="lg" len="lg"/>
-          </a:ln>
-        </p:spPr>
-        <p:style>
-          <a:lnRef idx="1">
-            <a:schemeClr val="accent1"/>
-          </a:lnRef>
-          <a:fillRef idx="0">
-            <a:schemeClr val="accent1"/>
-          </a:fillRef>
-          <a:effectRef idx="0">
-            <a:schemeClr val="accent1"/>
-          </a:effectRef>
-          <a:fontRef idx="minor">
-            <a:schemeClr val="tx1"/>
-          </a:fontRef>
-        </p:style>
-      </p:cxnSp>
       <p:pic>
         <p:nvPicPr>
-          <p:cNvPr id="78" name="Picture 15" descr="https://lh6.googleusercontent.com/yQRBT_b3HdGJsOkLjGn0-TK60LQ2WE1AjjV7QwjPa2i614zzIsCKNwejWzWpQR_OT19WHUlEJlVmDhU6MTq60IgAVns8vs47l3k9aryByXPAabOdX0DyaA172DVzwjwrSOpkr_EX2rA"/>
+          <p:cNvPr id="38" name="Picture 37"/>
           <p:cNvPicPr>
-            <a:picLocks noChangeAspect="1" noChangeArrowheads="1"/>
+            <a:picLocks noChangeAspect="1"/>
           </p:cNvPicPr>
           <p:nvPr/>
         </p:nvPicPr>
         <p:blipFill>
-          <a:blip r:embed="rId5">
-            <a:extLst>
-              <a:ext uri="{28A0092B-C50C-407E-A947-70E740481C1C}">
-                <a14:useLocalDpi xmlns:a14="http://schemas.microsoft.com/office/drawing/2010/main" val="0"/>
-              </a:ext>
-            </a:extLst>
-          </a:blip>
-          <a:srcRect/>
+          <a:blip r:embed="rId4"/>
           <a:stretch>
             <a:fillRect/>
           </a:stretch>
         </p:blipFill>
-        <p:spPr bwMode="auto">
-          <a:xfrm>
-            <a:off x="5575535" y="5103775"/>
-            <a:ext cx="728686" cy="535026"/>
+        <p:spPr>
+          <a:xfrm>
+            <a:off x="3185600" y="2151450"/>
+            <a:ext cx="2101636" cy="660018"/>
           </a:xfrm>
           <a:prstGeom prst="rect">
             <a:avLst/>
           </a:prstGeom>
-          <a:noFill/>
-          <a:extLst>
-            <a:ext uri="{909E8E84-426E-40DD-AFC4-6F175D3DCCD1}">
-              <a14:hiddenFill xmlns:a14="http://schemas.microsoft.com/office/drawing/2010/main">
-                <a:solidFill>
-                  <a:srgbClr val="FFFFFF"/>
-                </a:solidFill>
-              </a14:hiddenFill>
-            </a:ext>
-          </a:extLst>
+          <a:solidFill>
+            <a:schemeClr val="bg1"/>
+          </a:solidFill>
         </p:spPr>
       </p:pic>
       <p:pic>
         <p:nvPicPr>
-          <p:cNvPr id="79" name="Picture 11" descr="https://lh4.googleusercontent.com/4WbOszBdT-niaWTDz2WbyJQYBPB-dzF6vU9LSUwSN6f830sYcf3EoBcVtJ55NwfGFwPlpMAAWs9woJRmJ4ftXeMZSNbimezE5UfDObcJ6OkGhVTx55lLzYpSTDMz7YlZUqkKjHO5RAg"/>
+          <p:cNvPr id="39" name="Picture 38"/>
           <p:cNvPicPr>
-            <a:picLocks noChangeAspect="1" noChangeArrowheads="1"/>
+            <a:picLocks noChangeAspect="1"/>
           </p:cNvPicPr>
           <p:nvPr/>
         </p:nvPicPr>
         <p:blipFill>
-          <a:blip r:embed="rId4">
-            <a:extLst>
-              <a:ext uri="{28A0092B-C50C-407E-A947-70E740481C1C}">
-                <a14:useLocalDpi xmlns:a14="http://schemas.microsoft.com/office/drawing/2010/main" val="0"/>
-              </a:ext>
-            </a:extLst>
-          </a:blip>
-          <a:srcRect/>
+          <a:blip r:embed="rId5"/>
           <a:stretch>
             <a:fillRect/>
           </a:stretch>
         </p:blipFill>
-        <p:spPr bwMode="auto">
-          <a:xfrm>
-            <a:off x="5109640" y="2787893"/>
-            <a:ext cx="1653224" cy="724875"/>
+        <p:spPr>
+          <a:xfrm>
+            <a:off x="1813335" y="4624851"/>
+            <a:ext cx="660429" cy="704458"/>
           </a:xfrm>
           <a:prstGeom prst="rect">
             <a:avLst/>
           </a:prstGeom>
-          <a:noFill/>
-          <a:extLst>
-            <a:ext uri="{909E8E84-426E-40DD-AFC4-6F175D3DCCD1}">
-              <a14:hiddenFill xmlns:a14="http://schemas.microsoft.com/office/drawing/2010/main">
-                <a:solidFill>
-                  <a:srgbClr val="FFFFFF"/>
-                </a:solidFill>
-              </a14:hiddenFill>
-            </a:ext>
-          </a:extLst>
         </p:spPr>
       </p:pic>
-      <p:cxnSp>
-        <p:nvCxnSpPr>
-          <p:cNvPr id="18" name="Curved Connector 17"/>
-          <p:cNvCxnSpPr/>
-          <p:nvPr/>
-        </p:nvCxnSpPr>
-        <p:spPr>
-          <a:xfrm rot="10800000" flipH="1" flipV="1">
-            <a:off x="5326380" y="1286148"/>
-            <a:ext cx="8707" cy="4071267"/>
-          </a:xfrm>
-          <a:prstGeom prst="curvedConnector3">
-            <a:avLst>
-              <a:gd name="adj1" fmla="val -15752843"/>
-            </a:avLst>
-          </a:prstGeom>
-          <a:ln w="47625">
-            <a:solidFill>
-              <a:srgbClr val="0037A8"/>
-            </a:solidFill>
-            <a:headEnd type="triangle" w="lg" len="lg"/>
-            <a:tailEnd type="none" w="lg" len="lg"/>
-          </a:ln>
-        </p:spPr>
-        <p:style>
-          <a:lnRef idx="1">
-            <a:schemeClr val="accent1"/>
-          </a:lnRef>
-          <a:fillRef idx="0">
-            <a:schemeClr val="accent1"/>
-          </a:fillRef>
-          <a:effectRef idx="0">
-            <a:schemeClr val="accent1"/>
-          </a:effectRef>
-          <a:fontRef idx="minor">
-            <a:schemeClr val="tx1"/>
-          </a:fontRef>
-        </p:style>
-      </p:cxnSp>
       <p:pic>
         <p:nvPicPr>
-          <p:cNvPr id="19" name="Picture 18"/>
+          <p:cNvPr id="40" name="Picture 39"/>
           <p:cNvPicPr>
             <a:picLocks noChangeAspect="1"/>
           </p:cNvPicPr>
@@ -6183,8 +5879,8 @@
         </p:blipFill>
         <p:spPr>
           <a:xfrm>
-            <a:off x="2956559" y="2792720"/>
-            <a:ext cx="1981631" cy="725910"/>
+            <a:off x="5833750" y="4666324"/>
+            <a:ext cx="642268" cy="662987"/>
           </a:xfrm>
           <a:prstGeom prst="rect">
             <a:avLst/>
@@ -6221,9 +5917,3185 @@
           <a:chExt cx="0" cy="0"/>
         </a:xfrm>
       </p:grpSpPr>
+      <p:sp>
+        <p:nvSpPr>
+          <p:cNvPr id="21" name="Oval 20"/>
+          <p:cNvSpPr/>
+          <p:nvPr/>
+        </p:nvSpPr>
+        <p:spPr>
+          <a:xfrm>
+            <a:off x="3733800" y="438912"/>
+            <a:ext cx="782096" cy="783541"/>
+          </a:xfrm>
+          <a:prstGeom prst="ellipse">
+            <a:avLst/>
+          </a:prstGeom>
+          <a:solidFill>
+            <a:schemeClr val="accent4">
+              <a:lumMod val="20000"/>
+              <a:lumOff val="80000"/>
+            </a:schemeClr>
+          </a:solidFill>
+          <a:ln w="38100">
+            <a:solidFill>
+              <a:schemeClr val="tx1"/>
+            </a:solidFill>
+          </a:ln>
+        </p:spPr>
+        <p:style>
+          <a:lnRef idx="2">
+            <a:schemeClr val="accent1">
+              <a:shade val="50000"/>
+            </a:schemeClr>
+          </a:lnRef>
+          <a:fillRef idx="1">
+            <a:schemeClr val="accent1"/>
+          </a:fillRef>
+          <a:effectRef idx="0">
+            <a:schemeClr val="accent1"/>
+          </a:effectRef>
+          <a:fontRef idx="minor">
+            <a:schemeClr val="lt1"/>
+          </a:fontRef>
+        </p:style>
+        <p:txBody>
+          <a:bodyPr rtlCol="0" anchor="ctr"/>
+          <a:lstStyle/>
+          <a:p>
+            <a:pPr algn="ctr"/>
+            <a:endParaRPr lang="en-US"/>
+          </a:p>
+        </p:txBody>
+      </p:sp>
+      <p:sp>
+        <p:nvSpPr>
+          <p:cNvPr id="37" name="Oval 36"/>
+          <p:cNvSpPr/>
+          <p:nvPr/>
+        </p:nvSpPr>
+        <p:spPr>
+          <a:xfrm>
+            <a:off x="850900" y="4804459"/>
+            <a:ext cx="782096" cy="783541"/>
+          </a:xfrm>
+          <a:prstGeom prst="ellipse">
+            <a:avLst/>
+          </a:prstGeom>
+          <a:solidFill>
+            <a:schemeClr val="bg1">
+              <a:lumMod val="65000"/>
+            </a:schemeClr>
+          </a:solidFill>
+          <a:ln w="38100">
+            <a:solidFill>
+              <a:schemeClr val="tx1"/>
+            </a:solidFill>
+          </a:ln>
+        </p:spPr>
+        <p:style>
+          <a:lnRef idx="2">
+            <a:schemeClr val="accent1">
+              <a:shade val="50000"/>
+            </a:schemeClr>
+          </a:lnRef>
+          <a:fillRef idx="1">
+            <a:schemeClr val="accent1"/>
+          </a:fillRef>
+          <a:effectRef idx="0">
+            <a:schemeClr val="accent1"/>
+          </a:effectRef>
+          <a:fontRef idx="minor">
+            <a:schemeClr val="lt1"/>
+          </a:fontRef>
+        </p:style>
+        <p:txBody>
+          <a:bodyPr rtlCol="0" anchor="ctr"/>
+          <a:lstStyle/>
+          <a:p>
+            <a:pPr algn="ctr"/>
+            <a:endParaRPr lang="en-US"/>
+          </a:p>
+        </p:txBody>
+      </p:sp>
+      <p:sp>
+        <p:nvSpPr>
+          <p:cNvPr id="38" name="Oval 37"/>
+          <p:cNvSpPr/>
+          <p:nvPr/>
+        </p:nvSpPr>
+        <p:spPr>
+          <a:xfrm>
+            <a:off x="2679700" y="4804458"/>
+            <a:ext cx="782096" cy="783541"/>
+          </a:xfrm>
+          <a:prstGeom prst="ellipse">
+            <a:avLst/>
+          </a:prstGeom>
+          <a:solidFill>
+            <a:schemeClr val="bg1">
+              <a:lumMod val="65000"/>
+            </a:schemeClr>
+          </a:solidFill>
+          <a:ln w="38100">
+            <a:solidFill>
+              <a:schemeClr val="tx1"/>
+            </a:solidFill>
+          </a:ln>
+        </p:spPr>
+        <p:style>
+          <a:lnRef idx="2">
+            <a:schemeClr val="accent1">
+              <a:shade val="50000"/>
+            </a:schemeClr>
+          </a:lnRef>
+          <a:fillRef idx="1">
+            <a:schemeClr val="accent1"/>
+          </a:fillRef>
+          <a:effectRef idx="0">
+            <a:schemeClr val="accent1"/>
+          </a:effectRef>
+          <a:fontRef idx="minor">
+            <a:schemeClr val="lt1"/>
+          </a:fontRef>
+        </p:style>
+        <p:txBody>
+          <a:bodyPr rtlCol="0" anchor="ctr"/>
+          <a:lstStyle/>
+          <a:p>
+            <a:pPr algn="ctr"/>
+            <a:endParaRPr lang="en-US"/>
+          </a:p>
+        </p:txBody>
+      </p:sp>
+      <p:sp>
+        <p:nvSpPr>
+          <p:cNvPr id="39" name="Oval 38"/>
+          <p:cNvSpPr/>
+          <p:nvPr/>
+        </p:nvSpPr>
+        <p:spPr>
+          <a:xfrm>
+            <a:off x="4508500" y="4829859"/>
+            <a:ext cx="782096" cy="783541"/>
+          </a:xfrm>
+          <a:prstGeom prst="ellipse">
+            <a:avLst/>
+          </a:prstGeom>
+          <a:solidFill>
+            <a:schemeClr val="bg1">
+              <a:lumMod val="65000"/>
+            </a:schemeClr>
+          </a:solidFill>
+          <a:ln w="38100">
+            <a:solidFill>
+              <a:schemeClr val="tx1"/>
+            </a:solidFill>
+          </a:ln>
+        </p:spPr>
+        <p:style>
+          <a:lnRef idx="2">
+            <a:schemeClr val="accent1">
+              <a:shade val="50000"/>
+            </a:schemeClr>
+          </a:lnRef>
+          <a:fillRef idx="1">
+            <a:schemeClr val="accent1"/>
+          </a:fillRef>
+          <a:effectRef idx="0">
+            <a:schemeClr val="accent1"/>
+          </a:effectRef>
+          <a:fontRef idx="minor">
+            <a:schemeClr val="lt1"/>
+          </a:fontRef>
+        </p:style>
+        <p:txBody>
+          <a:bodyPr rtlCol="0" anchor="ctr"/>
+          <a:lstStyle/>
+          <a:p>
+            <a:pPr algn="ctr"/>
+            <a:endParaRPr lang="en-US"/>
+          </a:p>
+        </p:txBody>
+      </p:sp>
+      <p:sp>
+        <p:nvSpPr>
+          <p:cNvPr id="40" name="Oval 39"/>
+          <p:cNvSpPr/>
+          <p:nvPr/>
+        </p:nvSpPr>
+        <p:spPr>
+          <a:xfrm>
+            <a:off x="6337300" y="4829858"/>
+            <a:ext cx="782096" cy="783541"/>
+          </a:xfrm>
+          <a:prstGeom prst="ellipse">
+            <a:avLst/>
+          </a:prstGeom>
+          <a:solidFill>
+            <a:schemeClr val="bg1">
+              <a:lumMod val="65000"/>
+            </a:schemeClr>
+          </a:solidFill>
+          <a:ln w="38100">
+            <a:solidFill>
+              <a:schemeClr val="tx1"/>
+            </a:solidFill>
+          </a:ln>
+        </p:spPr>
+        <p:style>
+          <a:lnRef idx="2">
+            <a:schemeClr val="accent1">
+              <a:shade val="50000"/>
+            </a:schemeClr>
+          </a:lnRef>
+          <a:fillRef idx="1">
+            <a:schemeClr val="accent1"/>
+          </a:fillRef>
+          <a:effectRef idx="0">
+            <a:schemeClr val="accent1"/>
+          </a:effectRef>
+          <a:fontRef idx="minor">
+            <a:schemeClr val="lt1"/>
+          </a:fontRef>
+        </p:style>
+        <p:txBody>
+          <a:bodyPr rtlCol="0" anchor="ctr"/>
+          <a:lstStyle/>
+          <a:p>
+            <a:pPr algn="ctr"/>
+            <a:endParaRPr lang="en-US"/>
+          </a:p>
+        </p:txBody>
+      </p:sp>
+      <p:sp>
+        <p:nvSpPr>
+          <p:cNvPr id="42" name="Oval 41"/>
+          <p:cNvSpPr/>
+          <p:nvPr/>
+        </p:nvSpPr>
+        <p:spPr>
+          <a:xfrm>
+            <a:off x="1905000" y="2632759"/>
+            <a:ext cx="782096" cy="783541"/>
+          </a:xfrm>
+          <a:prstGeom prst="ellipse">
+            <a:avLst/>
+          </a:prstGeom>
+          <a:solidFill>
+            <a:schemeClr val="accent4">
+              <a:lumMod val="20000"/>
+              <a:lumOff val="80000"/>
+            </a:schemeClr>
+          </a:solidFill>
+          <a:ln w="38100">
+            <a:solidFill>
+              <a:schemeClr val="tx1"/>
+            </a:solidFill>
+          </a:ln>
+        </p:spPr>
+        <p:style>
+          <a:lnRef idx="2">
+            <a:schemeClr val="accent1">
+              <a:shade val="50000"/>
+            </a:schemeClr>
+          </a:lnRef>
+          <a:fillRef idx="1">
+            <a:schemeClr val="accent1"/>
+          </a:fillRef>
+          <a:effectRef idx="0">
+            <a:schemeClr val="accent1"/>
+          </a:effectRef>
+          <a:fontRef idx="minor">
+            <a:schemeClr val="lt1"/>
+          </a:fontRef>
+        </p:style>
+        <p:txBody>
+          <a:bodyPr rtlCol="0" anchor="ctr"/>
+          <a:lstStyle/>
+          <a:p>
+            <a:pPr algn="ctr"/>
+            <a:endParaRPr lang="en-US"/>
+          </a:p>
+        </p:txBody>
+      </p:sp>
+      <p:sp>
+        <p:nvSpPr>
+          <p:cNvPr id="43" name="Oval 42"/>
+          <p:cNvSpPr/>
+          <p:nvPr/>
+        </p:nvSpPr>
+        <p:spPr>
+          <a:xfrm>
+            <a:off x="3733800" y="2632758"/>
+            <a:ext cx="782096" cy="783541"/>
+          </a:xfrm>
+          <a:prstGeom prst="ellipse">
+            <a:avLst/>
+          </a:prstGeom>
+          <a:solidFill>
+            <a:schemeClr val="accent4">
+              <a:lumMod val="20000"/>
+              <a:lumOff val="80000"/>
+            </a:schemeClr>
+          </a:solidFill>
+          <a:ln w="38100">
+            <a:solidFill>
+              <a:schemeClr val="tx1"/>
+            </a:solidFill>
+          </a:ln>
+        </p:spPr>
+        <p:style>
+          <a:lnRef idx="2">
+            <a:schemeClr val="accent1">
+              <a:shade val="50000"/>
+            </a:schemeClr>
+          </a:lnRef>
+          <a:fillRef idx="1">
+            <a:schemeClr val="accent1"/>
+          </a:fillRef>
+          <a:effectRef idx="0">
+            <a:schemeClr val="accent1"/>
+          </a:effectRef>
+          <a:fontRef idx="minor">
+            <a:schemeClr val="lt1"/>
+          </a:fontRef>
+        </p:style>
+        <p:txBody>
+          <a:bodyPr rtlCol="0" anchor="ctr"/>
+          <a:lstStyle/>
+          <a:p>
+            <a:pPr algn="ctr"/>
+            <a:endParaRPr lang="en-US"/>
+          </a:p>
+        </p:txBody>
+      </p:sp>
+      <p:sp>
+        <p:nvSpPr>
+          <p:cNvPr id="44" name="Oval 43"/>
+          <p:cNvSpPr/>
+          <p:nvPr/>
+        </p:nvSpPr>
+        <p:spPr>
+          <a:xfrm>
+            <a:off x="5562600" y="2658159"/>
+            <a:ext cx="782096" cy="783541"/>
+          </a:xfrm>
+          <a:prstGeom prst="ellipse">
+            <a:avLst/>
+          </a:prstGeom>
+          <a:solidFill>
+            <a:schemeClr val="accent4">
+              <a:lumMod val="20000"/>
+              <a:lumOff val="80000"/>
+            </a:schemeClr>
+          </a:solidFill>
+          <a:ln w="38100">
+            <a:solidFill>
+              <a:schemeClr val="tx1"/>
+            </a:solidFill>
+          </a:ln>
+        </p:spPr>
+        <p:style>
+          <a:lnRef idx="2">
+            <a:schemeClr val="accent1">
+              <a:shade val="50000"/>
+            </a:schemeClr>
+          </a:lnRef>
+          <a:fillRef idx="1">
+            <a:schemeClr val="accent1"/>
+          </a:fillRef>
+          <a:effectRef idx="0">
+            <a:schemeClr val="accent1"/>
+          </a:effectRef>
+          <a:fontRef idx="minor">
+            <a:schemeClr val="lt1"/>
+          </a:fontRef>
+        </p:style>
+        <p:txBody>
+          <a:bodyPr rtlCol="0" anchor="ctr"/>
+          <a:lstStyle/>
+          <a:p>
+            <a:pPr algn="ctr"/>
+            <a:endParaRPr lang="en-US"/>
+          </a:p>
+        </p:txBody>
+      </p:sp>
+      <p:sp>
+        <p:nvSpPr>
+          <p:cNvPr id="45" name="Oval 44"/>
+          <p:cNvSpPr/>
+          <p:nvPr/>
+        </p:nvSpPr>
+        <p:spPr>
+          <a:xfrm>
+            <a:off x="7391400" y="2658158"/>
+            <a:ext cx="782096" cy="783541"/>
+          </a:xfrm>
+          <a:prstGeom prst="ellipse">
+            <a:avLst/>
+          </a:prstGeom>
+          <a:solidFill>
+            <a:schemeClr val="accent4">
+              <a:lumMod val="20000"/>
+              <a:lumOff val="80000"/>
+            </a:schemeClr>
+          </a:solidFill>
+          <a:ln w="38100">
+            <a:solidFill>
+              <a:schemeClr val="tx1"/>
+            </a:solidFill>
+          </a:ln>
+        </p:spPr>
+        <p:style>
+          <a:lnRef idx="2">
+            <a:schemeClr val="accent1">
+              <a:shade val="50000"/>
+            </a:schemeClr>
+          </a:lnRef>
+          <a:fillRef idx="1">
+            <a:schemeClr val="accent1"/>
+          </a:fillRef>
+          <a:effectRef idx="0">
+            <a:schemeClr val="accent1"/>
+          </a:effectRef>
+          <a:fontRef idx="minor">
+            <a:schemeClr val="lt1"/>
+          </a:fontRef>
+        </p:style>
+        <p:txBody>
+          <a:bodyPr rtlCol="0" anchor="ctr"/>
+          <a:lstStyle/>
+          <a:p>
+            <a:pPr algn="ctr"/>
+            <a:endParaRPr lang="en-US"/>
+          </a:p>
+        </p:txBody>
+      </p:sp>
+      <p:sp>
+        <p:nvSpPr>
+          <p:cNvPr id="46" name="Oval 45"/>
+          <p:cNvSpPr/>
+          <p:nvPr/>
+        </p:nvSpPr>
+        <p:spPr>
+          <a:xfrm>
+            <a:off x="75692" y="2645459"/>
+            <a:ext cx="782096" cy="783541"/>
+          </a:xfrm>
+          <a:prstGeom prst="ellipse">
+            <a:avLst/>
+          </a:prstGeom>
+          <a:solidFill>
+            <a:schemeClr val="accent4">
+              <a:lumMod val="20000"/>
+              <a:lumOff val="80000"/>
+            </a:schemeClr>
+          </a:solidFill>
+          <a:ln w="38100">
+            <a:solidFill>
+              <a:schemeClr val="tx1"/>
+            </a:solidFill>
+          </a:ln>
+        </p:spPr>
+        <p:style>
+          <a:lnRef idx="2">
+            <a:schemeClr val="accent1">
+              <a:shade val="50000"/>
+            </a:schemeClr>
+          </a:lnRef>
+          <a:fillRef idx="1">
+            <a:schemeClr val="accent1"/>
+          </a:fillRef>
+          <a:effectRef idx="0">
+            <a:schemeClr val="accent1"/>
+          </a:effectRef>
+          <a:fontRef idx="minor">
+            <a:schemeClr val="lt1"/>
+          </a:fontRef>
+        </p:style>
+        <p:txBody>
+          <a:bodyPr rtlCol="0" anchor="ctr"/>
+          <a:lstStyle/>
+          <a:p>
+            <a:pPr algn="ctr"/>
+            <a:endParaRPr lang="en-US"/>
+          </a:p>
+        </p:txBody>
+      </p:sp>
+      <p:sp>
+        <p:nvSpPr>
+          <p:cNvPr id="47" name="Freeform 46"/>
+          <p:cNvSpPr/>
+          <p:nvPr/>
+        </p:nvSpPr>
+        <p:spPr>
+          <a:xfrm>
+            <a:off x="7501777" y="2777588"/>
+            <a:ext cx="587432" cy="382402"/>
+          </a:xfrm>
+          <a:custGeom>
+            <a:avLst/>
+            <a:gdLst>
+              <a:gd name="connsiteX0" fmla="*/ 0 w 515389"/>
+              <a:gd name="connsiteY0" fmla="*/ 343608 h 349150"/>
+              <a:gd name="connsiteX1" fmla="*/ 83127 w 515389"/>
+              <a:gd name="connsiteY1" fmla="*/ 271564 h 349150"/>
+              <a:gd name="connsiteX2" fmla="*/ 171797 w 515389"/>
+              <a:gd name="connsiteY2" fmla="*/ 88684 h 349150"/>
+              <a:gd name="connsiteX3" fmla="*/ 260466 w 515389"/>
+              <a:gd name="connsiteY3" fmla="*/ 15 h 349150"/>
+              <a:gd name="connsiteX4" fmla="*/ 349135 w 515389"/>
+              <a:gd name="connsiteY4" fmla="*/ 83142 h 349150"/>
+              <a:gd name="connsiteX5" fmla="*/ 432262 w 515389"/>
+              <a:gd name="connsiteY5" fmla="*/ 266022 h 349150"/>
+              <a:gd name="connsiteX6" fmla="*/ 515389 w 515389"/>
+              <a:gd name="connsiteY6" fmla="*/ 349150 h 349150"/>
+            </a:gdLst>
+            <a:ahLst/>
+            <a:cxnLst>
+              <a:cxn ang="0">
+                <a:pos x="connsiteX0" y="connsiteY0"/>
+              </a:cxn>
+              <a:cxn ang="0">
+                <a:pos x="connsiteX1" y="connsiteY1"/>
+              </a:cxn>
+              <a:cxn ang="0">
+                <a:pos x="connsiteX2" y="connsiteY2"/>
+              </a:cxn>
+              <a:cxn ang="0">
+                <a:pos x="connsiteX3" y="connsiteY3"/>
+              </a:cxn>
+              <a:cxn ang="0">
+                <a:pos x="connsiteX4" y="connsiteY4"/>
+              </a:cxn>
+              <a:cxn ang="0">
+                <a:pos x="connsiteX5" y="connsiteY5"/>
+              </a:cxn>
+              <a:cxn ang="0">
+                <a:pos x="connsiteX6" y="connsiteY6"/>
+              </a:cxn>
+            </a:cxnLst>
+            <a:rect l="l" t="t" r="r" b="b"/>
+            <a:pathLst>
+              <a:path w="515389" h="349150">
+                <a:moveTo>
+                  <a:pt x="0" y="343608"/>
+                </a:moveTo>
+                <a:cubicBezTo>
+                  <a:pt x="27247" y="328829"/>
+                  <a:pt x="54494" y="314051"/>
+                  <a:pt x="83127" y="271564"/>
+                </a:cubicBezTo>
+                <a:cubicBezTo>
+                  <a:pt x="111760" y="229077"/>
+                  <a:pt x="142241" y="133942"/>
+                  <a:pt x="171797" y="88684"/>
+                </a:cubicBezTo>
+                <a:cubicBezTo>
+                  <a:pt x="201353" y="43426"/>
+                  <a:pt x="230910" y="939"/>
+                  <a:pt x="260466" y="15"/>
+                </a:cubicBezTo>
+                <a:cubicBezTo>
+                  <a:pt x="290022" y="-909"/>
+                  <a:pt x="320502" y="38808"/>
+                  <a:pt x="349135" y="83142"/>
+                </a:cubicBezTo>
+                <a:cubicBezTo>
+                  <a:pt x="377768" y="127476"/>
+                  <a:pt x="404553" y="221687"/>
+                  <a:pt x="432262" y="266022"/>
+                </a:cubicBezTo>
+                <a:cubicBezTo>
+                  <a:pt x="459971" y="310357"/>
+                  <a:pt x="515389" y="349150"/>
+                  <a:pt x="515389" y="349150"/>
+                </a:cubicBezTo>
+              </a:path>
+            </a:pathLst>
+          </a:custGeom>
+          <a:solidFill>
+            <a:schemeClr val="accent4">
+              <a:lumMod val="20000"/>
+              <a:lumOff val="80000"/>
+            </a:schemeClr>
+          </a:solidFill>
+          <a:ln w="28575">
+            <a:solidFill>
+              <a:schemeClr val="accent6">
+                <a:lumMod val="75000"/>
+              </a:schemeClr>
+            </a:solidFill>
+          </a:ln>
+        </p:spPr>
+        <p:style>
+          <a:lnRef idx="2">
+            <a:schemeClr val="accent1">
+              <a:shade val="50000"/>
+            </a:schemeClr>
+          </a:lnRef>
+          <a:fillRef idx="1">
+            <a:schemeClr val="accent1"/>
+          </a:fillRef>
+          <a:effectRef idx="0">
+            <a:schemeClr val="accent1"/>
+          </a:effectRef>
+          <a:fontRef idx="minor">
+            <a:schemeClr val="lt1"/>
+          </a:fontRef>
+        </p:style>
+        <p:txBody>
+          <a:bodyPr rtlCol="0" anchor="ctr"/>
+          <a:lstStyle/>
+          <a:p>
+            <a:pPr algn="ctr"/>
+            <a:endParaRPr lang="en-US"/>
+          </a:p>
+        </p:txBody>
+      </p:sp>
+      <p:sp>
+        <p:nvSpPr>
+          <p:cNvPr id="48" name="Freeform 47"/>
+          <p:cNvSpPr/>
+          <p:nvPr/>
+        </p:nvSpPr>
+        <p:spPr>
+          <a:xfrm>
+            <a:off x="5660136" y="2790288"/>
+            <a:ext cx="587432" cy="382402"/>
+          </a:xfrm>
+          <a:custGeom>
+            <a:avLst/>
+            <a:gdLst>
+              <a:gd name="connsiteX0" fmla="*/ 0 w 515389"/>
+              <a:gd name="connsiteY0" fmla="*/ 343608 h 349150"/>
+              <a:gd name="connsiteX1" fmla="*/ 83127 w 515389"/>
+              <a:gd name="connsiteY1" fmla="*/ 271564 h 349150"/>
+              <a:gd name="connsiteX2" fmla="*/ 171797 w 515389"/>
+              <a:gd name="connsiteY2" fmla="*/ 88684 h 349150"/>
+              <a:gd name="connsiteX3" fmla="*/ 260466 w 515389"/>
+              <a:gd name="connsiteY3" fmla="*/ 15 h 349150"/>
+              <a:gd name="connsiteX4" fmla="*/ 349135 w 515389"/>
+              <a:gd name="connsiteY4" fmla="*/ 83142 h 349150"/>
+              <a:gd name="connsiteX5" fmla="*/ 432262 w 515389"/>
+              <a:gd name="connsiteY5" fmla="*/ 266022 h 349150"/>
+              <a:gd name="connsiteX6" fmla="*/ 515389 w 515389"/>
+              <a:gd name="connsiteY6" fmla="*/ 349150 h 349150"/>
+            </a:gdLst>
+            <a:ahLst/>
+            <a:cxnLst>
+              <a:cxn ang="0">
+                <a:pos x="connsiteX0" y="connsiteY0"/>
+              </a:cxn>
+              <a:cxn ang="0">
+                <a:pos x="connsiteX1" y="connsiteY1"/>
+              </a:cxn>
+              <a:cxn ang="0">
+                <a:pos x="connsiteX2" y="connsiteY2"/>
+              </a:cxn>
+              <a:cxn ang="0">
+                <a:pos x="connsiteX3" y="connsiteY3"/>
+              </a:cxn>
+              <a:cxn ang="0">
+                <a:pos x="connsiteX4" y="connsiteY4"/>
+              </a:cxn>
+              <a:cxn ang="0">
+                <a:pos x="connsiteX5" y="connsiteY5"/>
+              </a:cxn>
+              <a:cxn ang="0">
+                <a:pos x="connsiteX6" y="connsiteY6"/>
+              </a:cxn>
+            </a:cxnLst>
+            <a:rect l="l" t="t" r="r" b="b"/>
+            <a:pathLst>
+              <a:path w="515389" h="349150">
+                <a:moveTo>
+                  <a:pt x="0" y="343608"/>
+                </a:moveTo>
+                <a:cubicBezTo>
+                  <a:pt x="27247" y="328829"/>
+                  <a:pt x="54494" y="314051"/>
+                  <a:pt x="83127" y="271564"/>
+                </a:cubicBezTo>
+                <a:cubicBezTo>
+                  <a:pt x="111760" y="229077"/>
+                  <a:pt x="142241" y="133942"/>
+                  <a:pt x="171797" y="88684"/>
+                </a:cubicBezTo>
+                <a:cubicBezTo>
+                  <a:pt x="201353" y="43426"/>
+                  <a:pt x="230910" y="939"/>
+                  <a:pt x="260466" y="15"/>
+                </a:cubicBezTo>
+                <a:cubicBezTo>
+                  <a:pt x="290022" y="-909"/>
+                  <a:pt x="320502" y="38808"/>
+                  <a:pt x="349135" y="83142"/>
+                </a:cubicBezTo>
+                <a:cubicBezTo>
+                  <a:pt x="377768" y="127476"/>
+                  <a:pt x="404553" y="221687"/>
+                  <a:pt x="432262" y="266022"/>
+                </a:cubicBezTo>
+                <a:cubicBezTo>
+                  <a:pt x="459971" y="310357"/>
+                  <a:pt x="515389" y="349150"/>
+                  <a:pt x="515389" y="349150"/>
+                </a:cubicBezTo>
+              </a:path>
+            </a:pathLst>
+          </a:custGeom>
+          <a:solidFill>
+            <a:schemeClr val="accent4">
+              <a:lumMod val="20000"/>
+              <a:lumOff val="80000"/>
+            </a:schemeClr>
+          </a:solidFill>
+          <a:ln w="28575">
+            <a:solidFill>
+              <a:schemeClr val="accent6">
+                <a:lumMod val="75000"/>
+              </a:schemeClr>
+            </a:solidFill>
+          </a:ln>
+        </p:spPr>
+        <p:style>
+          <a:lnRef idx="2">
+            <a:schemeClr val="accent1">
+              <a:shade val="50000"/>
+            </a:schemeClr>
+          </a:lnRef>
+          <a:fillRef idx="1">
+            <a:schemeClr val="accent1"/>
+          </a:fillRef>
+          <a:effectRef idx="0">
+            <a:schemeClr val="accent1"/>
+          </a:effectRef>
+          <a:fontRef idx="minor">
+            <a:schemeClr val="lt1"/>
+          </a:fontRef>
+        </p:style>
+        <p:txBody>
+          <a:bodyPr rtlCol="0" anchor="ctr"/>
+          <a:lstStyle/>
+          <a:p>
+            <a:pPr algn="ctr"/>
+            <a:endParaRPr lang="en-US"/>
+          </a:p>
+        </p:txBody>
+      </p:sp>
+      <p:sp>
+        <p:nvSpPr>
+          <p:cNvPr id="49" name="Freeform 48"/>
+          <p:cNvSpPr/>
+          <p:nvPr/>
+        </p:nvSpPr>
+        <p:spPr>
+          <a:xfrm>
+            <a:off x="3831336" y="2790288"/>
+            <a:ext cx="587432" cy="382402"/>
+          </a:xfrm>
+          <a:custGeom>
+            <a:avLst/>
+            <a:gdLst>
+              <a:gd name="connsiteX0" fmla="*/ 0 w 515389"/>
+              <a:gd name="connsiteY0" fmla="*/ 343608 h 349150"/>
+              <a:gd name="connsiteX1" fmla="*/ 83127 w 515389"/>
+              <a:gd name="connsiteY1" fmla="*/ 271564 h 349150"/>
+              <a:gd name="connsiteX2" fmla="*/ 171797 w 515389"/>
+              <a:gd name="connsiteY2" fmla="*/ 88684 h 349150"/>
+              <a:gd name="connsiteX3" fmla="*/ 260466 w 515389"/>
+              <a:gd name="connsiteY3" fmla="*/ 15 h 349150"/>
+              <a:gd name="connsiteX4" fmla="*/ 349135 w 515389"/>
+              <a:gd name="connsiteY4" fmla="*/ 83142 h 349150"/>
+              <a:gd name="connsiteX5" fmla="*/ 432262 w 515389"/>
+              <a:gd name="connsiteY5" fmla="*/ 266022 h 349150"/>
+              <a:gd name="connsiteX6" fmla="*/ 515389 w 515389"/>
+              <a:gd name="connsiteY6" fmla="*/ 349150 h 349150"/>
+            </a:gdLst>
+            <a:ahLst/>
+            <a:cxnLst>
+              <a:cxn ang="0">
+                <a:pos x="connsiteX0" y="connsiteY0"/>
+              </a:cxn>
+              <a:cxn ang="0">
+                <a:pos x="connsiteX1" y="connsiteY1"/>
+              </a:cxn>
+              <a:cxn ang="0">
+                <a:pos x="connsiteX2" y="connsiteY2"/>
+              </a:cxn>
+              <a:cxn ang="0">
+                <a:pos x="connsiteX3" y="connsiteY3"/>
+              </a:cxn>
+              <a:cxn ang="0">
+                <a:pos x="connsiteX4" y="connsiteY4"/>
+              </a:cxn>
+              <a:cxn ang="0">
+                <a:pos x="connsiteX5" y="connsiteY5"/>
+              </a:cxn>
+              <a:cxn ang="0">
+                <a:pos x="connsiteX6" y="connsiteY6"/>
+              </a:cxn>
+            </a:cxnLst>
+            <a:rect l="l" t="t" r="r" b="b"/>
+            <a:pathLst>
+              <a:path w="515389" h="349150">
+                <a:moveTo>
+                  <a:pt x="0" y="343608"/>
+                </a:moveTo>
+                <a:cubicBezTo>
+                  <a:pt x="27247" y="328829"/>
+                  <a:pt x="54494" y="314051"/>
+                  <a:pt x="83127" y="271564"/>
+                </a:cubicBezTo>
+                <a:cubicBezTo>
+                  <a:pt x="111760" y="229077"/>
+                  <a:pt x="142241" y="133942"/>
+                  <a:pt x="171797" y="88684"/>
+                </a:cubicBezTo>
+                <a:cubicBezTo>
+                  <a:pt x="201353" y="43426"/>
+                  <a:pt x="230910" y="939"/>
+                  <a:pt x="260466" y="15"/>
+                </a:cubicBezTo>
+                <a:cubicBezTo>
+                  <a:pt x="290022" y="-909"/>
+                  <a:pt x="320502" y="38808"/>
+                  <a:pt x="349135" y="83142"/>
+                </a:cubicBezTo>
+                <a:cubicBezTo>
+                  <a:pt x="377768" y="127476"/>
+                  <a:pt x="404553" y="221687"/>
+                  <a:pt x="432262" y="266022"/>
+                </a:cubicBezTo>
+                <a:cubicBezTo>
+                  <a:pt x="459971" y="310357"/>
+                  <a:pt x="515389" y="349150"/>
+                  <a:pt x="515389" y="349150"/>
+                </a:cubicBezTo>
+              </a:path>
+            </a:pathLst>
+          </a:custGeom>
+          <a:solidFill>
+            <a:schemeClr val="accent4">
+              <a:lumMod val="20000"/>
+              <a:lumOff val="80000"/>
+            </a:schemeClr>
+          </a:solidFill>
+          <a:ln w="28575">
+            <a:solidFill>
+              <a:schemeClr val="accent6">
+                <a:lumMod val="75000"/>
+              </a:schemeClr>
+            </a:solidFill>
+          </a:ln>
+        </p:spPr>
+        <p:style>
+          <a:lnRef idx="2">
+            <a:schemeClr val="accent1">
+              <a:shade val="50000"/>
+            </a:schemeClr>
+          </a:lnRef>
+          <a:fillRef idx="1">
+            <a:schemeClr val="accent1"/>
+          </a:fillRef>
+          <a:effectRef idx="0">
+            <a:schemeClr val="accent1"/>
+          </a:effectRef>
+          <a:fontRef idx="minor">
+            <a:schemeClr val="lt1"/>
+          </a:fontRef>
+        </p:style>
+        <p:txBody>
+          <a:bodyPr rtlCol="0" anchor="ctr"/>
+          <a:lstStyle/>
+          <a:p>
+            <a:pPr algn="ctr"/>
+            <a:endParaRPr lang="en-US"/>
+          </a:p>
+        </p:txBody>
+      </p:sp>
+      <p:sp>
+        <p:nvSpPr>
+          <p:cNvPr id="50" name="Freeform 49"/>
+          <p:cNvSpPr/>
+          <p:nvPr/>
+        </p:nvSpPr>
+        <p:spPr>
+          <a:xfrm>
+            <a:off x="2002536" y="2802988"/>
+            <a:ext cx="587432" cy="382402"/>
+          </a:xfrm>
+          <a:custGeom>
+            <a:avLst/>
+            <a:gdLst>
+              <a:gd name="connsiteX0" fmla="*/ 0 w 515389"/>
+              <a:gd name="connsiteY0" fmla="*/ 343608 h 349150"/>
+              <a:gd name="connsiteX1" fmla="*/ 83127 w 515389"/>
+              <a:gd name="connsiteY1" fmla="*/ 271564 h 349150"/>
+              <a:gd name="connsiteX2" fmla="*/ 171797 w 515389"/>
+              <a:gd name="connsiteY2" fmla="*/ 88684 h 349150"/>
+              <a:gd name="connsiteX3" fmla="*/ 260466 w 515389"/>
+              <a:gd name="connsiteY3" fmla="*/ 15 h 349150"/>
+              <a:gd name="connsiteX4" fmla="*/ 349135 w 515389"/>
+              <a:gd name="connsiteY4" fmla="*/ 83142 h 349150"/>
+              <a:gd name="connsiteX5" fmla="*/ 432262 w 515389"/>
+              <a:gd name="connsiteY5" fmla="*/ 266022 h 349150"/>
+              <a:gd name="connsiteX6" fmla="*/ 515389 w 515389"/>
+              <a:gd name="connsiteY6" fmla="*/ 349150 h 349150"/>
+            </a:gdLst>
+            <a:ahLst/>
+            <a:cxnLst>
+              <a:cxn ang="0">
+                <a:pos x="connsiteX0" y="connsiteY0"/>
+              </a:cxn>
+              <a:cxn ang="0">
+                <a:pos x="connsiteX1" y="connsiteY1"/>
+              </a:cxn>
+              <a:cxn ang="0">
+                <a:pos x="connsiteX2" y="connsiteY2"/>
+              </a:cxn>
+              <a:cxn ang="0">
+                <a:pos x="connsiteX3" y="connsiteY3"/>
+              </a:cxn>
+              <a:cxn ang="0">
+                <a:pos x="connsiteX4" y="connsiteY4"/>
+              </a:cxn>
+              <a:cxn ang="0">
+                <a:pos x="connsiteX5" y="connsiteY5"/>
+              </a:cxn>
+              <a:cxn ang="0">
+                <a:pos x="connsiteX6" y="connsiteY6"/>
+              </a:cxn>
+            </a:cxnLst>
+            <a:rect l="l" t="t" r="r" b="b"/>
+            <a:pathLst>
+              <a:path w="515389" h="349150">
+                <a:moveTo>
+                  <a:pt x="0" y="343608"/>
+                </a:moveTo>
+                <a:cubicBezTo>
+                  <a:pt x="27247" y="328829"/>
+                  <a:pt x="54494" y="314051"/>
+                  <a:pt x="83127" y="271564"/>
+                </a:cubicBezTo>
+                <a:cubicBezTo>
+                  <a:pt x="111760" y="229077"/>
+                  <a:pt x="142241" y="133942"/>
+                  <a:pt x="171797" y="88684"/>
+                </a:cubicBezTo>
+                <a:cubicBezTo>
+                  <a:pt x="201353" y="43426"/>
+                  <a:pt x="230910" y="939"/>
+                  <a:pt x="260466" y="15"/>
+                </a:cubicBezTo>
+                <a:cubicBezTo>
+                  <a:pt x="290022" y="-909"/>
+                  <a:pt x="320502" y="38808"/>
+                  <a:pt x="349135" y="83142"/>
+                </a:cubicBezTo>
+                <a:cubicBezTo>
+                  <a:pt x="377768" y="127476"/>
+                  <a:pt x="404553" y="221687"/>
+                  <a:pt x="432262" y="266022"/>
+                </a:cubicBezTo>
+                <a:cubicBezTo>
+                  <a:pt x="459971" y="310357"/>
+                  <a:pt x="515389" y="349150"/>
+                  <a:pt x="515389" y="349150"/>
+                </a:cubicBezTo>
+              </a:path>
+            </a:pathLst>
+          </a:custGeom>
+          <a:solidFill>
+            <a:schemeClr val="accent4">
+              <a:lumMod val="20000"/>
+              <a:lumOff val="80000"/>
+            </a:schemeClr>
+          </a:solidFill>
+          <a:ln w="28575">
+            <a:solidFill>
+              <a:schemeClr val="accent6">
+                <a:lumMod val="75000"/>
+              </a:schemeClr>
+            </a:solidFill>
+          </a:ln>
+        </p:spPr>
+        <p:style>
+          <a:lnRef idx="2">
+            <a:schemeClr val="accent1">
+              <a:shade val="50000"/>
+            </a:schemeClr>
+          </a:lnRef>
+          <a:fillRef idx="1">
+            <a:schemeClr val="accent1"/>
+          </a:fillRef>
+          <a:effectRef idx="0">
+            <a:schemeClr val="accent1"/>
+          </a:effectRef>
+          <a:fontRef idx="minor">
+            <a:schemeClr val="lt1"/>
+          </a:fontRef>
+        </p:style>
+        <p:txBody>
+          <a:bodyPr rtlCol="0" anchor="ctr"/>
+          <a:lstStyle/>
+          <a:p>
+            <a:pPr algn="ctr"/>
+            <a:endParaRPr lang="en-US"/>
+          </a:p>
+        </p:txBody>
+      </p:sp>
+      <p:sp>
+        <p:nvSpPr>
+          <p:cNvPr id="51" name="Freeform 50"/>
+          <p:cNvSpPr/>
+          <p:nvPr/>
+        </p:nvSpPr>
+        <p:spPr>
+          <a:xfrm>
+            <a:off x="182880" y="2777588"/>
+            <a:ext cx="587432" cy="382402"/>
+          </a:xfrm>
+          <a:custGeom>
+            <a:avLst/>
+            <a:gdLst>
+              <a:gd name="connsiteX0" fmla="*/ 0 w 515389"/>
+              <a:gd name="connsiteY0" fmla="*/ 343608 h 349150"/>
+              <a:gd name="connsiteX1" fmla="*/ 83127 w 515389"/>
+              <a:gd name="connsiteY1" fmla="*/ 271564 h 349150"/>
+              <a:gd name="connsiteX2" fmla="*/ 171797 w 515389"/>
+              <a:gd name="connsiteY2" fmla="*/ 88684 h 349150"/>
+              <a:gd name="connsiteX3" fmla="*/ 260466 w 515389"/>
+              <a:gd name="connsiteY3" fmla="*/ 15 h 349150"/>
+              <a:gd name="connsiteX4" fmla="*/ 349135 w 515389"/>
+              <a:gd name="connsiteY4" fmla="*/ 83142 h 349150"/>
+              <a:gd name="connsiteX5" fmla="*/ 432262 w 515389"/>
+              <a:gd name="connsiteY5" fmla="*/ 266022 h 349150"/>
+              <a:gd name="connsiteX6" fmla="*/ 515389 w 515389"/>
+              <a:gd name="connsiteY6" fmla="*/ 349150 h 349150"/>
+            </a:gdLst>
+            <a:ahLst/>
+            <a:cxnLst>
+              <a:cxn ang="0">
+                <a:pos x="connsiteX0" y="connsiteY0"/>
+              </a:cxn>
+              <a:cxn ang="0">
+                <a:pos x="connsiteX1" y="connsiteY1"/>
+              </a:cxn>
+              <a:cxn ang="0">
+                <a:pos x="connsiteX2" y="connsiteY2"/>
+              </a:cxn>
+              <a:cxn ang="0">
+                <a:pos x="connsiteX3" y="connsiteY3"/>
+              </a:cxn>
+              <a:cxn ang="0">
+                <a:pos x="connsiteX4" y="connsiteY4"/>
+              </a:cxn>
+              <a:cxn ang="0">
+                <a:pos x="connsiteX5" y="connsiteY5"/>
+              </a:cxn>
+              <a:cxn ang="0">
+                <a:pos x="connsiteX6" y="connsiteY6"/>
+              </a:cxn>
+            </a:cxnLst>
+            <a:rect l="l" t="t" r="r" b="b"/>
+            <a:pathLst>
+              <a:path w="515389" h="349150">
+                <a:moveTo>
+                  <a:pt x="0" y="343608"/>
+                </a:moveTo>
+                <a:cubicBezTo>
+                  <a:pt x="27247" y="328829"/>
+                  <a:pt x="54494" y="314051"/>
+                  <a:pt x="83127" y="271564"/>
+                </a:cubicBezTo>
+                <a:cubicBezTo>
+                  <a:pt x="111760" y="229077"/>
+                  <a:pt x="142241" y="133942"/>
+                  <a:pt x="171797" y="88684"/>
+                </a:cubicBezTo>
+                <a:cubicBezTo>
+                  <a:pt x="201353" y="43426"/>
+                  <a:pt x="230910" y="939"/>
+                  <a:pt x="260466" y="15"/>
+                </a:cubicBezTo>
+                <a:cubicBezTo>
+                  <a:pt x="290022" y="-909"/>
+                  <a:pt x="320502" y="38808"/>
+                  <a:pt x="349135" y="83142"/>
+                </a:cubicBezTo>
+                <a:cubicBezTo>
+                  <a:pt x="377768" y="127476"/>
+                  <a:pt x="404553" y="221687"/>
+                  <a:pt x="432262" y="266022"/>
+                </a:cubicBezTo>
+                <a:cubicBezTo>
+                  <a:pt x="459971" y="310357"/>
+                  <a:pt x="515389" y="349150"/>
+                  <a:pt x="515389" y="349150"/>
+                </a:cubicBezTo>
+              </a:path>
+            </a:pathLst>
+          </a:custGeom>
+          <a:solidFill>
+            <a:schemeClr val="accent4">
+              <a:lumMod val="20000"/>
+              <a:lumOff val="80000"/>
+            </a:schemeClr>
+          </a:solidFill>
+          <a:ln w="28575">
+            <a:solidFill>
+              <a:schemeClr val="accent6">
+                <a:lumMod val="75000"/>
+              </a:schemeClr>
+            </a:solidFill>
+          </a:ln>
+        </p:spPr>
+        <p:style>
+          <a:lnRef idx="2">
+            <a:schemeClr val="accent1">
+              <a:shade val="50000"/>
+            </a:schemeClr>
+          </a:lnRef>
+          <a:fillRef idx="1">
+            <a:schemeClr val="accent1"/>
+          </a:fillRef>
+          <a:effectRef idx="0">
+            <a:schemeClr val="accent1"/>
+          </a:effectRef>
+          <a:fontRef idx="minor">
+            <a:schemeClr val="lt1"/>
+          </a:fontRef>
+        </p:style>
+        <p:txBody>
+          <a:bodyPr rtlCol="0" anchor="ctr"/>
+          <a:lstStyle/>
+          <a:p>
+            <a:pPr algn="ctr"/>
+            <a:endParaRPr lang="en-US"/>
+          </a:p>
+        </p:txBody>
+      </p:sp>
+      <p:sp>
+        <p:nvSpPr>
+          <p:cNvPr id="52" name="Freeform 51"/>
+          <p:cNvSpPr/>
+          <p:nvPr/>
+        </p:nvSpPr>
+        <p:spPr>
+          <a:xfrm>
+            <a:off x="3946145" y="636720"/>
+            <a:ext cx="352724" cy="396434"/>
+          </a:xfrm>
+          <a:custGeom>
+            <a:avLst/>
+            <a:gdLst>
+              <a:gd name="connsiteX0" fmla="*/ 0 w 689487"/>
+              <a:gd name="connsiteY0" fmla="*/ 518469 h 528254"/>
+              <a:gd name="connsiteX1" fmla="*/ 84803 w 689487"/>
+              <a:gd name="connsiteY1" fmla="*/ 525844 h 528254"/>
+              <a:gd name="connsiteX2" fmla="*/ 258096 w 689487"/>
+              <a:gd name="connsiteY2" fmla="*/ 481598 h 528254"/>
+              <a:gd name="connsiteX3" fmla="*/ 346587 w 689487"/>
+              <a:gd name="connsiteY3" fmla="*/ 260373 h 528254"/>
+              <a:gd name="connsiteX4" fmla="*/ 431390 w 689487"/>
+              <a:gd name="connsiteY4" fmla="*/ 46521 h 528254"/>
+              <a:gd name="connsiteX5" fmla="*/ 604683 w 689487"/>
+              <a:gd name="connsiteY5" fmla="*/ 2276 h 528254"/>
+              <a:gd name="connsiteX6" fmla="*/ 689487 w 689487"/>
+              <a:gd name="connsiteY6" fmla="*/ 5963 h 528254"/>
+            </a:gdLst>
+            <a:ahLst/>
+            <a:cxnLst>
+              <a:cxn ang="0">
+                <a:pos x="connsiteX0" y="connsiteY0"/>
+              </a:cxn>
+              <a:cxn ang="0">
+                <a:pos x="connsiteX1" y="connsiteY1"/>
+              </a:cxn>
+              <a:cxn ang="0">
+                <a:pos x="connsiteX2" y="connsiteY2"/>
+              </a:cxn>
+              <a:cxn ang="0">
+                <a:pos x="connsiteX3" y="connsiteY3"/>
+              </a:cxn>
+              <a:cxn ang="0">
+                <a:pos x="connsiteX4" y="connsiteY4"/>
+              </a:cxn>
+              <a:cxn ang="0">
+                <a:pos x="connsiteX5" y="connsiteY5"/>
+              </a:cxn>
+              <a:cxn ang="0">
+                <a:pos x="connsiteX6" y="connsiteY6"/>
+              </a:cxn>
+            </a:cxnLst>
+            <a:rect l="l" t="t" r="r" b="b"/>
+            <a:pathLst>
+              <a:path w="689487" h="528254">
+                <a:moveTo>
+                  <a:pt x="0" y="518469"/>
+                </a:moveTo>
+                <a:cubicBezTo>
+                  <a:pt x="20893" y="525229"/>
+                  <a:pt x="41787" y="531989"/>
+                  <a:pt x="84803" y="525844"/>
+                </a:cubicBezTo>
+                <a:cubicBezTo>
+                  <a:pt x="127819" y="519699"/>
+                  <a:pt x="214465" y="525843"/>
+                  <a:pt x="258096" y="481598"/>
+                </a:cubicBezTo>
+                <a:cubicBezTo>
+                  <a:pt x="301727" y="437353"/>
+                  <a:pt x="317705" y="332886"/>
+                  <a:pt x="346587" y="260373"/>
+                </a:cubicBezTo>
+                <a:cubicBezTo>
+                  <a:pt x="375469" y="187860"/>
+                  <a:pt x="388374" y="89537"/>
+                  <a:pt x="431390" y="46521"/>
+                </a:cubicBezTo>
+                <a:cubicBezTo>
+                  <a:pt x="474406" y="3505"/>
+                  <a:pt x="561667" y="9036"/>
+                  <a:pt x="604683" y="2276"/>
+                </a:cubicBezTo>
+                <a:cubicBezTo>
+                  <a:pt x="647699" y="-4484"/>
+                  <a:pt x="689487" y="5963"/>
+                  <a:pt x="689487" y="5963"/>
+                </a:cubicBezTo>
+              </a:path>
+            </a:pathLst>
+          </a:custGeom>
+          <a:solidFill>
+            <a:schemeClr val="accent4">
+              <a:lumMod val="20000"/>
+              <a:lumOff val="80000"/>
+            </a:schemeClr>
+          </a:solidFill>
+          <a:ln w="28575">
+            <a:solidFill>
+              <a:schemeClr val="accent6">
+                <a:lumMod val="75000"/>
+              </a:schemeClr>
+            </a:solidFill>
+          </a:ln>
+        </p:spPr>
+        <p:style>
+          <a:lnRef idx="2">
+            <a:schemeClr val="accent1">
+              <a:shade val="50000"/>
+            </a:schemeClr>
+          </a:lnRef>
+          <a:fillRef idx="1">
+            <a:schemeClr val="accent1"/>
+          </a:fillRef>
+          <a:effectRef idx="0">
+            <a:schemeClr val="accent1"/>
+          </a:effectRef>
+          <a:fontRef idx="minor">
+            <a:schemeClr val="lt1"/>
+          </a:fontRef>
+        </p:style>
+        <p:txBody>
+          <a:bodyPr rtlCol="0" anchor="ctr"/>
+          <a:lstStyle/>
+          <a:p>
+            <a:pPr algn="ctr"/>
+            <a:endParaRPr lang="en-US"/>
+          </a:p>
+        </p:txBody>
+      </p:sp>
+      <p:cxnSp>
+        <p:nvCxnSpPr>
+          <p:cNvPr id="7" name="Straight Arrow Connector 6"/>
+          <p:cNvCxnSpPr>
+            <a:stCxn id="37" idx="0"/>
+            <a:endCxn id="46" idx="4"/>
+          </p:cNvCxnSpPr>
+          <p:nvPr/>
+        </p:nvCxnSpPr>
+        <p:spPr>
+          <a:xfrm flipH="1" flipV="1">
+            <a:off x="466740" y="3429000"/>
+            <a:ext cx="775208" cy="1375459"/>
+          </a:xfrm>
+          <a:prstGeom prst="straightConnector1">
+            <a:avLst/>
+          </a:prstGeom>
+          <a:ln w="25400">
+            <a:solidFill>
+              <a:schemeClr val="accent6">
+                <a:lumMod val="75000"/>
+                <a:alpha val="80000"/>
+              </a:schemeClr>
+            </a:solidFill>
+            <a:tailEnd type="none"/>
+          </a:ln>
+        </p:spPr>
+        <p:style>
+          <a:lnRef idx="1">
+            <a:schemeClr val="accent1"/>
+          </a:lnRef>
+          <a:fillRef idx="0">
+            <a:schemeClr val="accent1"/>
+          </a:fillRef>
+          <a:effectRef idx="0">
+            <a:schemeClr val="accent1"/>
+          </a:effectRef>
+          <a:fontRef idx="minor">
+            <a:schemeClr val="tx1"/>
+          </a:fontRef>
+        </p:style>
+      </p:cxnSp>
+      <p:cxnSp>
+        <p:nvCxnSpPr>
+          <p:cNvPr id="53" name="Straight Arrow Connector 52"/>
+          <p:cNvCxnSpPr>
+            <a:stCxn id="37" idx="0"/>
+            <a:endCxn id="42" idx="4"/>
+          </p:cNvCxnSpPr>
+          <p:nvPr/>
+        </p:nvCxnSpPr>
+        <p:spPr>
+          <a:xfrm flipV="1">
+            <a:off x="1241948" y="3416300"/>
+            <a:ext cx="1054100" cy="1388159"/>
+          </a:xfrm>
+          <a:prstGeom prst="straightConnector1">
+            <a:avLst/>
+          </a:prstGeom>
+          <a:ln w="25400">
+            <a:solidFill>
+              <a:schemeClr val="accent6">
+                <a:lumMod val="75000"/>
+                <a:alpha val="80000"/>
+              </a:schemeClr>
+            </a:solidFill>
+            <a:tailEnd type="none"/>
+          </a:ln>
+        </p:spPr>
+        <p:style>
+          <a:lnRef idx="1">
+            <a:schemeClr val="accent1"/>
+          </a:lnRef>
+          <a:fillRef idx="0">
+            <a:schemeClr val="accent1"/>
+          </a:fillRef>
+          <a:effectRef idx="0">
+            <a:schemeClr val="accent1"/>
+          </a:effectRef>
+          <a:fontRef idx="minor">
+            <a:schemeClr val="tx1"/>
+          </a:fontRef>
+        </p:style>
+      </p:cxnSp>
+      <p:cxnSp>
+        <p:nvCxnSpPr>
+          <p:cNvPr id="54" name="Straight Arrow Connector 53"/>
+          <p:cNvCxnSpPr>
+            <a:stCxn id="37" idx="0"/>
+            <a:endCxn id="45" idx="4"/>
+          </p:cNvCxnSpPr>
+          <p:nvPr/>
+        </p:nvCxnSpPr>
+        <p:spPr>
+          <a:xfrm flipV="1">
+            <a:off x="1241948" y="3441699"/>
+            <a:ext cx="6540500" cy="1362760"/>
+          </a:xfrm>
+          <a:prstGeom prst="straightConnector1">
+            <a:avLst/>
+          </a:prstGeom>
+          <a:ln w="25400">
+            <a:solidFill>
+              <a:schemeClr val="accent6">
+                <a:lumMod val="75000"/>
+                <a:alpha val="80000"/>
+              </a:schemeClr>
+            </a:solidFill>
+            <a:tailEnd type="none"/>
+          </a:ln>
+        </p:spPr>
+        <p:style>
+          <a:lnRef idx="1">
+            <a:schemeClr val="accent1"/>
+          </a:lnRef>
+          <a:fillRef idx="0">
+            <a:schemeClr val="accent1"/>
+          </a:fillRef>
+          <a:effectRef idx="0">
+            <a:schemeClr val="accent1"/>
+          </a:effectRef>
+          <a:fontRef idx="minor">
+            <a:schemeClr val="tx1"/>
+          </a:fontRef>
+        </p:style>
+      </p:cxnSp>
+      <p:cxnSp>
+        <p:nvCxnSpPr>
+          <p:cNvPr id="57" name="Straight Arrow Connector 56"/>
+          <p:cNvCxnSpPr>
+            <a:stCxn id="37" idx="0"/>
+            <a:endCxn id="43" idx="4"/>
+          </p:cNvCxnSpPr>
+          <p:nvPr/>
+        </p:nvCxnSpPr>
+        <p:spPr>
+          <a:xfrm flipV="1">
+            <a:off x="1241948" y="3416299"/>
+            <a:ext cx="2882900" cy="1388160"/>
+          </a:xfrm>
+          <a:prstGeom prst="straightConnector1">
+            <a:avLst/>
+          </a:prstGeom>
+          <a:ln w="25400">
+            <a:solidFill>
+              <a:schemeClr val="accent6">
+                <a:lumMod val="75000"/>
+                <a:alpha val="80000"/>
+              </a:schemeClr>
+            </a:solidFill>
+            <a:tailEnd type="none"/>
+          </a:ln>
+        </p:spPr>
+        <p:style>
+          <a:lnRef idx="1">
+            <a:schemeClr val="accent1"/>
+          </a:lnRef>
+          <a:fillRef idx="0">
+            <a:schemeClr val="accent1"/>
+          </a:fillRef>
+          <a:effectRef idx="0">
+            <a:schemeClr val="accent1"/>
+          </a:effectRef>
+          <a:fontRef idx="minor">
+            <a:schemeClr val="tx1"/>
+          </a:fontRef>
+        </p:style>
+      </p:cxnSp>
+      <p:cxnSp>
+        <p:nvCxnSpPr>
+          <p:cNvPr id="60" name="Straight Arrow Connector 59"/>
+          <p:cNvCxnSpPr>
+            <a:stCxn id="37" idx="0"/>
+            <a:endCxn id="44" idx="4"/>
+          </p:cNvCxnSpPr>
+          <p:nvPr/>
+        </p:nvCxnSpPr>
+        <p:spPr>
+          <a:xfrm flipV="1">
+            <a:off x="1241948" y="3441700"/>
+            <a:ext cx="4711700" cy="1362759"/>
+          </a:xfrm>
+          <a:prstGeom prst="straightConnector1">
+            <a:avLst/>
+          </a:prstGeom>
+          <a:ln w="25400">
+            <a:solidFill>
+              <a:schemeClr val="accent6">
+                <a:lumMod val="75000"/>
+                <a:alpha val="80000"/>
+              </a:schemeClr>
+            </a:solidFill>
+            <a:tailEnd type="none"/>
+          </a:ln>
+        </p:spPr>
+        <p:style>
+          <a:lnRef idx="1">
+            <a:schemeClr val="accent1"/>
+          </a:lnRef>
+          <a:fillRef idx="0">
+            <a:schemeClr val="accent1"/>
+          </a:fillRef>
+          <a:effectRef idx="0">
+            <a:schemeClr val="accent1"/>
+          </a:effectRef>
+          <a:fontRef idx="minor">
+            <a:schemeClr val="tx1"/>
+          </a:fontRef>
+        </p:style>
+      </p:cxnSp>
+      <p:cxnSp>
+        <p:nvCxnSpPr>
+          <p:cNvPr id="67" name="Straight Arrow Connector 66"/>
+          <p:cNvCxnSpPr>
+            <a:stCxn id="38" idx="0"/>
+            <a:endCxn id="46" idx="4"/>
+          </p:cNvCxnSpPr>
+          <p:nvPr/>
+        </p:nvCxnSpPr>
+        <p:spPr>
+          <a:xfrm flipH="1" flipV="1">
+            <a:off x="466740" y="3429000"/>
+            <a:ext cx="2604008" cy="1375458"/>
+          </a:xfrm>
+          <a:prstGeom prst="straightConnector1">
+            <a:avLst/>
+          </a:prstGeom>
+          <a:ln w="25400">
+            <a:solidFill>
+              <a:schemeClr val="accent6">
+                <a:lumMod val="75000"/>
+                <a:alpha val="80000"/>
+              </a:schemeClr>
+            </a:solidFill>
+            <a:tailEnd type="none"/>
+          </a:ln>
+        </p:spPr>
+        <p:style>
+          <a:lnRef idx="1">
+            <a:schemeClr val="accent1"/>
+          </a:lnRef>
+          <a:fillRef idx="0">
+            <a:schemeClr val="accent1"/>
+          </a:fillRef>
+          <a:effectRef idx="0">
+            <a:schemeClr val="accent1"/>
+          </a:effectRef>
+          <a:fontRef idx="minor">
+            <a:schemeClr val="tx1"/>
+          </a:fontRef>
+        </p:style>
+      </p:cxnSp>
+      <p:cxnSp>
+        <p:nvCxnSpPr>
+          <p:cNvPr id="81" name="Straight Arrow Connector 80"/>
+          <p:cNvCxnSpPr>
+            <a:stCxn id="38" idx="0"/>
+            <a:endCxn id="42" idx="4"/>
+          </p:cNvCxnSpPr>
+          <p:nvPr/>
+        </p:nvCxnSpPr>
+        <p:spPr>
+          <a:xfrm flipH="1" flipV="1">
+            <a:off x="2296048" y="3416300"/>
+            <a:ext cx="774700" cy="1388158"/>
+          </a:xfrm>
+          <a:prstGeom prst="straightConnector1">
+            <a:avLst/>
+          </a:prstGeom>
+          <a:ln w="25400">
+            <a:solidFill>
+              <a:schemeClr val="accent6">
+                <a:lumMod val="75000"/>
+                <a:alpha val="80000"/>
+              </a:schemeClr>
+            </a:solidFill>
+            <a:tailEnd type="none"/>
+          </a:ln>
+        </p:spPr>
+        <p:style>
+          <a:lnRef idx="1">
+            <a:schemeClr val="accent1"/>
+          </a:lnRef>
+          <a:fillRef idx="0">
+            <a:schemeClr val="accent1"/>
+          </a:fillRef>
+          <a:effectRef idx="0">
+            <a:schemeClr val="accent1"/>
+          </a:effectRef>
+          <a:fontRef idx="minor">
+            <a:schemeClr val="tx1"/>
+          </a:fontRef>
+        </p:style>
+      </p:cxnSp>
+      <p:cxnSp>
+        <p:nvCxnSpPr>
+          <p:cNvPr id="84" name="Straight Arrow Connector 83"/>
+          <p:cNvCxnSpPr>
+            <a:stCxn id="38" idx="0"/>
+            <a:endCxn id="45" idx="4"/>
+          </p:cNvCxnSpPr>
+          <p:nvPr/>
+        </p:nvCxnSpPr>
+        <p:spPr>
+          <a:xfrm flipV="1">
+            <a:off x="3070748" y="3441699"/>
+            <a:ext cx="4711700" cy="1362759"/>
+          </a:xfrm>
+          <a:prstGeom prst="straightConnector1">
+            <a:avLst/>
+          </a:prstGeom>
+          <a:ln w="25400">
+            <a:solidFill>
+              <a:schemeClr val="accent6">
+                <a:lumMod val="75000"/>
+                <a:alpha val="80000"/>
+              </a:schemeClr>
+            </a:solidFill>
+            <a:tailEnd type="none"/>
+          </a:ln>
+        </p:spPr>
+        <p:style>
+          <a:lnRef idx="1">
+            <a:schemeClr val="accent1"/>
+          </a:lnRef>
+          <a:fillRef idx="0">
+            <a:schemeClr val="accent1"/>
+          </a:fillRef>
+          <a:effectRef idx="0">
+            <a:schemeClr val="accent1"/>
+          </a:effectRef>
+          <a:fontRef idx="minor">
+            <a:schemeClr val="tx1"/>
+          </a:fontRef>
+        </p:style>
+      </p:cxnSp>
+      <p:cxnSp>
+        <p:nvCxnSpPr>
+          <p:cNvPr id="85" name="Straight Arrow Connector 84"/>
+          <p:cNvCxnSpPr>
+            <a:stCxn id="38" idx="0"/>
+            <a:endCxn id="43" idx="4"/>
+          </p:cNvCxnSpPr>
+          <p:nvPr/>
+        </p:nvCxnSpPr>
+        <p:spPr>
+          <a:xfrm flipV="1">
+            <a:off x="3070748" y="3416299"/>
+            <a:ext cx="1054100" cy="1388159"/>
+          </a:xfrm>
+          <a:prstGeom prst="straightConnector1">
+            <a:avLst/>
+          </a:prstGeom>
+          <a:ln w="25400">
+            <a:solidFill>
+              <a:schemeClr val="accent6">
+                <a:lumMod val="75000"/>
+                <a:alpha val="80000"/>
+              </a:schemeClr>
+            </a:solidFill>
+            <a:tailEnd type="none"/>
+          </a:ln>
+        </p:spPr>
+        <p:style>
+          <a:lnRef idx="1">
+            <a:schemeClr val="accent1"/>
+          </a:lnRef>
+          <a:fillRef idx="0">
+            <a:schemeClr val="accent1"/>
+          </a:fillRef>
+          <a:effectRef idx="0">
+            <a:schemeClr val="accent1"/>
+          </a:effectRef>
+          <a:fontRef idx="minor">
+            <a:schemeClr val="tx1"/>
+          </a:fontRef>
+        </p:style>
+      </p:cxnSp>
+      <p:cxnSp>
+        <p:nvCxnSpPr>
+          <p:cNvPr id="86" name="Straight Arrow Connector 85"/>
+          <p:cNvCxnSpPr>
+            <a:stCxn id="38" idx="0"/>
+            <a:endCxn id="44" idx="4"/>
+          </p:cNvCxnSpPr>
+          <p:nvPr/>
+        </p:nvCxnSpPr>
+        <p:spPr>
+          <a:xfrm flipV="1">
+            <a:off x="3070748" y="3441700"/>
+            <a:ext cx="2882900" cy="1362758"/>
+          </a:xfrm>
+          <a:prstGeom prst="straightConnector1">
+            <a:avLst/>
+          </a:prstGeom>
+          <a:ln w="25400">
+            <a:solidFill>
+              <a:schemeClr val="accent6">
+                <a:lumMod val="75000"/>
+                <a:alpha val="80000"/>
+              </a:schemeClr>
+            </a:solidFill>
+            <a:tailEnd type="none"/>
+          </a:ln>
+        </p:spPr>
+        <p:style>
+          <a:lnRef idx="1">
+            <a:schemeClr val="accent1"/>
+          </a:lnRef>
+          <a:fillRef idx="0">
+            <a:schemeClr val="accent1"/>
+          </a:fillRef>
+          <a:effectRef idx="0">
+            <a:schemeClr val="accent1"/>
+          </a:effectRef>
+          <a:fontRef idx="minor">
+            <a:schemeClr val="tx1"/>
+          </a:fontRef>
+        </p:style>
+      </p:cxnSp>
+      <p:cxnSp>
+        <p:nvCxnSpPr>
+          <p:cNvPr id="94" name="Straight Arrow Connector 93"/>
+          <p:cNvCxnSpPr>
+            <a:stCxn id="39" idx="0"/>
+            <a:endCxn id="46" idx="4"/>
+          </p:cNvCxnSpPr>
+          <p:nvPr/>
+        </p:nvCxnSpPr>
+        <p:spPr>
+          <a:xfrm flipH="1" flipV="1">
+            <a:off x="466740" y="3429000"/>
+            <a:ext cx="4432808" cy="1400859"/>
+          </a:xfrm>
+          <a:prstGeom prst="straightConnector1">
+            <a:avLst/>
+          </a:prstGeom>
+          <a:ln w="25400">
+            <a:solidFill>
+              <a:schemeClr val="accent6">
+                <a:lumMod val="75000"/>
+                <a:alpha val="80000"/>
+              </a:schemeClr>
+            </a:solidFill>
+            <a:tailEnd type="none"/>
+          </a:ln>
+        </p:spPr>
+        <p:style>
+          <a:lnRef idx="1">
+            <a:schemeClr val="accent1"/>
+          </a:lnRef>
+          <a:fillRef idx="0">
+            <a:schemeClr val="accent1"/>
+          </a:fillRef>
+          <a:effectRef idx="0">
+            <a:schemeClr val="accent1"/>
+          </a:effectRef>
+          <a:fontRef idx="minor">
+            <a:schemeClr val="tx1"/>
+          </a:fontRef>
+        </p:style>
+      </p:cxnSp>
+      <p:cxnSp>
+        <p:nvCxnSpPr>
+          <p:cNvPr id="95" name="Straight Arrow Connector 94"/>
+          <p:cNvCxnSpPr>
+            <a:stCxn id="39" idx="0"/>
+            <a:endCxn id="42" idx="4"/>
+          </p:cNvCxnSpPr>
+          <p:nvPr/>
+        </p:nvCxnSpPr>
+        <p:spPr>
+          <a:xfrm flipH="1" flipV="1">
+            <a:off x="2296048" y="3416300"/>
+            <a:ext cx="2603500" cy="1413559"/>
+          </a:xfrm>
+          <a:prstGeom prst="straightConnector1">
+            <a:avLst/>
+          </a:prstGeom>
+          <a:ln w="25400">
+            <a:solidFill>
+              <a:schemeClr val="accent6">
+                <a:lumMod val="75000"/>
+                <a:alpha val="80000"/>
+              </a:schemeClr>
+            </a:solidFill>
+            <a:tailEnd type="none"/>
+          </a:ln>
+        </p:spPr>
+        <p:style>
+          <a:lnRef idx="1">
+            <a:schemeClr val="accent1"/>
+          </a:lnRef>
+          <a:fillRef idx="0">
+            <a:schemeClr val="accent1"/>
+          </a:fillRef>
+          <a:effectRef idx="0">
+            <a:schemeClr val="accent1"/>
+          </a:effectRef>
+          <a:fontRef idx="minor">
+            <a:schemeClr val="tx1"/>
+          </a:fontRef>
+        </p:style>
+      </p:cxnSp>
+      <p:cxnSp>
+        <p:nvCxnSpPr>
+          <p:cNvPr id="96" name="Straight Arrow Connector 95"/>
+          <p:cNvCxnSpPr>
+            <a:stCxn id="39" idx="0"/>
+            <a:endCxn id="45" idx="4"/>
+          </p:cNvCxnSpPr>
+          <p:nvPr/>
+        </p:nvCxnSpPr>
+        <p:spPr>
+          <a:xfrm flipV="1">
+            <a:off x="4899548" y="3441699"/>
+            <a:ext cx="2882900" cy="1388160"/>
+          </a:xfrm>
+          <a:prstGeom prst="straightConnector1">
+            <a:avLst/>
+          </a:prstGeom>
+          <a:ln w="25400">
+            <a:solidFill>
+              <a:schemeClr val="accent6">
+                <a:lumMod val="75000"/>
+                <a:alpha val="80000"/>
+              </a:schemeClr>
+            </a:solidFill>
+            <a:tailEnd type="none"/>
+          </a:ln>
+        </p:spPr>
+        <p:style>
+          <a:lnRef idx="1">
+            <a:schemeClr val="accent1"/>
+          </a:lnRef>
+          <a:fillRef idx="0">
+            <a:schemeClr val="accent1"/>
+          </a:fillRef>
+          <a:effectRef idx="0">
+            <a:schemeClr val="accent1"/>
+          </a:effectRef>
+          <a:fontRef idx="minor">
+            <a:schemeClr val="tx1"/>
+          </a:fontRef>
+        </p:style>
+      </p:cxnSp>
+      <p:cxnSp>
+        <p:nvCxnSpPr>
+          <p:cNvPr id="97" name="Straight Arrow Connector 96"/>
+          <p:cNvCxnSpPr>
+            <a:stCxn id="39" idx="0"/>
+            <a:endCxn id="43" idx="4"/>
+          </p:cNvCxnSpPr>
+          <p:nvPr/>
+        </p:nvCxnSpPr>
+        <p:spPr>
+          <a:xfrm flipH="1" flipV="1">
+            <a:off x="4124848" y="3416299"/>
+            <a:ext cx="774700" cy="1413560"/>
+          </a:xfrm>
+          <a:prstGeom prst="straightConnector1">
+            <a:avLst/>
+          </a:prstGeom>
+          <a:ln w="25400">
+            <a:solidFill>
+              <a:schemeClr val="accent6">
+                <a:lumMod val="75000"/>
+                <a:alpha val="80000"/>
+              </a:schemeClr>
+            </a:solidFill>
+            <a:tailEnd type="none"/>
+          </a:ln>
+        </p:spPr>
+        <p:style>
+          <a:lnRef idx="1">
+            <a:schemeClr val="accent1"/>
+          </a:lnRef>
+          <a:fillRef idx="0">
+            <a:schemeClr val="accent1"/>
+          </a:fillRef>
+          <a:effectRef idx="0">
+            <a:schemeClr val="accent1"/>
+          </a:effectRef>
+          <a:fontRef idx="minor">
+            <a:schemeClr val="tx1"/>
+          </a:fontRef>
+        </p:style>
+      </p:cxnSp>
+      <p:cxnSp>
+        <p:nvCxnSpPr>
+          <p:cNvPr id="98" name="Straight Arrow Connector 97"/>
+          <p:cNvCxnSpPr>
+            <a:stCxn id="39" idx="0"/>
+            <a:endCxn id="44" idx="4"/>
+          </p:cNvCxnSpPr>
+          <p:nvPr/>
+        </p:nvCxnSpPr>
+        <p:spPr>
+          <a:xfrm flipV="1">
+            <a:off x="4899548" y="3441700"/>
+            <a:ext cx="1054100" cy="1388159"/>
+          </a:xfrm>
+          <a:prstGeom prst="straightConnector1">
+            <a:avLst/>
+          </a:prstGeom>
+          <a:ln w="25400">
+            <a:solidFill>
+              <a:schemeClr val="accent6">
+                <a:lumMod val="75000"/>
+                <a:alpha val="80000"/>
+              </a:schemeClr>
+            </a:solidFill>
+            <a:tailEnd type="none"/>
+          </a:ln>
+        </p:spPr>
+        <p:style>
+          <a:lnRef idx="1">
+            <a:schemeClr val="accent1"/>
+          </a:lnRef>
+          <a:fillRef idx="0">
+            <a:schemeClr val="accent1"/>
+          </a:fillRef>
+          <a:effectRef idx="0">
+            <a:schemeClr val="accent1"/>
+          </a:effectRef>
+          <a:fontRef idx="minor">
+            <a:schemeClr val="tx1"/>
+          </a:fontRef>
+        </p:style>
+      </p:cxnSp>
+      <p:cxnSp>
+        <p:nvCxnSpPr>
+          <p:cNvPr id="110" name="Straight Arrow Connector 109"/>
+          <p:cNvCxnSpPr>
+            <a:stCxn id="40" idx="0"/>
+            <a:endCxn id="42" idx="4"/>
+          </p:cNvCxnSpPr>
+          <p:nvPr/>
+        </p:nvCxnSpPr>
+        <p:spPr>
+          <a:xfrm flipH="1" flipV="1">
+            <a:off x="2296048" y="3416300"/>
+            <a:ext cx="4432300" cy="1413558"/>
+          </a:xfrm>
+          <a:prstGeom prst="straightConnector1">
+            <a:avLst/>
+          </a:prstGeom>
+          <a:ln w="25400">
+            <a:solidFill>
+              <a:schemeClr val="accent6">
+                <a:lumMod val="75000"/>
+                <a:alpha val="80000"/>
+              </a:schemeClr>
+            </a:solidFill>
+            <a:tailEnd type="none"/>
+          </a:ln>
+        </p:spPr>
+        <p:style>
+          <a:lnRef idx="1">
+            <a:schemeClr val="accent1"/>
+          </a:lnRef>
+          <a:fillRef idx="0">
+            <a:schemeClr val="accent1"/>
+          </a:fillRef>
+          <a:effectRef idx="0">
+            <a:schemeClr val="accent1"/>
+          </a:effectRef>
+          <a:fontRef idx="minor">
+            <a:schemeClr val="tx1"/>
+          </a:fontRef>
+        </p:style>
+      </p:cxnSp>
+      <p:cxnSp>
+        <p:nvCxnSpPr>
+          <p:cNvPr id="111" name="Straight Arrow Connector 110"/>
+          <p:cNvCxnSpPr>
+            <a:stCxn id="40" idx="0"/>
+            <a:endCxn id="45" idx="4"/>
+          </p:cNvCxnSpPr>
+          <p:nvPr/>
+        </p:nvCxnSpPr>
+        <p:spPr>
+          <a:xfrm flipV="1">
+            <a:off x="6728348" y="3441699"/>
+            <a:ext cx="1054100" cy="1388159"/>
+          </a:xfrm>
+          <a:prstGeom prst="straightConnector1">
+            <a:avLst/>
+          </a:prstGeom>
+          <a:ln w="25400">
+            <a:solidFill>
+              <a:schemeClr val="accent6">
+                <a:lumMod val="75000"/>
+                <a:alpha val="80000"/>
+              </a:schemeClr>
+            </a:solidFill>
+            <a:tailEnd type="none"/>
+          </a:ln>
+        </p:spPr>
+        <p:style>
+          <a:lnRef idx="1">
+            <a:schemeClr val="accent1"/>
+          </a:lnRef>
+          <a:fillRef idx="0">
+            <a:schemeClr val="accent1"/>
+          </a:fillRef>
+          <a:effectRef idx="0">
+            <a:schemeClr val="accent1"/>
+          </a:effectRef>
+          <a:fontRef idx="minor">
+            <a:schemeClr val="tx1"/>
+          </a:fontRef>
+        </p:style>
+      </p:cxnSp>
+      <p:cxnSp>
+        <p:nvCxnSpPr>
+          <p:cNvPr id="112" name="Straight Arrow Connector 111"/>
+          <p:cNvCxnSpPr>
+            <a:stCxn id="40" idx="0"/>
+            <a:endCxn id="43" idx="4"/>
+          </p:cNvCxnSpPr>
+          <p:nvPr/>
+        </p:nvCxnSpPr>
+        <p:spPr>
+          <a:xfrm flipH="1" flipV="1">
+            <a:off x="4124848" y="3416299"/>
+            <a:ext cx="2603500" cy="1413559"/>
+          </a:xfrm>
+          <a:prstGeom prst="straightConnector1">
+            <a:avLst/>
+          </a:prstGeom>
+          <a:ln w="25400">
+            <a:solidFill>
+              <a:schemeClr val="accent6">
+                <a:lumMod val="75000"/>
+                <a:alpha val="80000"/>
+              </a:schemeClr>
+            </a:solidFill>
+            <a:tailEnd type="none"/>
+          </a:ln>
+        </p:spPr>
+        <p:style>
+          <a:lnRef idx="1">
+            <a:schemeClr val="accent1"/>
+          </a:lnRef>
+          <a:fillRef idx="0">
+            <a:schemeClr val="accent1"/>
+          </a:fillRef>
+          <a:effectRef idx="0">
+            <a:schemeClr val="accent1"/>
+          </a:effectRef>
+          <a:fontRef idx="minor">
+            <a:schemeClr val="tx1"/>
+          </a:fontRef>
+        </p:style>
+      </p:cxnSp>
+      <p:cxnSp>
+        <p:nvCxnSpPr>
+          <p:cNvPr id="113" name="Straight Arrow Connector 112"/>
+          <p:cNvCxnSpPr>
+            <a:stCxn id="40" idx="0"/>
+            <a:endCxn id="44" idx="4"/>
+          </p:cNvCxnSpPr>
+          <p:nvPr/>
+        </p:nvCxnSpPr>
+        <p:spPr>
+          <a:xfrm flipH="1" flipV="1">
+            <a:off x="5953648" y="3441700"/>
+            <a:ext cx="774700" cy="1388158"/>
+          </a:xfrm>
+          <a:prstGeom prst="straightConnector1">
+            <a:avLst/>
+          </a:prstGeom>
+          <a:ln w="25400">
+            <a:solidFill>
+              <a:schemeClr val="accent6">
+                <a:lumMod val="75000"/>
+                <a:alpha val="80000"/>
+              </a:schemeClr>
+            </a:solidFill>
+            <a:tailEnd type="none"/>
+          </a:ln>
+        </p:spPr>
+        <p:style>
+          <a:lnRef idx="1">
+            <a:schemeClr val="accent1"/>
+          </a:lnRef>
+          <a:fillRef idx="0">
+            <a:schemeClr val="accent1"/>
+          </a:fillRef>
+          <a:effectRef idx="0">
+            <a:schemeClr val="accent1"/>
+          </a:effectRef>
+          <a:fontRef idx="minor">
+            <a:schemeClr val="tx1"/>
+          </a:fontRef>
+        </p:style>
+      </p:cxnSp>
+      <p:cxnSp>
+        <p:nvCxnSpPr>
+          <p:cNvPr id="122" name="Straight Arrow Connector 121"/>
+          <p:cNvCxnSpPr>
+            <a:stCxn id="40" idx="0"/>
+            <a:endCxn id="46" idx="4"/>
+          </p:cNvCxnSpPr>
+          <p:nvPr/>
+        </p:nvCxnSpPr>
+        <p:spPr>
+          <a:xfrm flipH="1" flipV="1">
+            <a:off x="466740" y="3429000"/>
+            <a:ext cx="6261608" cy="1400858"/>
+          </a:xfrm>
+          <a:prstGeom prst="straightConnector1">
+            <a:avLst/>
+          </a:prstGeom>
+          <a:ln w="25400">
+            <a:solidFill>
+              <a:schemeClr val="accent6">
+                <a:lumMod val="75000"/>
+                <a:alpha val="80000"/>
+              </a:schemeClr>
+            </a:solidFill>
+            <a:tailEnd type="none"/>
+          </a:ln>
+        </p:spPr>
+        <p:style>
+          <a:lnRef idx="1">
+            <a:schemeClr val="accent1"/>
+          </a:lnRef>
+          <a:fillRef idx="0">
+            <a:schemeClr val="accent1"/>
+          </a:fillRef>
+          <a:effectRef idx="0">
+            <a:schemeClr val="accent1"/>
+          </a:effectRef>
+          <a:fontRef idx="minor">
+            <a:schemeClr val="tx1"/>
+          </a:fontRef>
+        </p:style>
+      </p:cxnSp>
+      <p:cxnSp>
+        <p:nvCxnSpPr>
+          <p:cNvPr id="125" name="Straight Arrow Connector 124"/>
+          <p:cNvCxnSpPr>
+            <a:stCxn id="21" idx="4"/>
+            <a:endCxn id="42" idx="0"/>
+          </p:cNvCxnSpPr>
+          <p:nvPr/>
+        </p:nvCxnSpPr>
+        <p:spPr>
+          <a:xfrm flipH="1">
+            <a:off x="2296048" y="1222453"/>
+            <a:ext cx="1828800" cy="1410306"/>
+          </a:xfrm>
+          <a:prstGeom prst="straightConnector1">
+            <a:avLst/>
+          </a:prstGeom>
+          <a:ln w="25400">
+            <a:solidFill>
+              <a:schemeClr val="accent6">
+                <a:lumMod val="75000"/>
+                <a:alpha val="80000"/>
+              </a:schemeClr>
+            </a:solidFill>
+            <a:tailEnd type="none"/>
+          </a:ln>
+        </p:spPr>
+        <p:style>
+          <a:lnRef idx="1">
+            <a:schemeClr val="accent1"/>
+          </a:lnRef>
+          <a:fillRef idx="0">
+            <a:schemeClr val="accent1"/>
+          </a:fillRef>
+          <a:effectRef idx="0">
+            <a:schemeClr val="accent1"/>
+          </a:effectRef>
+          <a:fontRef idx="minor">
+            <a:schemeClr val="tx1"/>
+          </a:fontRef>
+        </p:style>
+      </p:cxnSp>
+      <p:cxnSp>
+        <p:nvCxnSpPr>
+          <p:cNvPr id="127" name="Straight Arrow Connector 126"/>
+          <p:cNvCxnSpPr>
+            <a:stCxn id="21" idx="4"/>
+            <a:endCxn id="45" idx="0"/>
+          </p:cNvCxnSpPr>
+          <p:nvPr/>
+        </p:nvCxnSpPr>
+        <p:spPr>
+          <a:xfrm>
+            <a:off x="4124848" y="1222453"/>
+            <a:ext cx="3657600" cy="1435705"/>
+          </a:xfrm>
+          <a:prstGeom prst="straightConnector1">
+            <a:avLst/>
+          </a:prstGeom>
+          <a:ln w="25400">
+            <a:solidFill>
+              <a:schemeClr val="accent6">
+                <a:lumMod val="75000"/>
+                <a:alpha val="80000"/>
+              </a:schemeClr>
+            </a:solidFill>
+            <a:tailEnd type="none"/>
+          </a:ln>
+        </p:spPr>
+        <p:style>
+          <a:lnRef idx="1">
+            <a:schemeClr val="accent1"/>
+          </a:lnRef>
+          <a:fillRef idx="0">
+            <a:schemeClr val="accent1"/>
+          </a:fillRef>
+          <a:effectRef idx="0">
+            <a:schemeClr val="accent1"/>
+          </a:effectRef>
+          <a:fontRef idx="minor">
+            <a:schemeClr val="tx1"/>
+          </a:fontRef>
+        </p:style>
+      </p:cxnSp>
+      <p:cxnSp>
+        <p:nvCxnSpPr>
+          <p:cNvPr id="128" name="Straight Arrow Connector 127"/>
+          <p:cNvCxnSpPr>
+            <a:stCxn id="21" idx="4"/>
+            <a:endCxn id="43" idx="0"/>
+          </p:cNvCxnSpPr>
+          <p:nvPr/>
+        </p:nvCxnSpPr>
+        <p:spPr>
+          <a:xfrm>
+            <a:off x="4124848" y="1222453"/>
+            <a:ext cx="0" cy="1410305"/>
+          </a:xfrm>
+          <a:prstGeom prst="straightConnector1">
+            <a:avLst/>
+          </a:prstGeom>
+          <a:ln w="25400">
+            <a:solidFill>
+              <a:schemeClr val="accent6">
+                <a:lumMod val="75000"/>
+                <a:alpha val="80000"/>
+              </a:schemeClr>
+            </a:solidFill>
+            <a:tailEnd type="none"/>
+          </a:ln>
+        </p:spPr>
+        <p:style>
+          <a:lnRef idx="1">
+            <a:schemeClr val="accent1"/>
+          </a:lnRef>
+          <a:fillRef idx="0">
+            <a:schemeClr val="accent1"/>
+          </a:fillRef>
+          <a:effectRef idx="0">
+            <a:schemeClr val="accent1"/>
+          </a:effectRef>
+          <a:fontRef idx="minor">
+            <a:schemeClr val="tx1"/>
+          </a:fontRef>
+        </p:style>
+      </p:cxnSp>
+      <p:cxnSp>
+        <p:nvCxnSpPr>
+          <p:cNvPr id="129" name="Straight Arrow Connector 128"/>
+          <p:cNvCxnSpPr>
+            <a:stCxn id="21" idx="4"/>
+            <a:endCxn id="44" idx="0"/>
+          </p:cNvCxnSpPr>
+          <p:nvPr/>
+        </p:nvCxnSpPr>
+        <p:spPr>
+          <a:xfrm>
+            <a:off x="4124848" y="1222453"/>
+            <a:ext cx="1828800" cy="1435706"/>
+          </a:xfrm>
+          <a:prstGeom prst="straightConnector1">
+            <a:avLst/>
+          </a:prstGeom>
+          <a:ln w="25400">
+            <a:solidFill>
+              <a:schemeClr val="accent6">
+                <a:lumMod val="75000"/>
+                <a:alpha val="80000"/>
+              </a:schemeClr>
+            </a:solidFill>
+            <a:tailEnd type="none"/>
+          </a:ln>
+        </p:spPr>
+        <p:style>
+          <a:lnRef idx="1">
+            <a:schemeClr val="accent1"/>
+          </a:lnRef>
+          <a:fillRef idx="0">
+            <a:schemeClr val="accent1"/>
+          </a:fillRef>
+          <a:effectRef idx="0">
+            <a:schemeClr val="accent1"/>
+          </a:effectRef>
+          <a:fontRef idx="minor">
+            <a:schemeClr val="tx1"/>
+          </a:fontRef>
+        </p:style>
+      </p:cxnSp>
+      <p:cxnSp>
+        <p:nvCxnSpPr>
+          <p:cNvPr id="130" name="Straight Arrow Connector 129"/>
+          <p:cNvCxnSpPr>
+            <a:stCxn id="21" idx="4"/>
+            <a:endCxn id="46" idx="0"/>
+          </p:cNvCxnSpPr>
+          <p:nvPr/>
+        </p:nvCxnSpPr>
+        <p:spPr>
+          <a:xfrm flipH="1">
+            <a:off x="466740" y="1222453"/>
+            <a:ext cx="3658108" cy="1423006"/>
+          </a:xfrm>
+          <a:prstGeom prst="straightConnector1">
+            <a:avLst/>
+          </a:prstGeom>
+          <a:ln w="25400">
+            <a:solidFill>
+              <a:schemeClr val="accent6">
+                <a:lumMod val="75000"/>
+                <a:alpha val="80000"/>
+              </a:schemeClr>
+            </a:solidFill>
+            <a:tailEnd type="none"/>
+          </a:ln>
+        </p:spPr>
+        <p:style>
+          <a:lnRef idx="1">
+            <a:schemeClr val="accent1"/>
+          </a:lnRef>
+          <a:fillRef idx="0">
+            <a:schemeClr val="accent1"/>
+          </a:fillRef>
+          <a:effectRef idx="0">
+            <a:schemeClr val="accent1"/>
+          </a:effectRef>
+          <a:fontRef idx="minor">
+            <a:schemeClr val="tx1"/>
+          </a:fontRef>
+        </p:style>
+      </p:cxnSp>
+    </p:spTree>
+    <p:extLst>
+      <p:ext uri="{BB962C8B-B14F-4D97-AF65-F5344CB8AC3E}">
+        <p14:creationId xmlns:p14="http://schemas.microsoft.com/office/powerpoint/2010/main" val="543663067"/>
+      </p:ext>
+    </p:extLst>
+  </p:cSld>
+  <p:clrMapOvr>
+    <a:masterClrMapping/>
+  </p:clrMapOvr>
+</p:sld>
+</file>
+
+<file path=ppt/slides/slide7.xml><?xml version="1.0" encoding="utf-8"?>
+<p:sld xmlns:a="http://schemas.openxmlformats.org/drawingml/2006/main" xmlns:r="http://schemas.openxmlformats.org/officeDocument/2006/relationships" xmlns:p="http://schemas.openxmlformats.org/presentationml/2006/main">
+  <p:cSld>
+    <p:spTree>
+      <p:nvGrpSpPr>
+        <p:cNvPr id="1" name=""/>
+        <p:cNvGrpSpPr/>
+        <p:nvPr/>
+      </p:nvGrpSpPr>
+      <p:grpSpPr>
+        <a:xfrm>
+          <a:off x="0" y="0"/>
+          <a:ext cx="0" cy="0"/>
+          <a:chOff x="0" y="0"/>
+          <a:chExt cx="0" cy="0"/>
+        </a:xfrm>
+      </p:grpSpPr>
+      <p:sp>
+        <p:nvSpPr>
+          <p:cNvPr id="21" name="Oval 20"/>
+          <p:cNvSpPr/>
+          <p:nvPr/>
+        </p:nvSpPr>
+        <p:spPr>
+          <a:xfrm>
+            <a:off x="3733800" y="438912"/>
+            <a:ext cx="782096" cy="783541"/>
+          </a:xfrm>
+          <a:prstGeom prst="ellipse">
+            <a:avLst/>
+          </a:prstGeom>
+          <a:solidFill>
+            <a:schemeClr val="accent4">
+              <a:lumMod val="20000"/>
+              <a:lumOff val="80000"/>
+            </a:schemeClr>
+          </a:solidFill>
+          <a:ln w="38100">
+            <a:solidFill>
+              <a:schemeClr val="tx1"/>
+            </a:solidFill>
+          </a:ln>
+        </p:spPr>
+        <p:style>
+          <a:lnRef idx="2">
+            <a:schemeClr val="accent1">
+              <a:shade val="50000"/>
+            </a:schemeClr>
+          </a:lnRef>
+          <a:fillRef idx="1">
+            <a:schemeClr val="accent1"/>
+          </a:fillRef>
+          <a:effectRef idx="0">
+            <a:schemeClr val="accent1"/>
+          </a:effectRef>
+          <a:fontRef idx="minor">
+            <a:schemeClr val="lt1"/>
+          </a:fontRef>
+        </p:style>
+        <p:txBody>
+          <a:bodyPr rtlCol="0" anchor="ctr"/>
+          <a:lstStyle/>
+          <a:p>
+            <a:pPr algn="ctr"/>
+            <a:endParaRPr lang="en-US"/>
+          </a:p>
+        </p:txBody>
+      </p:sp>
+      <p:sp>
+        <p:nvSpPr>
+          <p:cNvPr id="37" name="Oval 36"/>
+          <p:cNvSpPr/>
+          <p:nvPr/>
+        </p:nvSpPr>
+        <p:spPr>
+          <a:xfrm>
+            <a:off x="850900" y="4804459"/>
+            <a:ext cx="782096" cy="783541"/>
+          </a:xfrm>
+          <a:prstGeom prst="ellipse">
+            <a:avLst/>
+          </a:prstGeom>
+          <a:solidFill>
+            <a:schemeClr val="bg1">
+              <a:lumMod val="65000"/>
+            </a:schemeClr>
+          </a:solidFill>
+          <a:ln w="38100">
+            <a:solidFill>
+              <a:schemeClr val="tx1"/>
+            </a:solidFill>
+          </a:ln>
+        </p:spPr>
+        <p:style>
+          <a:lnRef idx="2">
+            <a:schemeClr val="accent1">
+              <a:shade val="50000"/>
+            </a:schemeClr>
+          </a:lnRef>
+          <a:fillRef idx="1">
+            <a:schemeClr val="accent1"/>
+          </a:fillRef>
+          <a:effectRef idx="0">
+            <a:schemeClr val="accent1"/>
+          </a:effectRef>
+          <a:fontRef idx="minor">
+            <a:schemeClr val="lt1"/>
+          </a:fontRef>
+        </p:style>
+        <p:txBody>
+          <a:bodyPr rtlCol="0" anchor="ctr"/>
+          <a:lstStyle/>
+          <a:p>
+            <a:pPr algn="ctr"/>
+            <a:endParaRPr lang="en-US"/>
+          </a:p>
+        </p:txBody>
+      </p:sp>
+      <p:sp>
+        <p:nvSpPr>
+          <p:cNvPr id="38" name="Oval 37"/>
+          <p:cNvSpPr/>
+          <p:nvPr/>
+        </p:nvSpPr>
+        <p:spPr>
+          <a:xfrm>
+            <a:off x="2679700" y="4804458"/>
+            <a:ext cx="782096" cy="783541"/>
+          </a:xfrm>
+          <a:prstGeom prst="ellipse">
+            <a:avLst/>
+          </a:prstGeom>
+          <a:solidFill>
+            <a:schemeClr val="bg1">
+              <a:lumMod val="65000"/>
+            </a:schemeClr>
+          </a:solidFill>
+          <a:ln w="38100">
+            <a:solidFill>
+              <a:schemeClr val="tx1"/>
+            </a:solidFill>
+          </a:ln>
+        </p:spPr>
+        <p:style>
+          <a:lnRef idx="2">
+            <a:schemeClr val="accent1">
+              <a:shade val="50000"/>
+            </a:schemeClr>
+          </a:lnRef>
+          <a:fillRef idx="1">
+            <a:schemeClr val="accent1"/>
+          </a:fillRef>
+          <a:effectRef idx="0">
+            <a:schemeClr val="accent1"/>
+          </a:effectRef>
+          <a:fontRef idx="minor">
+            <a:schemeClr val="lt1"/>
+          </a:fontRef>
+        </p:style>
+        <p:txBody>
+          <a:bodyPr rtlCol="0" anchor="ctr"/>
+          <a:lstStyle/>
+          <a:p>
+            <a:pPr algn="ctr"/>
+            <a:endParaRPr lang="en-US"/>
+          </a:p>
+        </p:txBody>
+      </p:sp>
+      <p:sp>
+        <p:nvSpPr>
+          <p:cNvPr id="39" name="Oval 38"/>
+          <p:cNvSpPr/>
+          <p:nvPr/>
+        </p:nvSpPr>
+        <p:spPr>
+          <a:xfrm>
+            <a:off x="4508500" y="4829859"/>
+            <a:ext cx="782096" cy="783541"/>
+          </a:xfrm>
+          <a:prstGeom prst="ellipse">
+            <a:avLst/>
+          </a:prstGeom>
+          <a:solidFill>
+            <a:schemeClr val="bg1">
+              <a:lumMod val="65000"/>
+            </a:schemeClr>
+          </a:solidFill>
+          <a:ln w="38100">
+            <a:solidFill>
+              <a:schemeClr val="tx1"/>
+            </a:solidFill>
+          </a:ln>
+        </p:spPr>
+        <p:style>
+          <a:lnRef idx="2">
+            <a:schemeClr val="accent1">
+              <a:shade val="50000"/>
+            </a:schemeClr>
+          </a:lnRef>
+          <a:fillRef idx="1">
+            <a:schemeClr val="accent1"/>
+          </a:fillRef>
+          <a:effectRef idx="0">
+            <a:schemeClr val="accent1"/>
+          </a:effectRef>
+          <a:fontRef idx="minor">
+            <a:schemeClr val="lt1"/>
+          </a:fontRef>
+        </p:style>
+        <p:txBody>
+          <a:bodyPr rtlCol="0" anchor="ctr"/>
+          <a:lstStyle/>
+          <a:p>
+            <a:pPr algn="ctr"/>
+            <a:endParaRPr lang="en-US"/>
+          </a:p>
+        </p:txBody>
+      </p:sp>
+      <p:sp>
+        <p:nvSpPr>
+          <p:cNvPr id="40" name="Oval 39"/>
+          <p:cNvSpPr/>
+          <p:nvPr/>
+        </p:nvSpPr>
+        <p:spPr>
+          <a:xfrm>
+            <a:off x="6337300" y="4829858"/>
+            <a:ext cx="782096" cy="783541"/>
+          </a:xfrm>
+          <a:prstGeom prst="ellipse">
+            <a:avLst/>
+          </a:prstGeom>
+          <a:solidFill>
+            <a:schemeClr val="bg1">
+              <a:lumMod val="65000"/>
+            </a:schemeClr>
+          </a:solidFill>
+          <a:ln w="38100">
+            <a:solidFill>
+              <a:schemeClr val="tx1"/>
+            </a:solidFill>
+          </a:ln>
+        </p:spPr>
+        <p:style>
+          <a:lnRef idx="2">
+            <a:schemeClr val="accent1">
+              <a:shade val="50000"/>
+            </a:schemeClr>
+          </a:lnRef>
+          <a:fillRef idx="1">
+            <a:schemeClr val="accent1"/>
+          </a:fillRef>
+          <a:effectRef idx="0">
+            <a:schemeClr val="accent1"/>
+          </a:effectRef>
+          <a:fontRef idx="minor">
+            <a:schemeClr val="lt1"/>
+          </a:fontRef>
+        </p:style>
+        <p:txBody>
+          <a:bodyPr rtlCol="0" anchor="ctr"/>
+          <a:lstStyle/>
+          <a:p>
+            <a:pPr algn="ctr"/>
+            <a:endParaRPr lang="en-US"/>
+          </a:p>
+        </p:txBody>
+      </p:sp>
+      <p:sp>
+        <p:nvSpPr>
+          <p:cNvPr id="45" name="Oval 44"/>
+          <p:cNvSpPr/>
+          <p:nvPr/>
+        </p:nvSpPr>
+        <p:spPr>
+          <a:xfrm>
+            <a:off x="3730752" y="2658158"/>
+            <a:ext cx="782096" cy="783541"/>
+          </a:xfrm>
+          <a:prstGeom prst="ellipse">
+            <a:avLst/>
+          </a:prstGeom>
+          <a:solidFill>
+            <a:schemeClr val="accent4">
+              <a:lumMod val="20000"/>
+              <a:lumOff val="80000"/>
+            </a:schemeClr>
+          </a:solidFill>
+          <a:ln w="38100">
+            <a:solidFill>
+              <a:schemeClr val="tx1"/>
+            </a:solidFill>
+          </a:ln>
+        </p:spPr>
+        <p:style>
+          <a:lnRef idx="2">
+            <a:schemeClr val="accent1">
+              <a:shade val="50000"/>
+            </a:schemeClr>
+          </a:lnRef>
+          <a:fillRef idx="1">
+            <a:schemeClr val="accent1"/>
+          </a:fillRef>
+          <a:effectRef idx="0">
+            <a:schemeClr val="accent1"/>
+          </a:effectRef>
+          <a:fontRef idx="minor">
+            <a:schemeClr val="lt1"/>
+          </a:fontRef>
+        </p:style>
+        <p:txBody>
+          <a:bodyPr rtlCol="0" anchor="ctr"/>
+          <a:lstStyle/>
+          <a:p>
+            <a:pPr algn="ctr"/>
+            <a:endParaRPr lang="en-US"/>
+          </a:p>
+        </p:txBody>
+      </p:sp>
+      <p:sp>
+        <p:nvSpPr>
+          <p:cNvPr id="47" name="Freeform 46"/>
+          <p:cNvSpPr/>
+          <p:nvPr/>
+        </p:nvSpPr>
+        <p:spPr>
+          <a:xfrm>
+            <a:off x="3840480" y="2777588"/>
+            <a:ext cx="587432" cy="382402"/>
+          </a:xfrm>
+          <a:custGeom>
+            <a:avLst/>
+            <a:gdLst>
+              <a:gd name="connsiteX0" fmla="*/ 0 w 515389"/>
+              <a:gd name="connsiteY0" fmla="*/ 343608 h 349150"/>
+              <a:gd name="connsiteX1" fmla="*/ 83127 w 515389"/>
+              <a:gd name="connsiteY1" fmla="*/ 271564 h 349150"/>
+              <a:gd name="connsiteX2" fmla="*/ 171797 w 515389"/>
+              <a:gd name="connsiteY2" fmla="*/ 88684 h 349150"/>
+              <a:gd name="connsiteX3" fmla="*/ 260466 w 515389"/>
+              <a:gd name="connsiteY3" fmla="*/ 15 h 349150"/>
+              <a:gd name="connsiteX4" fmla="*/ 349135 w 515389"/>
+              <a:gd name="connsiteY4" fmla="*/ 83142 h 349150"/>
+              <a:gd name="connsiteX5" fmla="*/ 432262 w 515389"/>
+              <a:gd name="connsiteY5" fmla="*/ 266022 h 349150"/>
+              <a:gd name="connsiteX6" fmla="*/ 515389 w 515389"/>
+              <a:gd name="connsiteY6" fmla="*/ 349150 h 349150"/>
+            </a:gdLst>
+            <a:ahLst/>
+            <a:cxnLst>
+              <a:cxn ang="0">
+                <a:pos x="connsiteX0" y="connsiteY0"/>
+              </a:cxn>
+              <a:cxn ang="0">
+                <a:pos x="connsiteX1" y="connsiteY1"/>
+              </a:cxn>
+              <a:cxn ang="0">
+                <a:pos x="connsiteX2" y="connsiteY2"/>
+              </a:cxn>
+              <a:cxn ang="0">
+                <a:pos x="connsiteX3" y="connsiteY3"/>
+              </a:cxn>
+              <a:cxn ang="0">
+                <a:pos x="connsiteX4" y="connsiteY4"/>
+              </a:cxn>
+              <a:cxn ang="0">
+                <a:pos x="connsiteX5" y="connsiteY5"/>
+              </a:cxn>
+              <a:cxn ang="0">
+                <a:pos x="connsiteX6" y="connsiteY6"/>
+              </a:cxn>
+            </a:cxnLst>
+            <a:rect l="l" t="t" r="r" b="b"/>
+            <a:pathLst>
+              <a:path w="515389" h="349150">
+                <a:moveTo>
+                  <a:pt x="0" y="343608"/>
+                </a:moveTo>
+                <a:cubicBezTo>
+                  <a:pt x="27247" y="328829"/>
+                  <a:pt x="54494" y="314051"/>
+                  <a:pt x="83127" y="271564"/>
+                </a:cubicBezTo>
+                <a:cubicBezTo>
+                  <a:pt x="111760" y="229077"/>
+                  <a:pt x="142241" y="133942"/>
+                  <a:pt x="171797" y="88684"/>
+                </a:cubicBezTo>
+                <a:cubicBezTo>
+                  <a:pt x="201353" y="43426"/>
+                  <a:pt x="230910" y="939"/>
+                  <a:pt x="260466" y="15"/>
+                </a:cubicBezTo>
+                <a:cubicBezTo>
+                  <a:pt x="290022" y="-909"/>
+                  <a:pt x="320502" y="38808"/>
+                  <a:pt x="349135" y="83142"/>
+                </a:cubicBezTo>
+                <a:cubicBezTo>
+                  <a:pt x="377768" y="127476"/>
+                  <a:pt x="404553" y="221687"/>
+                  <a:pt x="432262" y="266022"/>
+                </a:cubicBezTo>
+                <a:cubicBezTo>
+                  <a:pt x="459971" y="310357"/>
+                  <a:pt x="515389" y="349150"/>
+                  <a:pt x="515389" y="349150"/>
+                </a:cubicBezTo>
+              </a:path>
+            </a:pathLst>
+          </a:custGeom>
+          <a:solidFill>
+            <a:schemeClr val="accent4">
+              <a:lumMod val="20000"/>
+              <a:lumOff val="80000"/>
+            </a:schemeClr>
+          </a:solidFill>
+          <a:ln w="28575">
+            <a:solidFill>
+              <a:schemeClr val="accent6">
+                <a:lumMod val="75000"/>
+              </a:schemeClr>
+            </a:solidFill>
+          </a:ln>
+        </p:spPr>
+        <p:style>
+          <a:lnRef idx="2">
+            <a:schemeClr val="accent1">
+              <a:shade val="50000"/>
+            </a:schemeClr>
+          </a:lnRef>
+          <a:fillRef idx="1">
+            <a:schemeClr val="accent1"/>
+          </a:fillRef>
+          <a:effectRef idx="0">
+            <a:schemeClr val="accent1"/>
+          </a:effectRef>
+          <a:fontRef idx="minor">
+            <a:schemeClr val="lt1"/>
+          </a:fontRef>
+        </p:style>
+        <p:txBody>
+          <a:bodyPr rtlCol="0" anchor="ctr"/>
+          <a:lstStyle/>
+          <a:p>
+            <a:pPr algn="ctr"/>
+            <a:endParaRPr lang="en-US"/>
+          </a:p>
+        </p:txBody>
+      </p:sp>
+      <p:sp>
+        <p:nvSpPr>
+          <p:cNvPr id="52" name="Freeform 51"/>
+          <p:cNvSpPr/>
+          <p:nvPr/>
+        </p:nvSpPr>
+        <p:spPr>
+          <a:xfrm>
+            <a:off x="3946145" y="636720"/>
+            <a:ext cx="352724" cy="396434"/>
+          </a:xfrm>
+          <a:custGeom>
+            <a:avLst/>
+            <a:gdLst>
+              <a:gd name="connsiteX0" fmla="*/ 0 w 689487"/>
+              <a:gd name="connsiteY0" fmla="*/ 518469 h 528254"/>
+              <a:gd name="connsiteX1" fmla="*/ 84803 w 689487"/>
+              <a:gd name="connsiteY1" fmla="*/ 525844 h 528254"/>
+              <a:gd name="connsiteX2" fmla="*/ 258096 w 689487"/>
+              <a:gd name="connsiteY2" fmla="*/ 481598 h 528254"/>
+              <a:gd name="connsiteX3" fmla="*/ 346587 w 689487"/>
+              <a:gd name="connsiteY3" fmla="*/ 260373 h 528254"/>
+              <a:gd name="connsiteX4" fmla="*/ 431390 w 689487"/>
+              <a:gd name="connsiteY4" fmla="*/ 46521 h 528254"/>
+              <a:gd name="connsiteX5" fmla="*/ 604683 w 689487"/>
+              <a:gd name="connsiteY5" fmla="*/ 2276 h 528254"/>
+              <a:gd name="connsiteX6" fmla="*/ 689487 w 689487"/>
+              <a:gd name="connsiteY6" fmla="*/ 5963 h 528254"/>
+            </a:gdLst>
+            <a:ahLst/>
+            <a:cxnLst>
+              <a:cxn ang="0">
+                <a:pos x="connsiteX0" y="connsiteY0"/>
+              </a:cxn>
+              <a:cxn ang="0">
+                <a:pos x="connsiteX1" y="connsiteY1"/>
+              </a:cxn>
+              <a:cxn ang="0">
+                <a:pos x="connsiteX2" y="connsiteY2"/>
+              </a:cxn>
+              <a:cxn ang="0">
+                <a:pos x="connsiteX3" y="connsiteY3"/>
+              </a:cxn>
+              <a:cxn ang="0">
+                <a:pos x="connsiteX4" y="connsiteY4"/>
+              </a:cxn>
+              <a:cxn ang="0">
+                <a:pos x="connsiteX5" y="connsiteY5"/>
+              </a:cxn>
+              <a:cxn ang="0">
+                <a:pos x="connsiteX6" y="connsiteY6"/>
+              </a:cxn>
+            </a:cxnLst>
+            <a:rect l="l" t="t" r="r" b="b"/>
+            <a:pathLst>
+              <a:path w="689487" h="528254">
+                <a:moveTo>
+                  <a:pt x="0" y="518469"/>
+                </a:moveTo>
+                <a:cubicBezTo>
+                  <a:pt x="20893" y="525229"/>
+                  <a:pt x="41787" y="531989"/>
+                  <a:pt x="84803" y="525844"/>
+                </a:cubicBezTo>
+                <a:cubicBezTo>
+                  <a:pt x="127819" y="519699"/>
+                  <a:pt x="214465" y="525843"/>
+                  <a:pt x="258096" y="481598"/>
+                </a:cubicBezTo>
+                <a:cubicBezTo>
+                  <a:pt x="301727" y="437353"/>
+                  <a:pt x="317705" y="332886"/>
+                  <a:pt x="346587" y="260373"/>
+                </a:cubicBezTo>
+                <a:cubicBezTo>
+                  <a:pt x="375469" y="187860"/>
+                  <a:pt x="388374" y="89537"/>
+                  <a:pt x="431390" y="46521"/>
+                </a:cubicBezTo>
+                <a:cubicBezTo>
+                  <a:pt x="474406" y="3505"/>
+                  <a:pt x="561667" y="9036"/>
+                  <a:pt x="604683" y="2276"/>
+                </a:cubicBezTo>
+                <a:cubicBezTo>
+                  <a:pt x="647699" y="-4484"/>
+                  <a:pt x="689487" y="5963"/>
+                  <a:pt x="689487" y="5963"/>
+                </a:cubicBezTo>
+              </a:path>
+            </a:pathLst>
+          </a:custGeom>
+          <a:solidFill>
+            <a:schemeClr val="accent4">
+              <a:lumMod val="20000"/>
+              <a:lumOff val="80000"/>
+            </a:schemeClr>
+          </a:solidFill>
+          <a:ln w="28575">
+            <a:solidFill>
+              <a:schemeClr val="accent6">
+                <a:lumMod val="75000"/>
+              </a:schemeClr>
+            </a:solidFill>
+          </a:ln>
+        </p:spPr>
+        <p:style>
+          <a:lnRef idx="2">
+            <a:schemeClr val="accent1">
+              <a:shade val="50000"/>
+            </a:schemeClr>
+          </a:lnRef>
+          <a:fillRef idx="1">
+            <a:schemeClr val="accent1"/>
+          </a:fillRef>
+          <a:effectRef idx="0">
+            <a:schemeClr val="accent1"/>
+          </a:effectRef>
+          <a:fontRef idx="minor">
+            <a:schemeClr val="lt1"/>
+          </a:fontRef>
+        </p:style>
+        <p:txBody>
+          <a:bodyPr rtlCol="0" anchor="ctr"/>
+          <a:lstStyle/>
+          <a:p>
+            <a:pPr algn="ctr"/>
+            <a:endParaRPr lang="en-US"/>
+          </a:p>
+        </p:txBody>
+      </p:sp>
+      <p:cxnSp>
+        <p:nvCxnSpPr>
+          <p:cNvPr id="54" name="Straight Arrow Connector 53"/>
+          <p:cNvCxnSpPr>
+            <a:stCxn id="37" idx="0"/>
+            <a:endCxn id="45" idx="4"/>
+          </p:cNvCxnSpPr>
+          <p:nvPr/>
+        </p:nvCxnSpPr>
+        <p:spPr>
+          <a:xfrm flipV="1">
+            <a:off x="1241948" y="3441699"/>
+            <a:ext cx="2879852" cy="1362760"/>
+          </a:xfrm>
+          <a:prstGeom prst="straightConnector1">
+            <a:avLst/>
+          </a:prstGeom>
+          <a:ln w="25400">
+            <a:solidFill>
+              <a:schemeClr val="accent6">
+                <a:lumMod val="75000"/>
+                <a:alpha val="80000"/>
+              </a:schemeClr>
+            </a:solidFill>
+            <a:tailEnd type="none"/>
+          </a:ln>
+        </p:spPr>
+        <p:style>
+          <a:lnRef idx="1">
+            <a:schemeClr val="accent1"/>
+          </a:lnRef>
+          <a:fillRef idx="0">
+            <a:schemeClr val="accent1"/>
+          </a:fillRef>
+          <a:effectRef idx="0">
+            <a:schemeClr val="accent1"/>
+          </a:effectRef>
+          <a:fontRef idx="minor">
+            <a:schemeClr val="tx1"/>
+          </a:fontRef>
+        </p:style>
+      </p:cxnSp>
+      <p:cxnSp>
+        <p:nvCxnSpPr>
+          <p:cNvPr id="84" name="Straight Arrow Connector 83"/>
+          <p:cNvCxnSpPr>
+            <a:stCxn id="38" idx="0"/>
+            <a:endCxn id="45" idx="4"/>
+          </p:cNvCxnSpPr>
+          <p:nvPr/>
+        </p:nvCxnSpPr>
+        <p:spPr>
+          <a:xfrm flipV="1">
+            <a:off x="3070748" y="3441699"/>
+            <a:ext cx="1051052" cy="1362759"/>
+          </a:xfrm>
+          <a:prstGeom prst="straightConnector1">
+            <a:avLst/>
+          </a:prstGeom>
+          <a:ln w="25400">
+            <a:solidFill>
+              <a:schemeClr val="accent6">
+                <a:lumMod val="75000"/>
+                <a:alpha val="80000"/>
+              </a:schemeClr>
+            </a:solidFill>
+            <a:tailEnd type="none"/>
+          </a:ln>
+        </p:spPr>
+        <p:style>
+          <a:lnRef idx="1">
+            <a:schemeClr val="accent1"/>
+          </a:lnRef>
+          <a:fillRef idx="0">
+            <a:schemeClr val="accent1"/>
+          </a:fillRef>
+          <a:effectRef idx="0">
+            <a:schemeClr val="accent1"/>
+          </a:effectRef>
+          <a:fontRef idx="minor">
+            <a:schemeClr val="tx1"/>
+          </a:fontRef>
+        </p:style>
+      </p:cxnSp>
+      <p:cxnSp>
+        <p:nvCxnSpPr>
+          <p:cNvPr id="96" name="Straight Arrow Connector 95"/>
+          <p:cNvCxnSpPr>
+            <a:stCxn id="39" idx="0"/>
+            <a:endCxn id="45" idx="4"/>
+          </p:cNvCxnSpPr>
+          <p:nvPr/>
+        </p:nvCxnSpPr>
+        <p:spPr>
+          <a:xfrm flipH="1" flipV="1">
+            <a:off x="4121800" y="3441699"/>
+            <a:ext cx="777748" cy="1388160"/>
+          </a:xfrm>
+          <a:prstGeom prst="straightConnector1">
+            <a:avLst/>
+          </a:prstGeom>
+          <a:ln w="25400">
+            <a:solidFill>
+              <a:schemeClr val="accent6">
+                <a:lumMod val="75000"/>
+                <a:alpha val="80000"/>
+              </a:schemeClr>
+            </a:solidFill>
+            <a:tailEnd type="none"/>
+          </a:ln>
+        </p:spPr>
+        <p:style>
+          <a:lnRef idx="1">
+            <a:schemeClr val="accent1"/>
+          </a:lnRef>
+          <a:fillRef idx="0">
+            <a:schemeClr val="accent1"/>
+          </a:fillRef>
+          <a:effectRef idx="0">
+            <a:schemeClr val="accent1"/>
+          </a:effectRef>
+          <a:fontRef idx="minor">
+            <a:schemeClr val="tx1"/>
+          </a:fontRef>
+        </p:style>
+      </p:cxnSp>
+      <p:cxnSp>
+        <p:nvCxnSpPr>
+          <p:cNvPr id="111" name="Straight Arrow Connector 110"/>
+          <p:cNvCxnSpPr>
+            <a:stCxn id="40" idx="0"/>
+            <a:endCxn id="45" idx="4"/>
+          </p:cNvCxnSpPr>
+          <p:nvPr/>
+        </p:nvCxnSpPr>
+        <p:spPr>
+          <a:xfrm flipH="1" flipV="1">
+            <a:off x="4121800" y="3441699"/>
+            <a:ext cx="2606548" cy="1388159"/>
+          </a:xfrm>
+          <a:prstGeom prst="straightConnector1">
+            <a:avLst/>
+          </a:prstGeom>
+          <a:ln w="25400">
+            <a:solidFill>
+              <a:schemeClr val="accent6">
+                <a:lumMod val="75000"/>
+                <a:alpha val="80000"/>
+              </a:schemeClr>
+            </a:solidFill>
+            <a:tailEnd type="none"/>
+          </a:ln>
+        </p:spPr>
+        <p:style>
+          <a:lnRef idx="1">
+            <a:schemeClr val="accent1"/>
+          </a:lnRef>
+          <a:fillRef idx="0">
+            <a:schemeClr val="accent1"/>
+          </a:fillRef>
+          <a:effectRef idx="0">
+            <a:schemeClr val="accent1"/>
+          </a:effectRef>
+          <a:fontRef idx="minor">
+            <a:schemeClr val="tx1"/>
+          </a:fontRef>
+        </p:style>
+      </p:cxnSp>
+      <p:cxnSp>
+        <p:nvCxnSpPr>
+          <p:cNvPr id="127" name="Straight Arrow Connector 126"/>
+          <p:cNvCxnSpPr>
+            <a:stCxn id="21" idx="4"/>
+            <a:endCxn id="45" idx="0"/>
+          </p:cNvCxnSpPr>
+          <p:nvPr/>
+        </p:nvCxnSpPr>
+        <p:spPr>
+          <a:xfrm flipH="1">
+            <a:off x="4121800" y="1222453"/>
+            <a:ext cx="3048" cy="1435705"/>
+          </a:xfrm>
+          <a:prstGeom prst="straightConnector1">
+            <a:avLst/>
+          </a:prstGeom>
+          <a:ln w="25400">
+            <a:solidFill>
+              <a:schemeClr val="accent6">
+                <a:lumMod val="75000"/>
+                <a:alpha val="80000"/>
+              </a:schemeClr>
+            </a:solidFill>
+            <a:tailEnd type="none"/>
+          </a:ln>
+        </p:spPr>
+        <p:style>
+          <a:lnRef idx="1">
+            <a:schemeClr val="accent1"/>
+          </a:lnRef>
+          <a:fillRef idx="0">
+            <a:schemeClr val="accent1"/>
+          </a:fillRef>
+          <a:effectRef idx="0">
+            <a:schemeClr val="accent1"/>
+          </a:effectRef>
+          <a:fontRef idx="minor">
+            <a:schemeClr val="tx1"/>
+          </a:fontRef>
+        </p:style>
+      </p:cxnSp>
+    </p:spTree>
+    <p:extLst>
+      <p:ext uri="{BB962C8B-B14F-4D97-AF65-F5344CB8AC3E}">
+        <p14:creationId xmlns:p14="http://schemas.microsoft.com/office/powerpoint/2010/main" val="1947222425"/>
+      </p:ext>
+    </p:extLst>
+  </p:cSld>
+  <p:clrMapOvr>
+    <a:masterClrMapping/>
+  </p:clrMapOvr>
+</p:sld>
+</file>
+
+<file path=ppt/slides/slide8.xml><?xml version="1.0" encoding="utf-8"?>
+<p:sld xmlns:a="http://schemas.openxmlformats.org/drawingml/2006/main" xmlns:r="http://schemas.openxmlformats.org/officeDocument/2006/relationships" xmlns:p="http://schemas.openxmlformats.org/presentationml/2006/main">
+  <p:cSld>
+    <p:spTree>
+      <p:nvGrpSpPr>
+        <p:cNvPr id="1" name=""/>
+        <p:cNvGrpSpPr/>
+        <p:nvPr/>
+      </p:nvGrpSpPr>
+      <p:grpSpPr>
+        <a:xfrm>
+          <a:off x="0" y="0"/>
+          <a:ext cx="0" cy="0"/>
+          <a:chOff x="0" y="0"/>
+          <a:chExt cx="0" cy="0"/>
+        </a:xfrm>
+      </p:grpSpPr>
       <p:pic>
         <p:nvPicPr>
-          <p:cNvPr id="1037" name="Picture 13" descr="https://lh6.googleusercontent.com/Af-e__9i_0qGjy_dvvJWGAxZGs2kWiTuMSNNAo4H3MRY-AMzzL_2a__NlTxOcS3tBgnUGFxnxiCBEbmlbIpnev-FQ5GkxAU790xc3TmOIS4mHubwimQl2w9uOq48jwOWFl4KXIhCORQ"/>
+          <p:cNvPr id="13" name="Picture 2" descr="mage result for grid"/>
           <p:cNvPicPr>
             <a:picLocks noChangeAspect="1" noChangeArrowheads="1"/>
           </p:cNvPicPr>
@@ -6244,8 +9116,8 @@
         </p:blipFill>
         <p:spPr bwMode="auto">
           <a:xfrm>
-            <a:off x="1542294" y="5103774"/>
-            <a:ext cx="659451" cy="535026"/>
+            <a:off x="3551230" y="569633"/>
+            <a:ext cx="3786137" cy="2361988"/>
           </a:xfrm>
           <a:prstGeom prst="rect">
             <a:avLst/>
@@ -6262,57 +9134,16 @@
           </a:extLst>
         </p:spPr>
       </p:pic>
-      <p:pic>
-        <p:nvPicPr>
-          <p:cNvPr id="1034" name="Picture 10" descr="https://lh3.googleusercontent.com/72SAnca_rZXJJejVDSUg0kwEr2XMohtZAXIRjFqex5qYoD3Lhmps065m7mPW7Z9vom4AvCLAn3mPQyAm_DwamRdGgPmuw-MdLtwxQjE6R3JET8qe_4T33W4ejWoHy1DEgZo7ZCSsKX4"/>
-          <p:cNvPicPr>
-            <a:picLocks noChangeAspect="1" noChangeArrowheads="1"/>
-          </p:cNvPicPr>
-          <p:nvPr/>
-        </p:nvPicPr>
-        <p:blipFill>
-          <a:blip r:embed="rId3">
-            <a:extLst>
-              <a:ext uri="{28A0092B-C50C-407E-A947-70E740481C1C}">
-                <a14:useLocalDpi xmlns:a14="http://schemas.microsoft.com/office/drawing/2010/main" val="0"/>
-              </a:ext>
-            </a:extLst>
-          </a:blip>
-          <a:srcRect/>
-          <a:stretch>
-            <a:fillRect/>
-          </a:stretch>
-        </p:blipFill>
-        <p:spPr bwMode="auto">
-          <a:xfrm>
-            <a:off x="1516168" y="917300"/>
-            <a:ext cx="763658" cy="728075"/>
-          </a:xfrm>
-          <a:prstGeom prst="rect">
-            <a:avLst/>
-          </a:prstGeom>
-          <a:noFill/>
-          <a:extLst>
-            <a:ext uri="{909E8E84-426E-40DD-AFC4-6F175D3DCCD1}">
-              <a14:hiddenFill xmlns:a14="http://schemas.microsoft.com/office/drawing/2010/main">
-                <a:solidFill>
-                  <a:srgbClr val="FFFFFF"/>
-                </a:solidFill>
-              </a14:hiddenFill>
-            </a:ext>
-          </a:extLst>
-        </p:spPr>
-      </p:pic>
-      <p:sp>
-        <p:nvSpPr>
-          <p:cNvPr id="4" name="Oval 3"/>
+      <p:sp>
+        <p:nvSpPr>
+          <p:cNvPr id="45" name="Oval 44"/>
           <p:cNvSpPr/>
           <p:nvPr/>
         </p:nvSpPr>
         <p:spPr>
           <a:xfrm>
-            <a:off x="1293223" y="679269"/>
-            <a:ext cx="1175657" cy="1175657"/>
+            <a:off x="7196488" y="2462328"/>
+            <a:ext cx="782096" cy="783541"/>
           </a:xfrm>
           <a:prstGeom prst="ellipse">
             <a:avLst/>
@@ -6351,22 +9182,102 @@
       </p:sp>
       <p:sp>
         <p:nvSpPr>
-          <p:cNvPr id="16" name="Oval 15"/>
+          <p:cNvPr id="9" name="Freeform 8"/>
           <p:cNvSpPr/>
           <p:nvPr/>
         </p:nvSpPr>
         <p:spPr>
           <a:xfrm>
-            <a:off x="1301930" y="4750536"/>
-            <a:ext cx="1175657" cy="1175657"/>
-          </a:xfrm>
-          <a:prstGeom prst="ellipse">
-            <a:avLst/>
-          </a:prstGeom>
+            <a:off x="7298577" y="2637888"/>
+            <a:ext cx="587432" cy="382402"/>
+          </a:xfrm>
+          <a:custGeom>
+            <a:avLst/>
+            <a:gdLst>
+              <a:gd name="connsiteX0" fmla="*/ 0 w 515389"/>
+              <a:gd name="connsiteY0" fmla="*/ 343608 h 349150"/>
+              <a:gd name="connsiteX1" fmla="*/ 83127 w 515389"/>
+              <a:gd name="connsiteY1" fmla="*/ 271564 h 349150"/>
+              <a:gd name="connsiteX2" fmla="*/ 171797 w 515389"/>
+              <a:gd name="connsiteY2" fmla="*/ 88684 h 349150"/>
+              <a:gd name="connsiteX3" fmla="*/ 260466 w 515389"/>
+              <a:gd name="connsiteY3" fmla="*/ 15 h 349150"/>
+              <a:gd name="connsiteX4" fmla="*/ 349135 w 515389"/>
+              <a:gd name="connsiteY4" fmla="*/ 83142 h 349150"/>
+              <a:gd name="connsiteX5" fmla="*/ 432262 w 515389"/>
+              <a:gd name="connsiteY5" fmla="*/ 266022 h 349150"/>
+              <a:gd name="connsiteX6" fmla="*/ 515389 w 515389"/>
+              <a:gd name="connsiteY6" fmla="*/ 349150 h 349150"/>
+            </a:gdLst>
+            <a:ahLst/>
+            <a:cxnLst>
+              <a:cxn ang="0">
+                <a:pos x="connsiteX0" y="connsiteY0"/>
+              </a:cxn>
+              <a:cxn ang="0">
+                <a:pos x="connsiteX1" y="connsiteY1"/>
+              </a:cxn>
+              <a:cxn ang="0">
+                <a:pos x="connsiteX2" y="connsiteY2"/>
+              </a:cxn>
+              <a:cxn ang="0">
+                <a:pos x="connsiteX3" y="connsiteY3"/>
+              </a:cxn>
+              <a:cxn ang="0">
+                <a:pos x="connsiteX4" y="connsiteY4"/>
+              </a:cxn>
+              <a:cxn ang="0">
+                <a:pos x="connsiteX5" y="connsiteY5"/>
+              </a:cxn>
+              <a:cxn ang="0">
+                <a:pos x="connsiteX6" y="connsiteY6"/>
+              </a:cxn>
+            </a:cxnLst>
+            <a:rect l="l" t="t" r="r" b="b"/>
+            <a:pathLst>
+              <a:path w="515389" h="349150">
+                <a:moveTo>
+                  <a:pt x="0" y="343608"/>
+                </a:moveTo>
+                <a:cubicBezTo>
+                  <a:pt x="27247" y="328829"/>
+                  <a:pt x="54494" y="314051"/>
+                  <a:pt x="83127" y="271564"/>
+                </a:cubicBezTo>
+                <a:cubicBezTo>
+                  <a:pt x="111760" y="229077"/>
+                  <a:pt x="142241" y="133942"/>
+                  <a:pt x="171797" y="88684"/>
+                </a:cubicBezTo>
+                <a:cubicBezTo>
+                  <a:pt x="201353" y="43426"/>
+                  <a:pt x="230910" y="939"/>
+                  <a:pt x="260466" y="15"/>
+                </a:cubicBezTo>
+                <a:cubicBezTo>
+                  <a:pt x="290022" y="-909"/>
+                  <a:pt x="320502" y="38808"/>
+                  <a:pt x="349135" y="83142"/>
+                </a:cubicBezTo>
+                <a:cubicBezTo>
+                  <a:pt x="377768" y="127476"/>
+                  <a:pt x="404553" y="221687"/>
+                  <a:pt x="432262" y="266022"/>
+                </a:cubicBezTo>
+                <a:cubicBezTo>
+                  <a:pt x="459971" y="310357"/>
+                  <a:pt x="515389" y="349150"/>
+                  <a:pt x="515389" y="349150"/>
+                </a:cubicBezTo>
+              </a:path>
+            </a:pathLst>
+          </a:custGeom>
           <a:noFill/>
-          <a:ln w="38100">
+          <a:ln w="28575">
             <a:solidFill>
-              <a:schemeClr val="tx1"/>
+              <a:schemeClr val="accent6">
+                <a:lumMod val="75000"/>
+              </a:schemeClr>
             </a:solidFill>
           </a:ln>
         </p:spPr>
@@ -6395,227 +9306,136 @@
           </a:p>
         </p:txBody>
       </p:sp>
-      <p:cxnSp>
-        <p:nvCxnSpPr>
-          <p:cNvPr id="6" name="Straight Arrow Connector 5"/>
-          <p:cNvCxnSpPr>
-            <a:stCxn id="4" idx="4"/>
-            <a:endCxn id="16" idx="0"/>
-          </p:cNvCxnSpPr>
-          <p:nvPr/>
-        </p:nvCxnSpPr>
-        <p:spPr>
-          <a:xfrm>
-            <a:off x="1881052" y="1854926"/>
-            <a:ext cx="8707" cy="2895610"/>
-          </a:xfrm>
-          <a:prstGeom prst="straightConnector1">
-            <a:avLst/>
-          </a:prstGeom>
-          <a:ln w="47625">
+      <p:sp>
+        <p:nvSpPr>
+          <p:cNvPr id="14" name="Freeform 13"/>
+          <p:cNvSpPr/>
+          <p:nvPr/>
+        </p:nvSpPr>
+        <p:spPr>
+          <a:xfrm>
+            <a:off x="6043152" y="2313221"/>
+            <a:ext cx="689487" cy="528254"/>
+          </a:xfrm>
+          <a:custGeom>
+            <a:avLst/>
+            <a:gdLst>
+              <a:gd name="connsiteX0" fmla="*/ 0 w 689487"/>
+              <a:gd name="connsiteY0" fmla="*/ 518469 h 528254"/>
+              <a:gd name="connsiteX1" fmla="*/ 84803 w 689487"/>
+              <a:gd name="connsiteY1" fmla="*/ 525844 h 528254"/>
+              <a:gd name="connsiteX2" fmla="*/ 258096 w 689487"/>
+              <a:gd name="connsiteY2" fmla="*/ 481598 h 528254"/>
+              <a:gd name="connsiteX3" fmla="*/ 346587 w 689487"/>
+              <a:gd name="connsiteY3" fmla="*/ 260373 h 528254"/>
+              <a:gd name="connsiteX4" fmla="*/ 431390 w 689487"/>
+              <a:gd name="connsiteY4" fmla="*/ 46521 h 528254"/>
+              <a:gd name="connsiteX5" fmla="*/ 604683 w 689487"/>
+              <a:gd name="connsiteY5" fmla="*/ 2276 h 528254"/>
+              <a:gd name="connsiteX6" fmla="*/ 689487 w 689487"/>
+              <a:gd name="connsiteY6" fmla="*/ 5963 h 528254"/>
+            </a:gdLst>
+            <a:ahLst/>
+            <a:cxnLst>
+              <a:cxn ang="0">
+                <a:pos x="connsiteX0" y="connsiteY0"/>
+              </a:cxn>
+              <a:cxn ang="0">
+                <a:pos x="connsiteX1" y="connsiteY1"/>
+              </a:cxn>
+              <a:cxn ang="0">
+                <a:pos x="connsiteX2" y="connsiteY2"/>
+              </a:cxn>
+              <a:cxn ang="0">
+                <a:pos x="connsiteX3" y="connsiteY3"/>
+              </a:cxn>
+              <a:cxn ang="0">
+                <a:pos x="connsiteX4" y="connsiteY4"/>
+              </a:cxn>
+              <a:cxn ang="0">
+                <a:pos x="connsiteX5" y="connsiteY5"/>
+              </a:cxn>
+              <a:cxn ang="0">
+                <a:pos x="connsiteX6" y="connsiteY6"/>
+              </a:cxn>
+            </a:cxnLst>
+            <a:rect l="l" t="t" r="r" b="b"/>
+            <a:pathLst>
+              <a:path w="689487" h="528254">
+                <a:moveTo>
+                  <a:pt x="0" y="518469"/>
+                </a:moveTo>
+                <a:cubicBezTo>
+                  <a:pt x="20893" y="525229"/>
+                  <a:pt x="41787" y="531989"/>
+                  <a:pt x="84803" y="525844"/>
+                </a:cubicBezTo>
+                <a:cubicBezTo>
+                  <a:pt x="127819" y="519699"/>
+                  <a:pt x="214465" y="525843"/>
+                  <a:pt x="258096" y="481598"/>
+                </a:cubicBezTo>
+                <a:cubicBezTo>
+                  <a:pt x="301727" y="437353"/>
+                  <a:pt x="317705" y="332886"/>
+                  <a:pt x="346587" y="260373"/>
+                </a:cubicBezTo>
+                <a:cubicBezTo>
+                  <a:pt x="375469" y="187860"/>
+                  <a:pt x="388374" y="89537"/>
+                  <a:pt x="431390" y="46521"/>
+                </a:cubicBezTo>
+                <a:cubicBezTo>
+                  <a:pt x="474406" y="3505"/>
+                  <a:pt x="561667" y="9036"/>
+                  <a:pt x="604683" y="2276"/>
+                </a:cubicBezTo>
+                <a:cubicBezTo>
+                  <a:pt x="647699" y="-4484"/>
+                  <a:pt x="689487" y="5963"/>
+                  <a:pt x="689487" y="5963"/>
+                </a:cubicBezTo>
+              </a:path>
+            </a:pathLst>
+          </a:custGeom>
+          <a:noFill/>
+          <a:ln>
             <a:solidFill>
-              <a:srgbClr val="E32635"/>
+              <a:schemeClr val="accent6">
+                <a:lumMod val="75000"/>
+              </a:schemeClr>
             </a:solidFill>
-            <a:tailEnd type="triangle" w="lg" len="lg"/>
           </a:ln>
         </p:spPr>
         <p:style>
-          <a:lnRef idx="1">
-            <a:schemeClr val="accent1"/>
+          <a:lnRef idx="2">
+            <a:schemeClr val="accent1">
+              <a:shade val="50000"/>
+            </a:schemeClr>
           </a:lnRef>
-          <a:fillRef idx="0">
+          <a:fillRef idx="1">
             <a:schemeClr val="accent1"/>
           </a:fillRef>
           <a:effectRef idx="0">
             <a:schemeClr val="accent1"/>
           </a:effectRef>
           <a:fontRef idx="minor">
-            <a:schemeClr val="tx1"/>
+            <a:schemeClr val="lt1"/>
           </a:fontRef>
         </p:style>
-      </p:cxnSp>
-      <p:cxnSp>
-        <p:nvCxnSpPr>
-          <p:cNvPr id="27" name="Curved Connector 26"/>
-          <p:cNvCxnSpPr>
-            <a:stCxn id="16" idx="6"/>
-            <a:endCxn id="4" idx="6"/>
-          </p:cNvCxnSpPr>
-          <p:nvPr/>
-        </p:nvCxnSpPr>
-        <p:spPr>
-          <a:xfrm flipH="1" flipV="1">
-            <a:off x="2468880" y="1267098"/>
-            <a:ext cx="8707" cy="4071267"/>
-          </a:xfrm>
-          <a:prstGeom prst="curvedConnector3">
-            <a:avLst>
-              <a:gd name="adj1" fmla="val -13127369"/>
-            </a:avLst>
-          </a:prstGeom>
-          <a:ln w="47625">
-            <a:solidFill>
-              <a:srgbClr val="0037A8"/>
-            </a:solidFill>
-            <a:tailEnd type="triangle" w="lg" len="lg"/>
-          </a:ln>
-        </p:spPr>
-        <p:style>
-          <a:lnRef idx="1">
-            <a:schemeClr val="accent1"/>
-          </a:lnRef>
-          <a:fillRef idx="0">
-            <a:schemeClr val="accent1"/>
-          </a:fillRef>
-          <a:effectRef idx="0">
-            <a:schemeClr val="accent1"/>
-          </a:effectRef>
-          <a:fontRef idx="minor">
-            <a:schemeClr val="tx1"/>
-          </a:fontRef>
-        </p:style>
-      </p:cxnSp>
-      <p:pic>
-        <p:nvPicPr>
-          <p:cNvPr id="1035" name="Picture 11" descr="https://lh4.googleusercontent.com/4WbOszBdT-niaWTDz2WbyJQYBPB-dzF6vU9LSUwSN6f830sYcf3EoBcVtJ55NwfGFwPlpMAAWs9woJRmJ4ftXeMZSNbimezE5UfDObcJ6OkGhVTx55lLzYpSTDMz7YlZUqkKjHO5RAg"/>
-          <p:cNvPicPr>
-            <a:picLocks noChangeAspect="1" noChangeArrowheads="1"/>
-          </p:cNvPicPr>
-          <p:nvPr/>
-        </p:nvPicPr>
-        <p:blipFill>
-          <a:blip r:embed="rId4">
-            <a:extLst>
-              <a:ext uri="{28A0092B-C50C-407E-A947-70E740481C1C}">
-                <a14:useLocalDpi xmlns:a14="http://schemas.microsoft.com/office/drawing/2010/main" val="0"/>
-              </a:ext>
-            </a:extLst>
-          </a:blip>
-          <a:srcRect/>
-          <a:stretch>
-            <a:fillRect/>
-          </a:stretch>
-        </p:blipFill>
-        <p:spPr bwMode="auto">
-          <a:xfrm>
-            <a:off x="194740" y="2940293"/>
-            <a:ext cx="1653224" cy="724875"/>
-          </a:xfrm>
-          <a:prstGeom prst="rect">
-            <a:avLst/>
-          </a:prstGeom>
-          <a:noFill/>
-          <a:extLst>
-            <a:ext uri="{909E8E84-426E-40DD-AFC4-6F175D3DCCD1}">
-              <a14:hiddenFill xmlns:a14="http://schemas.microsoft.com/office/drawing/2010/main">
-                <a:solidFill>
-                  <a:srgbClr val="FFFFFF"/>
-                </a:solidFill>
-              </a14:hiddenFill>
-            </a:ext>
-          </a:extLst>
-        </p:spPr>
-      </p:pic>
-      <p:pic>
-        <p:nvPicPr>
-          <p:cNvPr id="33" name="Picture 32"/>
-          <p:cNvPicPr>
-            <a:picLocks noChangeAspect="1"/>
-          </p:cNvPicPr>
-          <p:nvPr/>
-        </p:nvPicPr>
-        <p:blipFill>
-          <a:blip r:embed="rId5"/>
-          <a:stretch>
-            <a:fillRect/>
-          </a:stretch>
-        </p:blipFill>
-        <p:spPr>
-          <a:xfrm>
-            <a:off x="2548134" y="2940293"/>
-            <a:ext cx="2088822" cy="686280"/>
-          </a:xfrm>
-          <a:prstGeom prst="rect">
-            <a:avLst/>
-          </a:prstGeom>
-        </p:spPr>
-      </p:pic>
-      <p:pic>
-        <p:nvPicPr>
-          <p:cNvPr id="34" name="Picture 33"/>
-          <p:cNvPicPr>
-            <a:picLocks noChangeAspect="1"/>
-          </p:cNvPicPr>
-          <p:nvPr/>
-        </p:nvPicPr>
-        <p:blipFill>
-          <a:blip r:embed="rId6"/>
-          <a:stretch>
-            <a:fillRect/>
-          </a:stretch>
-        </p:blipFill>
-        <p:spPr>
-          <a:xfrm>
-            <a:off x="2548134" y="4750536"/>
-            <a:ext cx="8013700" cy="2667000"/>
-          </a:xfrm>
-          <a:prstGeom prst="rect">
-            <a:avLst/>
-          </a:prstGeom>
-        </p:spPr>
-      </p:pic>
-      <p:pic>
-        <p:nvPicPr>
-          <p:cNvPr id="35" name="Picture 34"/>
-          <p:cNvPicPr>
-            <a:picLocks noChangeAspect="1"/>
-          </p:cNvPicPr>
-          <p:nvPr/>
-        </p:nvPicPr>
-        <p:blipFill>
-          <a:blip r:embed="rId7"/>
-          <a:stretch>
-            <a:fillRect/>
-          </a:stretch>
-        </p:blipFill>
-        <p:spPr>
-          <a:xfrm>
-            <a:off x="7586800" y="179785"/>
-            <a:ext cx="7315200" cy="2679700"/>
-          </a:xfrm>
-          <a:prstGeom prst="rect">
-            <a:avLst/>
-          </a:prstGeom>
-        </p:spPr>
-      </p:pic>
-      <p:pic>
-        <p:nvPicPr>
-          <p:cNvPr id="36" name="Picture 35"/>
-          <p:cNvPicPr>
-            <a:picLocks noChangeAspect="1"/>
-          </p:cNvPicPr>
-          <p:nvPr/>
-        </p:nvPicPr>
-        <p:blipFill>
-          <a:blip r:embed="rId8"/>
-          <a:stretch>
-            <a:fillRect/>
-          </a:stretch>
-        </p:blipFill>
-        <p:spPr>
-          <a:xfrm>
-            <a:off x="8293100" y="3896915"/>
-            <a:ext cx="6464300" cy="2882900"/>
-          </a:xfrm>
-          <a:prstGeom prst="rect">
-            <a:avLst/>
-          </a:prstGeom>
-        </p:spPr>
-      </p:pic>
+        <p:txBody>
+          <a:bodyPr rtlCol="0" anchor="ctr"/>
+          <a:lstStyle/>
+          <a:p>
+            <a:pPr algn="ctr"/>
+            <a:endParaRPr lang="en-US"/>
+          </a:p>
+        </p:txBody>
+      </p:sp>
     </p:spTree>
     <p:extLst>
       <p:ext uri="{BB962C8B-B14F-4D97-AF65-F5344CB8AC3E}">
-        <p14:creationId xmlns:p14="http://schemas.microsoft.com/office/powerpoint/2010/main" val="1288763229"/>
+        <p14:creationId xmlns:p14="http://schemas.microsoft.com/office/powerpoint/2010/main" val="1801431784"/>
       </p:ext>
     </p:extLst>
   </p:cSld>
@@ -6628,7 +9448,7 @@
 <file path=ppt/theme/theme1.xml><?xml version="1.0" encoding="utf-8"?>
 <a:theme xmlns:a="http://schemas.openxmlformats.org/drawingml/2006/main" name="Office Theme">
   <a:themeElements>
-    <a:clrScheme name="Office">
+    <a:clrScheme name="Office Theme">
       <a:dk1>
         <a:sysClr val="windowText" lastClr="000000"/>
       </a:dk1>
@@ -6666,14 +9486,14 @@
         <a:srgbClr val="954F72"/>
       </a:folHlink>
     </a:clrScheme>
-    <a:fontScheme name="Office">
+    <a:fontScheme name="Office Theme">
       <a:majorFont>
         <a:latin typeface="Calibri Light" panose="020F0302020204030204"/>
         <a:ea typeface=""/>
         <a:cs typeface=""/>
-        <a:font script="Jpan" typeface="Yu Gothic Light"/>
+        <a:font script="Jpan" typeface="游ゴシック Light"/>
         <a:font script="Hang" typeface="맑은 고딕"/>
-        <a:font script="Hans" typeface="DengXian Light"/>
+        <a:font script="Hans" typeface="等线 Light"/>
         <a:font script="Hant" typeface="新細明體"/>
         <a:font script="Arab" typeface="Times New Roman"/>
         <a:font script="Hebr" typeface="Times New Roman"/>
@@ -6706,9 +9526,9 @@
         <a:latin typeface="Calibri" panose="020F0502020204030204"/>
         <a:ea typeface=""/>
         <a:cs typeface=""/>
-        <a:font script="Jpan" typeface="Yu Gothic"/>
+        <a:font script="Jpan" typeface="游ゴシック"/>
         <a:font script="Hang" typeface="맑은 고딕"/>
-        <a:font script="Hans" typeface="DengXian"/>
+        <a:font script="Hans" typeface="等线"/>
         <a:font script="Hant" typeface="新細明體"/>
         <a:font script="Arab" typeface="Arial"/>
         <a:font script="Hebr" typeface="Arial"/>
@@ -6738,7 +9558,7 @@
         <a:font script="Geor" typeface="Sylfaen"/>
       </a:minorFont>
     </a:fontScheme>
-    <a:fmtScheme name="Office">
+    <a:fmtScheme name="Office Theme">
       <a:fillStyleLst>
         <a:solidFill>
           <a:schemeClr val="phClr"/>
